--- a/Output/MentalHealth_in_the_US.pptx
+++ b/Output/MentalHealth_in_the_US.pptx
@@ -7,6 +7,7 @@
   <p:sldIdLst>
     <p:sldId id="256" r:id="rId2"/>
     <p:sldId id="257" r:id="rId3"/>
+    <p:sldId id="258" r:id="rId4"/>
   </p:sldIdLst>
   <p:sldSz cx="12192000" cy="6858000"/>
   <p:notesSz cx="6858000" cy="9144000"/>
@@ -105,6 +106,11 @@
       </a:defRPr>
     </a:lvl9pPr>
   </p:defaultTextStyle>
+  <p:extLst>
+    <p:ext uri="{EFAFB233-063F-42B5-8137-9DF3F51BA10A}">
+      <p15:sldGuideLst xmlns:p15="http://schemas.microsoft.com/office/powerpoint/2012/main"/>
+    </p:ext>
+  </p:extLst>
 </p:presentation>
 </file>
 
@@ -6105,7 +6111,10 @@
           <a:bodyPr/>
           <a:lstStyle/>
           <a:p>
-            <a:endParaRPr lang="en-CA" dirty="0"/>
+            <a:r>
+              <a:rPr lang="en-CA" dirty="0"/>
+              <a:t>Interactive map of Mental Health in the US by State</a:t>
+            </a:r>
           </a:p>
         </p:txBody>
       </p:sp>
@@ -6134,9 +6143,36 @@
               <a:rPr lang="en-CA" dirty="0">
                 <a:hlinkClick r:id="rId2" action="ppaction://hlinkfile"/>
               </a:rPr>
-              <a:t>Interactive map of Mental Health in US States</a:t>
+              <a:t>Link</a:t>
             </a:r>
             <a:endParaRPr lang="en-CA" dirty="0"/>
+          </a:p>
+          <a:p>
+            <a:r>
+              <a:rPr lang="en-CA" dirty="0"/>
+              <a:t>States with highest severity:</a:t>
+            </a:r>
+          </a:p>
+          <a:p>
+            <a:pPr lvl="1"/>
+            <a:r>
+              <a:rPr lang="en-CA" dirty="0"/>
+              <a:t>Oregon</a:t>
+            </a:r>
+          </a:p>
+          <a:p>
+            <a:pPr lvl="1"/>
+            <a:r>
+              <a:rPr lang="en-CA" dirty="0"/>
+              <a:t>Alabama</a:t>
+            </a:r>
+          </a:p>
+          <a:p>
+            <a:pPr lvl="1"/>
+            <a:r>
+              <a:rPr lang="en-CA" dirty="0"/>
+              <a:t>Kentucky</a:t>
+            </a:r>
           </a:p>
         </p:txBody>
       </p:sp>
@@ -6144,6 +6180,92 @@
     <p:extLst>
       <p:ext uri="{BB962C8B-B14F-4D97-AF65-F5344CB8AC3E}">
         <p14:creationId xmlns:p14="http://schemas.microsoft.com/office/powerpoint/2010/main" val="2223817716"/>
+      </p:ext>
+    </p:extLst>
+  </p:cSld>
+  <p:clrMapOvr>
+    <a:masterClrMapping/>
+  </p:clrMapOvr>
+</p:sld>
+</file>
+
+<file path=ppt/slides/slide3.xml><?xml version="1.0" encoding="utf-8"?>
+<p:sld xmlns:a="http://schemas.openxmlformats.org/drawingml/2006/main" xmlns:r="http://schemas.openxmlformats.org/officeDocument/2006/relationships" xmlns:p="http://schemas.openxmlformats.org/presentationml/2006/main">
+  <p:cSld>
+    <p:spTree>
+      <p:nvGrpSpPr>
+        <p:cNvPr id="1" name=""/>
+        <p:cNvGrpSpPr/>
+        <p:nvPr/>
+      </p:nvGrpSpPr>
+      <p:grpSpPr>
+        <a:xfrm>
+          <a:off x="0" y="0"/>
+          <a:ext cx="0" cy="0"/>
+          <a:chOff x="0" y="0"/>
+          <a:chExt cx="0" cy="0"/>
+        </a:xfrm>
+      </p:grpSpPr>
+      <p:sp>
+        <p:nvSpPr>
+          <p:cNvPr id="2" name="Title 1">
+            <a:extLst>
+              <a:ext uri="{FF2B5EF4-FFF2-40B4-BE49-F238E27FC236}">
+                <a16:creationId xmlns:a16="http://schemas.microsoft.com/office/drawing/2014/main" id="{DE886F02-1799-4896-A55B-7F5D36377B24}"/>
+              </a:ext>
+            </a:extLst>
+          </p:cNvPr>
+          <p:cNvSpPr>
+            <a:spLocks noGrp="1"/>
+          </p:cNvSpPr>
+          <p:nvPr>
+            <p:ph type="title"/>
+          </p:nvPr>
+        </p:nvSpPr>
+        <p:spPr/>
+        <p:txBody>
+          <a:bodyPr/>
+          <a:lstStyle/>
+          <a:p>
+            <a:r>
+              <a:rPr lang="en-CA" dirty="0"/>
+              <a:t>Data sources</a:t>
+            </a:r>
+          </a:p>
+        </p:txBody>
+      </p:sp>
+      <p:sp>
+        <p:nvSpPr>
+          <p:cNvPr id="3" name="Content Placeholder 2">
+            <a:extLst>
+              <a:ext uri="{FF2B5EF4-FFF2-40B4-BE49-F238E27FC236}">
+                <a16:creationId xmlns:a16="http://schemas.microsoft.com/office/drawing/2014/main" id="{5D0A61D0-358A-42C2-8322-C861C1A7F0EE}"/>
+              </a:ext>
+            </a:extLst>
+          </p:cNvPr>
+          <p:cNvSpPr>
+            <a:spLocks noGrp="1"/>
+          </p:cNvSpPr>
+          <p:nvPr>
+            <p:ph idx="1"/>
+          </p:nvPr>
+        </p:nvSpPr>
+        <p:spPr/>
+        <p:txBody>
+          <a:bodyPr/>
+          <a:lstStyle/>
+          <a:p>
+            <a:r>
+              <a:rPr lang="en-CA" dirty="0"/>
+              <a:t>Data.gov</a:t>
+            </a:r>
+          </a:p>
+        </p:txBody>
+      </p:sp>
+    </p:spTree>
+    <p:extLst>
+      <p:ext uri="{BB962C8B-B14F-4D97-AF65-F5344CB8AC3E}">
+        <p14:creationId xmlns:p14="http://schemas.microsoft.com/office/powerpoint/2010/main" val="2090690541"/>
       </p:ext>
     </p:extLst>
   </p:cSld>

--- a/Output/MentalHealth_in_the_US.pptx
+++ b/Output/MentalHealth_in_the_US.pptx
@@ -6252,13 +6252,109 @@
         </p:nvSpPr>
         <p:spPr/>
         <p:txBody>
-          <a:bodyPr/>
+          <a:bodyPr>
+            <a:normAutofit fontScale="70000" lnSpcReduction="20000"/>
+          </a:bodyPr>
           <a:lstStyle/>
           <a:p>
             <a:r>
               <a:rPr lang="en-CA" dirty="0"/>
-              <a:t>Data.gov</a:t>
-            </a:r>
+              <a:t>BEA (Bureau of Economic Analysis):</a:t>
+            </a:r>
+          </a:p>
+          <a:p>
+            <a:pPr lvl="1"/>
+            <a:r>
+              <a:rPr lang="en-CA" dirty="0"/>
+              <a:t>Personal income</a:t>
+            </a:r>
+          </a:p>
+          <a:p>
+            <a:pPr lvl="1"/>
+            <a:r>
+              <a:rPr lang="en-CA" dirty="0"/>
+              <a:t>GDP</a:t>
+            </a:r>
+          </a:p>
+          <a:p>
+            <a:r>
+              <a:rPr lang="en-CA" dirty="0"/>
+              <a:t>CDC (Center for Disease Control and Prevention):</a:t>
+            </a:r>
+          </a:p>
+          <a:p>
+            <a:pPr lvl="1"/>
+            <a:r>
+              <a:rPr lang="en-CA" dirty="0"/>
+              <a:t>Suicide rates</a:t>
+            </a:r>
+          </a:p>
+          <a:p>
+            <a:r>
+              <a:rPr lang="en-CA" dirty="0"/>
+              <a:t>US Census Data</a:t>
+            </a:r>
+          </a:p>
+          <a:p>
+            <a:pPr lvl="1"/>
+            <a:r>
+              <a:rPr lang="en-CA" dirty="0"/>
+              <a:t>Unemployment</a:t>
+            </a:r>
+          </a:p>
+          <a:p>
+            <a:pPr lvl="1"/>
+            <a:r>
+              <a:rPr lang="en-CA" dirty="0"/>
+              <a:t>Poverty status</a:t>
+            </a:r>
+          </a:p>
+          <a:p>
+            <a:pPr lvl="1"/>
+            <a:r>
+              <a:rPr lang="en-CA" dirty="0"/>
+              <a:t>Home ownership</a:t>
+            </a:r>
+          </a:p>
+          <a:p>
+            <a:pPr lvl="1"/>
+            <a:r>
+              <a:rPr lang="en-CA" dirty="0"/>
+              <a:t>Medical coverage status</a:t>
+            </a:r>
+          </a:p>
+          <a:p>
+            <a:r>
+              <a:rPr lang="en-CA" dirty="0"/>
+              <a:t>Data.gov:</a:t>
+            </a:r>
+          </a:p>
+          <a:p>
+            <a:pPr lvl="1"/>
+            <a:r>
+              <a:rPr lang="en-CA" dirty="0"/>
+              <a:t>Severity of mental illness by state</a:t>
+            </a:r>
+          </a:p>
+          <a:p>
+            <a:r>
+              <a:rPr lang="en-CA" dirty="0"/>
+              <a:t>SAMHDA (Substance Abuse and Mental Health Data Archive):</a:t>
+            </a:r>
+          </a:p>
+          <a:p>
+            <a:pPr lvl="1"/>
+            <a:r>
+              <a:rPr lang="en-CA" dirty="0"/>
+              <a:t>Mental illness by state</a:t>
+            </a:r>
+          </a:p>
+          <a:p>
+            <a:pPr lvl="1"/>
+            <a:endParaRPr lang="en-CA" dirty="0"/>
+          </a:p>
+          <a:p>
+            <a:endParaRPr lang="en-CA" dirty="0"/>
           </a:p>
         </p:txBody>
       </p:sp>

--- a/Output/MentalHealth_in_the_US.pptx
+++ b/Output/MentalHealth_in_the_US.pptx
@@ -8,6 +8,11 @@
     <p:sldId id="256" r:id="rId2"/>
     <p:sldId id="257" r:id="rId3"/>
     <p:sldId id="258" r:id="rId4"/>
+    <p:sldId id="259" r:id="rId5"/>
+    <p:sldId id="260" r:id="rId6"/>
+    <p:sldId id="261" r:id="rId7"/>
+    <p:sldId id="262" r:id="rId8"/>
+    <p:sldId id="263" r:id="rId9"/>
   </p:sldIdLst>
   <p:sldSz cx="12192000" cy="6858000"/>
   <p:notesSz cx="6858000" cy="9144000"/>
@@ -300,7 +305,7 @@
           <a:p>
             <a:fld id="{4AAD347D-5ACD-4C99-B74B-A9C85AD731AF}" type="datetimeFigureOut">
               <a:rPr lang="en-US" dirty="0"/>
-              <a:t>3/12/2019</a:t>
+              <a:t>3/12/19</a:t>
             </a:fld>
             <a:endParaRPr lang="en-US" dirty="0"/>
           </a:p>
@@ -570,7 +575,7 @@
           <a:p>
             <a:fld id="{4509A250-FF31-4206-8172-F9D3106AACB1}" type="datetimeFigureOut">
               <a:rPr lang="en-US" dirty="0"/>
-              <a:t>3/12/2019</a:t>
+              <a:t>3/12/19</a:t>
             </a:fld>
             <a:endParaRPr lang="en-US" dirty="0"/>
           </a:p>
@@ -759,7 +764,7 @@
           <a:p>
             <a:fld id="{4509A250-FF31-4206-8172-F9D3106AACB1}" type="datetimeFigureOut">
               <a:rPr lang="en-US" dirty="0"/>
-              <a:t>3/12/2019</a:t>
+              <a:t>3/12/19</a:t>
             </a:fld>
             <a:endParaRPr lang="en-US" dirty="0"/>
           </a:p>
@@ -1027,7 +1032,7 @@
           <a:p>
             <a:fld id="{4509A250-FF31-4206-8172-F9D3106AACB1}" type="datetimeFigureOut">
               <a:rPr lang="en-US" dirty="0"/>
-              <a:t>3/12/2019</a:t>
+              <a:t>3/12/19</a:t>
             </a:fld>
             <a:endParaRPr lang="en-US" dirty="0"/>
           </a:p>
@@ -1363,7 +1368,7 @@
           <a:p>
             <a:fld id="{4509A250-FF31-4206-8172-F9D3106AACB1}" type="datetimeFigureOut">
               <a:rPr lang="en-US" dirty="0"/>
-              <a:t>3/12/2019</a:t>
+              <a:t>3/12/19</a:t>
             </a:fld>
             <a:endParaRPr lang="en-US" dirty="0"/>
           </a:p>
@@ -1981,7 +1986,7 @@
           <a:p>
             <a:fld id="{4509A250-FF31-4206-8172-F9D3106AACB1}" type="datetimeFigureOut">
               <a:rPr lang="en-US" dirty="0"/>
-              <a:t>3/12/2019</a:t>
+              <a:t>3/12/19</a:t>
             </a:fld>
             <a:endParaRPr lang="en-US" dirty="0"/>
           </a:p>
@@ -2836,7 +2841,7 @@
           <a:p>
             <a:fld id="{4509A250-FF31-4206-8172-F9D3106AACB1}" type="datetimeFigureOut">
               <a:rPr lang="en-US" dirty="0"/>
-              <a:t>3/12/2019</a:t>
+              <a:t>3/12/19</a:t>
             </a:fld>
             <a:endParaRPr lang="en-US" dirty="0"/>
           </a:p>
@@ -3001,7 +3006,7 @@
           <a:p>
             <a:fld id="{4509A250-FF31-4206-8172-F9D3106AACB1}" type="datetimeFigureOut">
               <a:rPr lang="en-US" dirty="0"/>
-              <a:t>3/12/2019</a:t>
+              <a:t>3/12/19</a:t>
             </a:fld>
             <a:endParaRPr lang="en-US" dirty="0"/>
           </a:p>
@@ -3176,7 +3181,7 @@
           <a:p>
             <a:fld id="{4509A250-FF31-4206-8172-F9D3106AACB1}" type="datetimeFigureOut">
               <a:rPr lang="en-US" dirty="0"/>
-              <a:t>3/12/2019</a:t>
+              <a:t>3/12/19</a:t>
             </a:fld>
             <a:endParaRPr lang="en-US" dirty="0"/>
           </a:p>
@@ -3341,7 +3346,7 @@
           <a:p>
             <a:fld id="{4509A250-FF31-4206-8172-F9D3106AACB1}" type="datetimeFigureOut">
               <a:rPr lang="en-US" dirty="0"/>
-              <a:t>3/12/2019</a:t>
+              <a:t>3/12/19</a:t>
             </a:fld>
             <a:endParaRPr lang="en-US" dirty="0"/>
           </a:p>
@@ -3583,7 +3588,7 @@
           <a:p>
             <a:fld id="{9796027F-7875-4030-9381-8BD8C4F21935}" type="datetimeFigureOut">
               <a:rPr lang="en-US" dirty="0"/>
-              <a:t>3/12/2019</a:t>
+              <a:t>3/12/19</a:t>
             </a:fld>
             <a:endParaRPr lang="en-US" dirty="0"/>
           </a:p>
@@ -3870,7 +3875,7 @@
           <a:p>
             <a:fld id="{9796027F-7875-4030-9381-8BD8C4F21935}" type="datetimeFigureOut">
               <a:rPr lang="en-US" dirty="0"/>
-              <a:t>3/12/2019</a:t>
+              <a:t>3/12/19</a:t>
             </a:fld>
             <a:endParaRPr lang="en-US" dirty="0"/>
           </a:p>
@@ -4309,7 +4314,7 @@
           <a:p>
             <a:fld id="{9796027F-7875-4030-9381-8BD8C4F21935}" type="datetimeFigureOut">
               <a:rPr lang="en-US" dirty="0"/>
-              <a:t>3/12/2019</a:t>
+              <a:t>3/12/19</a:t>
             </a:fld>
             <a:endParaRPr lang="en-US" dirty="0"/>
           </a:p>
@@ -4422,7 +4427,7 @@
           <a:p>
             <a:fld id="{4509A250-FF31-4206-8172-F9D3106AACB1}" type="datetimeFigureOut">
               <a:rPr lang="en-US" dirty="0"/>
-              <a:t>3/12/2019</a:t>
+              <a:t>3/12/19</a:t>
             </a:fld>
             <a:endParaRPr lang="en-US" dirty="0"/>
           </a:p>
@@ -4512,7 +4517,7 @@
           <a:p>
             <a:fld id="{4509A250-FF31-4206-8172-F9D3106AACB1}" type="datetimeFigureOut">
               <a:rPr lang="en-US" dirty="0"/>
-              <a:t>3/12/2019</a:t>
+              <a:t>3/12/19</a:t>
             </a:fld>
             <a:endParaRPr lang="en-US" dirty="0"/>
           </a:p>
@@ -4786,7 +4791,7 @@
           <a:p>
             <a:fld id="{4509A250-FF31-4206-8172-F9D3106AACB1}" type="datetimeFigureOut">
               <a:rPr lang="en-US" dirty="0"/>
-              <a:t>3/12/2019</a:t>
+              <a:t>3/12/19</a:t>
             </a:fld>
             <a:endParaRPr lang="en-US" dirty="0"/>
           </a:p>
@@ -5056,7 +5061,7 @@
           <a:p>
             <a:fld id="{4509A250-FF31-4206-8172-F9D3106AACB1}" type="datetimeFigureOut">
               <a:rPr lang="en-US" dirty="0"/>
-              <a:t>3/12/2019</a:t>
+              <a:t>3/12/19</a:t>
             </a:fld>
             <a:endParaRPr lang="en-US" dirty="0"/>
           </a:p>
@@ -5480,7 +5485,7 @@
           <a:p>
             <a:fld id="{4AAD347D-5ACD-4C99-B74B-A9C85AD731AF}" type="datetimeFigureOut">
               <a:rPr lang="en-US" dirty="0"/>
-              <a:t>3/12/2019</a:t>
+              <a:t>3/12/19</a:t>
             </a:fld>
             <a:endParaRPr lang="en-US" dirty="0"/>
           </a:p>
@@ -6371,6 +6376,780 @@
 </p:sld>
 </file>
 
+<file path=ppt/slides/slide4.xml><?xml version="1.0" encoding="utf-8"?>
+<p:sld xmlns:a="http://schemas.openxmlformats.org/drawingml/2006/main" xmlns:r="http://schemas.openxmlformats.org/officeDocument/2006/relationships" xmlns:p="http://schemas.openxmlformats.org/presentationml/2006/main">
+  <p:cSld>
+    <p:spTree>
+      <p:nvGrpSpPr>
+        <p:cNvPr id="1" name=""/>
+        <p:cNvGrpSpPr/>
+        <p:nvPr/>
+      </p:nvGrpSpPr>
+      <p:grpSpPr>
+        <a:xfrm>
+          <a:off x="0" y="0"/>
+          <a:ext cx="0" cy="0"/>
+          <a:chOff x="0" y="0"/>
+          <a:chExt cx="0" cy="0"/>
+        </a:xfrm>
+      </p:grpSpPr>
+      <p:sp>
+        <p:nvSpPr>
+          <p:cNvPr id="2" name="Title 1">
+            <a:extLst>
+              <a:ext uri="{FF2B5EF4-FFF2-40B4-BE49-F238E27FC236}">
+                <a16:creationId xmlns:a16="http://schemas.microsoft.com/office/drawing/2014/main" id="{571B0E1C-03B3-8F46-884E-0B80941C7108}"/>
+              </a:ext>
+            </a:extLst>
+          </p:cNvPr>
+          <p:cNvSpPr>
+            <a:spLocks noGrp="1"/>
+          </p:cNvSpPr>
+          <p:nvPr>
+            <p:ph type="title"/>
+          </p:nvPr>
+        </p:nvSpPr>
+        <p:spPr>
+          <a:xfrm>
+            <a:off x="646111" y="452718"/>
+            <a:ext cx="9404723" cy="871990"/>
+          </a:xfrm>
+        </p:spPr>
+        <p:txBody>
+          <a:bodyPr/>
+          <a:lstStyle/>
+          <a:p>
+            <a:r>
+              <a:rPr lang="en-US" dirty="0"/>
+              <a:t>Objectives</a:t>
+            </a:r>
+          </a:p>
+        </p:txBody>
+      </p:sp>
+      <p:sp>
+        <p:nvSpPr>
+          <p:cNvPr id="3" name="Content Placeholder 2">
+            <a:extLst>
+              <a:ext uri="{FF2B5EF4-FFF2-40B4-BE49-F238E27FC236}">
+                <a16:creationId xmlns:a16="http://schemas.microsoft.com/office/drawing/2014/main" id="{2655ADEA-F524-5D45-9579-D4B570EF6E96}"/>
+              </a:ext>
+            </a:extLst>
+          </p:cNvPr>
+          <p:cNvSpPr>
+            <a:spLocks noGrp="1"/>
+          </p:cNvSpPr>
+          <p:nvPr>
+            <p:ph idx="1"/>
+          </p:nvPr>
+        </p:nvSpPr>
+        <p:spPr>
+          <a:xfrm>
+            <a:off x="808892" y="1324708"/>
+            <a:ext cx="9240961" cy="4923692"/>
+          </a:xfrm>
+        </p:spPr>
+        <p:txBody>
+          <a:bodyPr/>
+          <a:lstStyle/>
+          <a:p>
+            <a:r>
+              <a:rPr lang="en-CA" dirty="0"/>
+              <a:t>Study the prevalence of mental health issues in US and comparison with various socio-economic factors.</a:t>
+            </a:r>
+          </a:p>
+          <a:p>
+            <a:pPr lvl="1"/>
+            <a:r>
+              <a:rPr lang="en-CA" dirty="0"/>
+              <a:t>Severity of mental health issues in various states in the US</a:t>
+            </a:r>
+          </a:p>
+          <a:p>
+            <a:pPr lvl="1"/>
+            <a:r>
+              <a:rPr lang="en-CA" dirty="0"/>
+              <a:t>% Population with mental health issues</a:t>
+            </a:r>
+          </a:p>
+          <a:p>
+            <a:pPr lvl="1"/>
+            <a:r>
+              <a:rPr lang="en-CA" dirty="0"/>
+              <a:t>Suicide Rates</a:t>
+            </a:r>
+          </a:p>
+          <a:p>
+            <a:pPr lvl="1"/>
+            <a:r>
+              <a:rPr lang="en-CA" dirty="0"/>
+              <a:t>Disposable Income</a:t>
+            </a:r>
+          </a:p>
+          <a:p>
+            <a:pPr lvl="1"/>
+            <a:r>
+              <a:rPr lang="en-CA" dirty="0"/>
+              <a:t>GDP</a:t>
+            </a:r>
+          </a:p>
+          <a:p>
+            <a:pPr lvl="1"/>
+            <a:r>
+              <a:rPr lang="en-CA" dirty="0"/>
+              <a:t>Unemployment</a:t>
+            </a:r>
+          </a:p>
+          <a:p>
+            <a:pPr lvl="1"/>
+            <a:r>
+              <a:rPr lang="en-CA" dirty="0"/>
+              <a:t>Poverty</a:t>
+            </a:r>
+          </a:p>
+          <a:p>
+            <a:pPr lvl="1"/>
+            <a:r>
+              <a:rPr lang="en-CA" dirty="0"/>
+              <a:t>Home Ownership</a:t>
+            </a:r>
+          </a:p>
+          <a:p>
+            <a:pPr lvl="1"/>
+            <a:r>
+              <a:rPr lang="en-CA" dirty="0"/>
+              <a:t>Presence of medical coverage</a:t>
+            </a:r>
+          </a:p>
+          <a:p>
+            <a:pPr lvl="1"/>
+            <a:endParaRPr lang="en-CA" dirty="0"/>
+          </a:p>
+          <a:p>
+            <a:pPr lvl="1"/>
+            <a:endParaRPr lang="en-CA" dirty="0"/>
+          </a:p>
+        </p:txBody>
+      </p:sp>
+    </p:spTree>
+    <p:extLst>
+      <p:ext uri="{BB962C8B-B14F-4D97-AF65-F5344CB8AC3E}">
+        <p14:creationId xmlns:p14="http://schemas.microsoft.com/office/powerpoint/2010/main" val="3904233758"/>
+      </p:ext>
+    </p:extLst>
+  </p:cSld>
+  <p:clrMapOvr>
+    <a:masterClrMapping/>
+  </p:clrMapOvr>
+</p:sld>
+</file>
+
+<file path=ppt/slides/slide5.xml><?xml version="1.0" encoding="utf-8"?>
+<p:sld xmlns:a="http://schemas.openxmlformats.org/drawingml/2006/main" xmlns:r="http://schemas.openxmlformats.org/officeDocument/2006/relationships" xmlns:p="http://schemas.openxmlformats.org/presentationml/2006/main">
+  <p:cSld>
+    <p:spTree>
+      <p:nvGrpSpPr>
+        <p:cNvPr id="1" name=""/>
+        <p:cNvGrpSpPr/>
+        <p:nvPr/>
+      </p:nvGrpSpPr>
+      <p:grpSpPr>
+        <a:xfrm>
+          <a:off x="0" y="0"/>
+          <a:ext cx="0" cy="0"/>
+          <a:chOff x="0" y="0"/>
+          <a:chExt cx="0" cy="0"/>
+        </a:xfrm>
+      </p:grpSpPr>
+      <p:sp>
+        <p:nvSpPr>
+          <p:cNvPr id="2" name="Title 1">
+            <a:extLst>
+              <a:ext uri="{FF2B5EF4-FFF2-40B4-BE49-F238E27FC236}">
+                <a16:creationId xmlns:a16="http://schemas.microsoft.com/office/drawing/2014/main" id="{05277E86-FD59-5F42-88D1-0629CFF58F06}"/>
+              </a:ext>
+            </a:extLst>
+          </p:cNvPr>
+          <p:cNvSpPr>
+            <a:spLocks noGrp="1"/>
+          </p:cNvSpPr>
+          <p:nvPr>
+            <p:ph type="title"/>
+          </p:nvPr>
+        </p:nvSpPr>
+        <p:spPr/>
+        <p:txBody>
+          <a:bodyPr/>
+          <a:lstStyle/>
+          <a:p>
+            <a:r>
+              <a:rPr lang="en-US" dirty="0"/>
+              <a:t>Challenges</a:t>
+            </a:r>
+          </a:p>
+        </p:txBody>
+      </p:sp>
+      <p:sp>
+        <p:nvSpPr>
+          <p:cNvPr id="3" name="Content Placeholder 2">
+            <a:extLst>
+              <a:ext uri="{FF2B5EF4-FFF2-40B4-BE49-F238E27FC236}">
+                <a16:creationId xmlns:a16="http://schemas.microsoft.com/office/drawing/2014/main" id="{48673D8E-4520-F845-9F12-5DD5C5FFC855}"/>
+              </a:ext>
+            </a:extLst>
+          </p:cNvPr>
+          <p:cNvSpPr>
+            <a:spLocks noGrp="1"/>
+          </p:cNvSpPr>
+          <p:nvPr>
+            <p:ph idx="1"/>
+          </p:nvPr>
+        </p:nvSpPr>
+        <p:spPr>
+          <a:xfrm>
+            <a:off x="562708" y="1383324"/>
+            <a:ext cx="9487145" cy="4865076"/>
+          </a:xfrm>
+        </p:spPr>
+        <p:txBody>
+          <a:bodyPr/>
+          <a:lstStyle/>
+          <a:p>
+            <a:r>
+              <a:rPr lang="en-US" dirty="0"/>
+              <a:t>Data cleaning</a:t>
+            </a:r>
+          </a:p>
+          <a:p>
+            <a:r>
+              <a:rPr lang="en-US" dirty="0"/>
+              <a:t>Syntax familiarity</a:t>
+            </a:r>
+          </a:p>
+          <a:p>
+            <a:r>
+              <a:rPr lang="en-US" dirty="0"/>
+              <a:t>Learning new libraries</a:t>
+            </a:r>
+          </a:p>
+          <a:p>
+            <a:r>
+              <a:rPr lang="en-US" dirty="0"/>
+              <a:t>Finding data we can actually work with</a:t>
+            </a:r>
+          </a:p>
+          <a:p>
+            <a:r>
+              <a:rPr lang="en-US" dirty="0"/>
+              <a:t>Using API</a:t>
+            </a:r>
+          </a:p>
+          <a:p>
+            <a:r>
+              <a:rPr lang="en-US" dirty="0"/>
+              <a:t>Interpreting statistics</a:t>
+            </a:r>
+          </a:p>
+        </p:txBody>
+      </p:sp>
+    </p:spTree>
+    <p:extLst>
+      <p:ext uri="{BB962C8B-B14F-4D97-AF65-F5344CB8AC3E}">
+        <p14:creationId xmlns:p14="http://schemas.microsoft.com/office/powerpoint/2010/main" val="1238574187"/>
+      </p:ext>
+    </p:extLst>
+  </p:cSld>
+  <p:clrMapOvr>
+    <a:masterClrMapping/>
+  </p:clrMapOvr>
+</p:sld>
+</file>
+
+<file path=ppt/slides/slide6.xml><?xml version="1.0" encoding="utf-8"?>
+<p:sld xmlns:a="http://schemas.openxmlformats.org/drawingml/2006/main" xmlns:r="http://schemas.openxmlformats.org/officeDocument/2006/relationships" xmlns:p="http://schemas.openxmlformats.org/presentationml/2006/main">
+  <p:cSld>
+    <p:spTree>
+      <p:nvGrpSpPr>
+        <p:cNvPr id="1" name=""/>
+        <p:cNvGrpSpPr/>
+        <p:nvPr/>
+      </p:nvGrpSpPr>
+      <p:grpSpPr>
+        <a:xfrm>
+          <a:off x="0" y="0"/>
+          <a:ext cx="0" cy="0"/>
+          <a:chOff x="0" y="0"/>
+          <a:chExt cx="0" cy="0"/>
+        </a:xfrm>
+      </p:grpSpPr>
+      <p:sp>
+        <p:nvSpPr>
+          <p:cNvPr id="2" name="Title 1">
+            <a:extLst>
+              <a:ext uri="{FF2B5EF4-FFF2-40B4-BE49-F238E27FC236}">
+                <a16:creationId xmlns:a16="http://schemas.microsoft.com/office/drawing/2014/main" id="{1E364593-785A-4841-9E39-74FCCFF74020}"/>
+              </a:ext>
+            </a:extLst>
+          </p:cNvPr>
+          <p:cNvSpPr>
+            <a:spLocks noGrp="1"/>
+          </p:cNvSpPr>
+          <p:nvPr>
+            <p:ph type="title"/>
+          </p:nvPr>
+        </p:nvSpPr>
+        <p:spPr/>
+        <p:txBody>
+          <a:bodyPr/>
+          <a:lstStyle/>
+          <a:p>
+            <a:r>
+              <a:rPr lang="en-US" dirty="0"/>
+              <a:t>Mental Illness and Suicide Rates</a:t>
+            </a:r>
+          </a:p>
+        </p:txBody>
+      </p:sp>
+      <p:pic>
+        <p:nvPicPr>
+          <p:cNvPr id="5" name="Content Placeholder 4">
+            <a:extLst>
+              <a:ext uri="{FF2B5EF4-FFF2-40B4-BE49-F238E27FC236}">
+                <a16:creationId xmlns:a16="http://schemas.microsoft.com/office/drawing/2014/main" id="{85C7A6D8-7123-494E-BE38-F6A99BBA5E07}"/>
+              </a:ext>
+            </a:extLst>
+          </p:cNvPr>
+          <p:cNvPicPr>
+            <a:picLocks noGrp="1" noChangeAspect="1"/>
+          </p:cNvPicPr>
+          <p:nvPr>
+            <p:ph idx="1"/>
+          </p:nvPr>
+        </p:nvPicPr>
+        <p:blipFill>
+          <a:blip r:embed="rId2"/>
+          <a:stretch>
+            <a:fillRect/>
+          </a:stretch>
+        </p:blipFill>
+        <p:spPr>
+          <a:xfrm>
+            <a:off x="840727" y="1703327"/>
+            <a:ext cx="6924639" cy="4701955"/>
+          </a:xfrm>
+        </p:spPr>
+      </p:pic>
+      <p:sp>
+        <p:nvSpPr>
+          <p:cNvPr id="6" name="TextBox 5">
+            <a:extLst>
+              <a:ext uri="{FF2B5EF4-FFF2-40B4-BE49-F238E27FC236}">
+                <a16:creationId xmlns:a16="http://schemas.microsoft.com/office/drawing/2014/main" id="{4663E410-AC8D-C84D-A001-FD2830B27157}"/>
+              </a:ext>
+            </a:extLst>
+          </p:cNvPr>
+          <p:cNvSpPr txBox="1"/>
+          <p:nvPr/>
+        </p:nvSpPr>
+        <p:spPr>
+          <a:xfrm>
+            <a:off x="8032652" y="1703327"/>
+            <a:ext cx="3179299" cy="1200329"/>
+          </a:xfrm>
+          <a:prstGeom prst="rect">
+            <a:avLst/>
+          </a:prstGeom>
+          <a:noFill/>
+        </p:spPr>
+        <p:txBody>
+          <a:bodyPr wrap="square" rtlCol="0">
+            <a:spAutoFit/>
+          </a:bodyPr>
+          <a:lstStyle/>
+          <a:p>
+            <a:r>
+              <a:rPr lang="en-US" dirty="0"/>
+              <a:t>States with higher percentage of population with mental illnesses have higher suicide rates.</a:t>
+            </a:r>
+          </a:p>
+        </p:txBody>
+      </p:sp>
+      <p:sp>
+        <p:nvSpPr>
+          <p:cNvPr id="7" name="TextBox 6">
+            <a:extLst>
+              <a:ext uri="{FF2B5EF4-FFF2-40B4-BE49-F238E27FC236}">
+                <a16:creationId xmlns:a16="http://schemas.microsoft.com/office/drawing/2014/main" id="{A46E8627-3399-0349-99A0-6ABBCCADEEFE}"/>
+              </a:ext>
+            </a:extLst>
+          </p:cNvPr>
+          <p:cNvSpPr txBox="1"/>
+          <p:nvPr/>
+        </p:nvSpPr>
+        <p:spPr>
+          <a:xfrm>
+            <a:off x="8032652" y="3305908"/>
+            <a:ext cx="3038622" cy="646331"/>
+          </a:xfrm>
+          <a:prstGeom prst="rect">
+            <a:avLst/>
+          </a:prstGeom>
+          <a:noFill/>
+        </p:spPr>
+        <p:txBody>
+          <a:bodyPr wrap="square" rtlCol="0">
+            <a:spAutoFit/>
+          </a:bodyPr>
+          <a:lstStyle/>
+          <a:p>
+            <a:r>
+              <a:rPr lang="en-US" dirty="0"/>
+              <a:t>Correlation coefficient: 0.46</a:t>
+            </a:r>
+          </a:p>
+        </p:txBody>
+      </p:sp>
+    </p:spTree>
+    <p:extLst>
+      <p:ext uri="{BB962C8B-B14F-4D97-AF65-F5344CB8AC3E}">
+        <p14:creationId xmlns:p14="http://schemas.microsoft.com/office/powerpoint/2010/main" val="4205868080"/>
+      </p:ext>
+    </p:extLst>
+  </p:cSld>
+  <p:clrMapOvr>
+    <a:masterClrMapping/>
+  </p:clrMapOvr>
+</p:sld>
+</file>
+
+<file path=ppt/slides/slide7.xml><?xml version="1.0" encoding="utf-8"?>
+<p:sld xmlns:a="http://schemas.openxmlformats.org/drawingml/2006/main" xmlns:r="http://schemas.openxmlformats.org/officeDocument/2006/relationships" xmlns:p="http://schemas.openxmlformats.org/presentationml/2006/main">
+  <p:cSld>
+    <p:spTree>
+      <p:nvGrpSpPr>
+        <p:cNvPr id="1" name=""/>
+        <p:cNvGrpSpPr/>
+        <p:nvPr/>
+      </p:nvGrpSpPr>
+      <p:grpSpPr>
+        <a:xfrm>
+          <a:off x="0" y="0"/>
+          <a:ext cx="0" cy="0"/>
+          <a:chOff x="0" y="0"/>
+          <a:chExt cx="0" cy="0"/>
+        </a:xfrm>
+      </p:grpSpPr>
+      <p:sp>
+        <p:nvSpPr>
+          <p:cNvPr id="2" name="Title 1">
+            <a:extLst>
+              <a:ext uri="{FF2B5EF4-FFF2-40B4-BE49-F238E27FC236}">
+                <a16:creationId xmlns:a16="http://schemas.microsoft.com/office/drawing/2014/main" id="{1E364593-785A-4841-9E39-74FCCFF74020}"/>
+              </a:ext>
+            </a:extLst>
+          </p:cNvPr>
+          <p:cNvSpPr>
+            <a:spLocks noGrp="1"/>
+          </p:cNvSpPr>
+          <p:nvPr>
+            <p:ph type="title"/>
+          </p:nvPr>
+        </p:nvSpPr>
+        <p:spPr/>
+        <p:txBody>
+          <a:bodyPr/>
+          <a:lstStyle/>
+          <a:p>
+            <a:r>
+              <a:rPr lang="en-US" dirty="0"/>
+              <a:t>Mental Illness and Income</a:t>
+            </a:r>
+          </a:p>
+        </p:txBody>
+      </p:sp>
+      <p:sp>
+        <p:nvSpPr>
+          <p:cNvPr id="6" name="TextBox 5">
+            <a:extLst>
+              <a:ext uri="{FF2B5EF4-FFF2-40B4-BE49-F238E27FC236}">
+                <a16:creationId xmlns:a16="http://schemas.microsoft.com/office/drawing/2014/main" id="{4663E410-AC8D-C84D-A001-FD2830B27157}"/>
+              </a:ext>
+            </a:extLst>
+          </p:cNvPr>
+          <p:cNvSpPr txBox="1"/>
+          <p:nvPr/>
+        </p:nvSpPr>
+        <p:spPr>
+          <a:xfrm>
+            <a:off x="8032652" y="1703327"/>
+            <a:ext cx="3179299" cy="1754326"/>
+          </a:xfrm>
+          <a:prstGeom prst="rect">
+            <a:avLst/>
+          </a:prstGeom>
+          <a:noFill/>
+        </p:spPr>
+        <p:txBody>
+          <a:bodyPr wrap="square" rtlCol="0">
+            <a:spAutoFit/>
+          </a:bodyPr>
+          <a:lstStyle/>
+          <a:p>
+            <a:r>
+              <a:rPr lang="en-US" dirty="0"/>
+              <a:t>Weak negative correlation- States with higher income have lower percentage of population with mental illness.</a:t>
+            </a:r>
+          </a:p>
+          <a:p>
+            <a:endParaRPr lang="en-US" dirty="0"/>
+          </a:p>
+        </p:txBody>
+      </p:sp>
+      <p:sp>
+        <p:nvSpPr>
+          <p:cNvPr id="7" name="TextBox 6">
+            <a:extLst>
+              <a:ext uri="{FF2B5EF4-FFF2-40B4-BE49-F238E27FC236}">
+                <a16:creationId xmlns:a16="http://schemas.microsoft.com/office/drawing/2014/main" id="{A46E8627-3399-0349-99A0-6ABBCCADEEFE}"/>
+              </a:ext>
+            </a:extLst>
+          </p:cNvPr>
+          <p:cNvSpPr txBox="1"/>
+          <p:nvPr/>
+        </p:nvSpPr>
+        <p:spPr>
+          <a:xfrm>
+            <a:off x="8032652" y="3305908"/>
+            <a:ext cx="3038622" cy="646331"/>
+          </a:xfrm>
+          <a:prstGeom prst="rect">
+            <a:avLst/>
+          </a:prstGeom>
+          <a:noFill/>
+        </p:spPr>
+        <p:txBody>
+          <a:bodyPr wrap="square" rtlCol="0">
+            <a:spAutoFit/>
+          </a:bodyPr>
+          <a:lstStyle/>
+          <a:p>
+            <a:r>
+              <a:rPr lang="en-US" dirty="0"/>
+              <a:t>Correlation coefficient: </a:t>
+            </a:r>
+          </a:p>
+          <a:p>
+            <a:r>
+              <a:rPr lang="en-US" dirty="0"/>
+              <a:t>-0.25</a:t>
+            </a:r>
+          </a:p>
+        </p:txBody>
+      </p:sp>
+      <p:pic>
+        <p:nvPicPr>
+          <p:cNvPr id="9" name="Content Placeholder 8">
+            <a:extLst>
+              <a:ext uri="{FF2B5EF4-FFF2-40B4-BE49-F238E27FC236}">
+                <a16:creationId xmlns:a16="http://schemas.microsoft.com/office/drawing/2014/main" id="{9FA5348A-F337-724D-99D8-1623AF74E7A0}"/>
+              </a:ext>
+            </a:extLst>
+          </p:cNvPr>
+          <p:cNvPicPr>
+            <a:picLocks noGrp="1" noChangeAspect="1"/>
+          </p:cNvPicPr>
+          <p:nvPr>
+            <p:ph idx="1"/>
+          </p:nvPr>
+        </p:nvPicPr>
+        <p:blipFill>
+          <a:blip r:embed="rId2"/>
+          <a:stretch>
+            <a:fillRect/>
+          </a:stretch>
+        </p:blipFill>
+        <p:spPr>
+          <a:xfrm>
+            <a:off x="802365" y="1594228"/>
+            <a:ext cx="7074033" cy="4716022"/>
+          </a:xfrm>
+        </p:spPr>
+      </p:pic>
+    </p:spTree>
+    <p:extLst>
+      <p:ext uri="{BB962C8B-B14F-4D97-AF65-F5344CB8AC3E}">
+        <p14:creationId xmlns:p14="http://schemas.microsoft.com/office/powerpoint/2010/main" val="1095383657"/>
+      </p:ext>
+    </p:extLst>
+  </p:cSld>
+  <p:clrMapOvr>
+    <a:masterClrMapping/>
+  </p:clrMapOvr>
+</p:sld>
+</file>
+
+<file path=ppt/slides/slide8.xml><?xml version="1.0" encoding="utf-8"?>
+<p:sld xmlns:a="http://schemas.openxmlformats.org/drawingml/2006/main" xmlns:r="http://schemas.openxmlformats.org/officeDocument/2006/relationships" xmlns:p="http://schemas.openxmlformats.org/presentationml/2006/main">
+  <p:cSld>
+    <p:spTree>
+      <p:nvGrpSpPr>
+        <p:cNvPr id="1" name=""/>
+        <p:cNvGrpSpPr/>
+        <p:nvPr/>
+      </p:nvGrpSpPr>
+      <p:grpSpPr>
+        <a:xfrm>
+          <a:off x="0" y="0"/>
+          <a:ext cx="0" cy="0"/>
+          <a:chOff x="0" y="0"/>
+          <a:chExt cx="0" cy="0"/>
+        </a:xfrm>
+      </p:grpSpPr>
+      <p:sp>
+        <p:nvSpPr>
+          <p:cNvPr id="2" name="Title 1">
+            <a:extLst>
+              <a:ext uri="{FF2B5EF4-FFF2-40B4-BE49-F238E27FC236}">
+                <a16:creationId xmlns:a16="http://schemas.microsoft.com/office/drawing/2014/main" id="{1E364593-785A-4841-9E39-74FCCFF74020}"/>
+              </a:ext>
+            </a:extLst>
+          </p:cNvPr>
+          <p:cNvSpPr>
+            <a:spLocks noGrp="1"/>
+          </p:cNvSpPr>
+          <p:nvPr>
+            <p:ph type="title"/>
+          </p:nvPr>
+        </p:nvSpPr>
+        <p:spPr/>
+        <p:txBody>
+          <a:bodyPr/>
+          <a:lstStyle/>
+          <a:p>
+            <a:r>
+              <a:rPr lang="en-US" dirty="0"/>
+              <a:t>Mental Illness and GDP</a:t>
+            </a:r>
+          </a:p>
+        </p:txBody>
+      </p:sp>
+      <p:sp>
+        <p:nvSpPr>
+          <p:cNvPr id="6" name="TextBox 5">
+            <a:extLst>
+              <a:ext uri="{FF2B5EF4-FFF2-40B4-BE49-F238E27FC236}">
+                <a16:creationId xmlns:a16="http://schemas.microsoft.com/office/drawing/2014/main" id="{4663E410-AC8D-C84D-A001-FD2830B27157}"/>
+              </a:ext>
+            </a:extLst>
+          </p:cNvPr>
+          <p:cNvSpPr txBox="1"/>
+          <p:nvPr/>
+        </p:nvSpPr>
+        <p:spPr>
+          <a:xfrm>
+            <a:off x="8032652" y="1703327"/>
+            <a:ext cx="3179299" cy="1477328"/>
+          </a:xfrm>
+          <a:prstGeom prst="rect">
+            <a:avLst/>
+          </a:prstGeom>
+          <a:noFill/>
+        </p:spPr>
+        <p:txBody>
+          <a:bodyPr wrap="square" rtlCol="0">
+            <a:spAutoFit/>
+          </a:bodyPr>
+          <a:lstStyle/>
+          <a:p>
+            <a:r>
+              <a:rPr lang="en-US" dirty="0"/>
+              <a:t>Weak negative correlation- States with lower percentage of population with mental illness have higher GDP.</a:t>
+            </a:r>
+          </a:p>
+        </p:txBody>
+      </p:sp>
+      <p:sp>
+        <p:nvSpPr>
+          <p:cNvPr id="7" name="TextBox 6">
+            <a:extLst>
+              <a:ext uri="{FF2B5EF4-FFF2-40B4-BE49-F238E27FC236}">
+                <a16:creationId xmlns:a16="http://schemas.microsoft.com/office/drawing/2014/main" id="{A46E8627-3399-0349-99A0-6ABBCCADEEFE}"/>
+              </a:ext>
+            </a:extLst>
+          </p:cNvPr>
+          <p:cNvSpPr txBox="1"/>
+          <p:nvPr/>
+        </p:nvSpPr>
+        <p:spPr>
+          <a:xfrm>
+            <a:off x="8032652" y="3305908"/>
+            <a:ext cx="3038622" cy="646331"/>
+          </a:xfrm>
+          <a:prstGeom prst="rect">
+            <a:avLst/>
+          </a:prstGeom>
+          <a:noFill/>
+        </p:spPr>
+        <p:txBody>
+          <a:bodyPr wrap="square" rtlCol="0">
+            <a:spAutoFit/>
+          </a:bodyPr>
+          <a:lstStyle/>
+          <a:p>
+            <a:r>
+              <a:rPr lang="en-US" dirty="0"/>
+              <a:t>Correlation coefficient: </a:t>
+            </a:r>
+          </a:p>
+          <a:p>
+            <a:r>
+              <a:rPr lang="en-US" dirty="0"/>
+              <a:t>-0.31</a:t>
+            </a:r>
+          </a:p>
+        </p:txBody>
+      </p:sp>
+      <p:pic>
+        <p:nvPicPr>
+          <p:cNvPr id="9" name="Content Placeholder 8">
+            <a:extLst>
+              <a:ext uri="{FF2B5EF4-FFF2-40B4-BE49-F238E27FC236}">
+                <a16:creationId xmlns:a16="http://schemas.microsoft.com/office/drawing/2014/main" id="{C300685A-6293-DF46-BE93-81EE86E08506}"/>
+              </a:ext>
+            </a:extLst>
+          </p:cNvPr>
+          <p:cNvPicPr>
+            <a:picLocks noGrp="1" noChangeAspect="1"/>
+          </p:cNvPicPr>
+          <p:nvPr>
+            <p:ph idx="1"/>
+          </p:nvPr>
+        </p:nvPicPr>
+        <p:blipFill>
+          <a:blip r:embed="rId2"/>
+          <a:stretch>
+            <a:fillRect/>
+          </a:stretch>
+        </p:blipFill>
+        <p:spPr>
+          <a:xfrm>
+            <a:off x="784010" y="1581991"/>
+            <a:ext cx="7110744" cy="4740496"/>
+          </a:xfrm>
+        </p:spPr>
+      </p:pic>
+    </p:spTree>
+    <p:extLst>
+      <p:ext uri="{BB962C8B-B14F-4D97-AF65-F5344CB8AC3E}">
+        <p14:creationId xmlns:p14="http://schemas.microsoft.com/office/powerpoint/2010/main" val="3969251231"/>
+      </p:ext>
+    </p:extLst>
+  </p:cSld>
+  <p:clrMapOvr>
+    <a:masterClrMapping/>
+  </p:clrMapOvr>
+</p:sld>
+</file>
+
 <file path=ppt/theme/theme1.xml><?xml version="1.0" encoding="utf-8"?>
 <a:theme xmlns:a="http://schemas.openxmlformats.org/drawingml/2006/main" name="Ion">
   <a:themeElements>

--- a/Output/MentalHealth_in_the_US.pptx
+++ b/Output/MentalHealth_in_the_US.pptx
@@ -2,17 +2,18 @@
 <file path=ppt/presentation.xml><?xml version="1.0" encoding="utf-8"?>
 <p:presentation xmlns:a="http://schemas.openxmlformats.org/drawingml/2006/main" xmlns:r="http://schemas.openxmlformats.org/officeDocument/2006/relationships" xmlns:p="http://schemas.openxmlformats.org/presentationml/2006/main" autoCompressPictures="0">
   <p:sldMasterIdLst>
-    <p:sldMasterId id="2147483648" r:id="rId1"/>
+    <p:sldMasterId id="2147483755" r:id="rId1"/>
   </p:sldMasterIdLst>
   <p:sldIdLst>
     <p:sldId id="256" r:id="rId2"/>
-    <p:sldId id="257" r:id="rId3"/>
+    <p:sldId id="259" r:id="rId3"/>
     <p:sldId id="258" r:id="rId4"/>
-    <p:sldId id="259" r:id="rId5"/>
-    <p:sldId id="260" r:id="rId6"/>
-    <p:sldId id="261" r:id="rId7"/>
-    <p:sldId id="262" r:id="rId8"/>
-    <p:sldId id="263" r:id="rId9"/>
+    <p:sldId id="260" r:id="rId5"/>
+    <p:sldId id="257" r:id="rId6"/>
+    <p:sldId id="264" r:id="rId7"/>
+    <p:sldId id="261" r:id="rId8"/>
+    <p:sldId id="262" r:id="rId9"/>
+    <p:sldId id="263" r:id="rId10"/>
   </p:sldIdLst>
   <p:sldSz cx="12192000" cy="6858000"/>
   <p:notesSz cx="6858000" cy="9144000"/>
@@ -304,8 +305,8 @@
           <a:lstStyle/>
           <a:p>
             <a:fld id="{4AAD347D-5ACD-4C99-B74B-A9C85AD731AF}" type="datetimeFigureOut">
-              <a:rPr lang="en-US" dirty="0"/>
-              <a:t>3/12/19</a:t>
+              <a:rPr lang="en-US" smtClean="0"/>
+              <a:t>3/13/19</a:t>
             </a:fld>
             <a:endParaRPr lang="en-US" dirty="0"/>
           </a:p>
@@ -346,7 +347,7 @@
           <a:lstStyle/>
           <a:p>
             <a:fld id="{D57F1E4F-1CFF-5643-939E-02111984F565}" type="slidenum">
-              <a:rPr lang="en-US" dirty="0"/>
+              <a:rPr lang="en-US" smtClean="0"/>
               <a:t>‹#›</a:t>
             </a:fld>
             <a:endParaRPr lang="en-US" dirty="0"/>
@@ -354,6 +355,11 @@
         </p:txBody>
       </p:sp>
     </p:spTree>
+    <p:extLst>
+      <p:ext uri="{BB962C8B-B14F-4D97-AF65-F5344CB8AC3E}">
+        <p14:creationId xmlns:p14="http://schemas.microsoft.com/office/powerpoint/2010/main" val="3481996962"/>
+      </p:ext>
+    </p:extLst>
   </p:cSld>
   <p:clrMapOvr>
     <a:masterClrMapping/>
@@ -573,9 +579,9 @@
           <a:bodyPr/>
           <a:lstStyle/>
           <a:p>
-            <a:fld id="{4509A250-FF31-4206-8172-F9D3106AACB1}" type="datetimeFigureOut">
-              <a:rPr lang="en-US" dirty="0"/>
-              <a:t>3/12/19</a:t>
+            <a:fld id="{4AAD347D-5ACD-4C99-B74B-A9C85AD731AF}" type="datetimeFigureOut">
+              <a:rPr lang="en-US" smtClean="0"/>
+              <a:t>3/13/19</a:t>
             </a:fld>
             <a:endParaRPr lang="en-US" dirty="0"/>
           </a:p>
@@ -616,7 +622,7 @@
           <a:lstStyle/>
           <a:p>
             <a:fld id="{D57F1E4F-1CFF-5643-939E-02111984F565}" type="slidenum">
-              <a:rPr lang="en-US" dirty="0"/>
+              <a:rPr lang="en-US" smtClean="0"/>
               <a:t>‹#›</a:t>
             </a:fld>
             <a:endParaRPr lang="en-US" dirty="0"/>
@@ -624,10 +630,16 @@
         </p:txBody>
       </p:sp>
     </p:spTree>
+    <p:extLst>
+      <p:ext uri="{BB962C8B-B14F-4D97-AF65-F5344CB8AC3E}">
+        <p14:creationId xmlns:p14="http://schemas.microsoft.com/office/powerpoint/2010/main" val="1817642616"/>
+      </p:ext>
+    </p:extLst>
   </p:cSld>
   <p:clrMapOvr>
     <a:masterClrMapping/>
   </p:clrMapOvr>
+  <p:hf sldNum="0" hdr="0" ftr="0" dt="0"/>
 </p:sldLayout>
 </file>
 
@@ -762,9 +774,9 @@
           <a:bodyPr/>
           <a:lstStyle/>
           <a:p>
-            <a:fld id="{4509A250-FF31-4206-8172-F9D3106AACB1}" type="datetimeFigureOut">
-              <a:rPr lang="en-US" dirty="0"/>
-              <a:t>3/12/19</a:t>
+            <a:fld id="{4AAD347D-5ACD-4C99-B74B-A9C85AD731AF}" type="datetimeFigureOut">
+              <a:rPr lang="en-US" smtClean="0"/>
+              <a:t>3/13/19</a:t>
             </a:fld>
             <a:endParaRPr lang="en-US" dirty="0"/>
           </a:p>
@@ -805,7 +817,7 @@
           <a:lstStyle/>
           <a:p>
             <a:fld id="{D57F1E4F-1CFF-5643-939E-02111984F565}" type="slidenum">
-              <a:rPr lang="en-US" dirty="0"/>
+              <a:rPr lang="en-US" smtClean="0"/>
               <a:t>‹#›</a:t>
             </a:fld>
             <a:endParaRPr lang="en-US" dirty="0"/>
@@ -813,10 +825,16 @@
         </p:txBody>
       </p:sp>
     </p:spTree>
+    <p:extLst>
+      <p:ext uri="{BB962C8B-B14F-4D97-AF65-F5344CB8AC3E}">
+        <p14:creationId xmlns:p14="http://schemas.microsoft.com/office/powerpoint/2010/main" val="3766263990"/>
+      </p:ext>
+    </p:extLst>
   </p:cSld>
   <p:clrMapOvr>
     <a:masterClrMapping/>
   </p:clrMapOvr>
+  <p:hf sldNum="0" hdr="0" ftr="0" dt="0"/>
 </p:sldLayout>
 </file>
 
@@ -1030,9 +1048,9 @@
           <a:bodyPr/>
           <a:lstStyle/>
           <a:p>
-            <a:fld id="{4509A250-FF31-4206-8172-F9D3106AACB1}" type="datetimeFigureOut">
-              <a:rPr lang="en-US" dirty="0"/>
-              <a:t>3/12/19</a:t>
+            <a:fld id="{4AAD347D-5ACD-4C99-B74B-A9C85AD731AF}" type="datetimeFigureOut">
+              <a:rPr lang="en-US" smtClean="0"/>
+              <a:t>3/13/19</a:t>
             </a:fld>
             <a:endParaRPr lang="en-US" dirty="0"/>
           </a:p>
@@ -1073,7 +1091,7 @@
           <a:lstStyle/>
           <a:p>
             <a:fld id="{D57F1E4F-1CFF-5643-939E-02111984F565}" type="slidenum">
-              <a:rPr lang="en-US" dirty="0"/>
+              <a:rPr lang="en-US" smtClean="0"/>
               <a:t>‹#›</a:t>
             </a:fld>
             <a:endParaRPr lang="en-US" dirty="0"/>
@@ -1175,10 +1193,16 @@
         </p:txBody>
       </p:sp>
     </p:spTree>
+    <p:extLst>
+      <p:ext uri="{BB962C8B-B14F-4D97-AF65-F5344CB8AC3E}">
+        <p14:creationId xmlns:p14="http://schemas.microsoft.com/office/powerpoint/2010/main" val="354846925"/>
+      </p:ext>
+    </p:extLst>
   </p:cSld>
   <p:clrMapOvr>
     <a:masterClrMapping/>
   </p:clrMapOvr>
+  <p:hf sldNum="0" hdr="0" ftr="0" dt="0"/>
 </p:sldLayout>
 </file>
 
@@ -1366,9 +1390,9 @@
           <a:bodyPr/>
           <a:lstStyle/>
           <a:p>
-            <a:fld id="{4509A250-FF31-4206-8172-F9D3106AACB1}" type="datetimeFigureOut">
-              <a:rPr lang="en-US" dirty="0"/>
-              <a:t>3/12/19</a:t>
+            <a:fld id="{4AAD347D-5ACD-4C99-B74B-A9C85AD731AF}" type="datetimeFigureOut">
+              <a:rPr lang="en-US" smtClean="0"/>
+              <a:t>3/13/19</a:t>
             </a:fld>
             <a:endParaRPr lang="en-US" dirty="0"/>
           </a:p>
@@ -1409,7 +1433,7 @@
           <a:lstStyle/>
           <a:p>
             <a:fld id="{D57F1E4F-1CFF-5643-939E-02111984F565}" type="slidenum">
-              <a:rPr lang="en-US" dirty="0"/>
+              <a:rPr lang="en-US" smtClean="0"/>
               <a:t>‹#›</a:t>
             </a:fld>
             <a:endParaRPr lang="en-US" dirty="0"/>
@@ -1417,10 +1441,16 @@
         </p:txBody>
       </p:sp>
     </p:spTree>
+    <p:extLst>
+      <p:ext uri="{BB962C8B-B14F-4D97-AF65-F5344CB8AC3E}">
+        <p14:creationId xmlns:p14="http://schemas.microsoft.com/office/powerpoint/2010/main" val="1336782322"/>
+      </p:ext>
+    </p:extLst>
   </p:cSld>
   <p:clrMapOvr>
     <a:masterClrMapping/>
   </p:clrMapOvr>
+  <p:hf sldNum="0" hdr="0" ftr="0" dt="0"/>
 </p:sldLayout>
 </file>
 
@@ -1984,9 +2014,9 @@
           <a:bodyPr/>
           <a:lstStyle/>
           <a:p>
-            <a:fld id="{4509A250-FF31-4206-8172-F9D3106AACB1}" type="datetimeFigureOut">
-              <a:rPr lang="en-US" dirty="0"/>
-              <a:t>3/12/19</a:t>
+            <a:fld id="{4AAD347D-5ACD-4C99-B74B-A9C85AD731AF}" type="datetimeFigureOut">
+              <a:rPr lang="en-US" smtClean="0"/>
+              <a:t>3/13/19</a:t>
             </a:fld>
             <a:endParaRPr lang="en-US" dirty="0"/>
           </a:p>
@@ -2027,7 +2057,7 @@
           <a:lstStyle/>
           <a:p>
             <a:fld id="{D57F1E4F-1CFF-5643-939E-02111984F565}" type="slidenum">
-              <a:rPr lang="en-US" dirty="0"/>
+              <a:rPr lang="en-US" smtClean="0"/>
               <a:t>‹#›</a:t>
             </a:fld>
             <a:endParaRPr lang="en-US" dirty="0"/>
@@ -2035,10 +2065,16 @@
         </p:txBody>
       </p:sp>
     </p:spTree>
+    <p:extLst>
+      <p:ext uri="{BB962C8B-B14F-4D97-AF65-F5344CB8AC3E}">
+        <p14:creationId xmlns:p14="http://schemas.microsoft.com/office/powerpoint/2010/main" val="438728819"/>
+      </p:ext>
+    </p:extLst>
   </p:cSld>
   <p:clrMapOvr>
     <a:masterClrMapping/>
   </p:clrMapOvr>
+  <p:hf sldNum="0" hdr="0" ftr="0" dt="0"/>
 </p:sldLayout>
 </file>
 
@@ -2839,9 +2875,9 @@
           <a:bodyPr/>
           <a:lstStyle/>
           <a:p>
-            <a:fld id="{4509A250-FF31-4206-8172-F9D3106AACB1}" type="datetimeFigureOut">
-              <a:rPr lang="en-US" dirty="0"/>
-              <a:t>3/12/19</a:t>
+            <a:fld id="{4AAD347D-5ACD-4C99-B74B-A9C85AD731AF}" type="datetimeFigureOut">
+              <a:rPr lang="en-US" smtClean="0"/>
+              <a:t>3/13/19</a:t>
             </a:fld>
             <a:endParaRPr lang="en-US" dirty="0"/>
           </a:p>
@@ -2882,7 +2918,7 @@
           <a:lstStyle/>
           <a:p>
             <a:fld id="{D57F1E4F-1CFF-5643-939E-02111984F565}" type="slidenum">
-              <a:rPr lang="en-US" dirty="0"/>
+              <a:rPr lang="en-US" smtClean="0"/>
               <a:t>‹#›</a:t>
             </a:fld>
             <a:endParaRPr lang="en-US" dirty="0"/>
@@ -2890,10 +2926,16 @@
         </p:txBody>
       </p:sp>
     </p:spTree>
+    <p:extLst>
+      <p:ext uri="{BB962C8B-B14F-4D97-AF65-F5344CB8AC3E}">
+        <p14:creationId xmlns:p14="http://schemas.microsoft.com/office/powerpoint/2010/main" val="1719182214"/>
+      </p:ext>
+    </p:extLst>
   </p:cSld>
   <p:clrMapOvr>
     <a:masterClrMapping/>
   </p:clrMapOvr>
+  <p:hf sldNum="0" hdr="0" ftr="0" dt="0"/>
 </p:sldLayout>
 </file>
 
@@ -3005,8 +3047,8 @@
           <a:lstStyle/>
           <a:p>
             <a:fld id="{4509A250-FF31-4206-8172-F9D3106AACB1}" type="datetimeFigureOut">
-              <a:rPr lang="en-US" dirty="0"/>
-              <a:t>3/12/19</a:t>
+              <a:rPr lang="en-US" smtClean="0"/>
+              <a:t>3/13/19</a:t>
             </a:fld>
             <a:endParaRPr lang="en-US" dirty="0"/>
           </a:p>
@@ -3047,7 +3089,7 @@
           <a:lstStyle/>
           <a:p>
             <a:fld id="{D57F1E4F-1CFF-5643-939E-02111984F565}" type="slidenum">
-              <a:rPr lang="en-US" dirty="0"/>
+              <a:rPr lang="en-US" smtClean="0"/>
               <a:t>‹#›</a:t>
             </a:fld>
             <a:endParaRPr lang="en-US" dirty="0"/>
@@ -3055,6 +3097,11 @@
         </p:txBody>
       </p:sp>
     </p:spTree>
+    <p:extLst>
+      <p:ext uri="{BB962C8B-B14F-4D97-AF65-F5344CB8AC3E}">
+        <p14:creationId xmlns:p14="http://schemas.microsoft.com/office/powerpoint/2010/main" val="1101285802"/>
+      </p:ext>
+    </p:extLst>
   </p:cSld>
   <p:clrMapOvr>
     <a:masterClrMapping/>
@@ -3180,8 +3227,8 @@
           <a:lstStyle/>
           <a:p>
             <a:fld id="{4509A250-FF31-4206-8172-F9D3106AACB1}" type="datetimeFigureOut">
-              <a:rPr lang="en-US" dirty="0"/>
-              <a:t>3/12/19</a:t>
+              <a:rPr lang="en-US" smtClean="0"/>
+              <a:t>3/13/19</a:t>
             </a:fld>
             <a:endParaRPr lang="en-US" dirty="0"/>
           </a:p>
@@ -3222,7 +3269,7 @@
           <a:lstStyle/>
           <a:p>
             <a:fld id="{D57F1E4F-1CFF-5643-939E-02111984F565}" type="slidenum">
-              <a:rPr lang="en-US" dirty="0"/>
+              <a:rPr lang="en-US" smtClean="0"/>
               <a:t>‹#›</a:t>
             </a:fld>
             <a:endParaRPr lang="en-US" dirty="0"/>
@@ -3230,6 +3277,11 @@
         </p:txBody>
       </p:sp>
     </p:spTree>
+    <p:extLst>
+      <p:ext uri="{BB962C8B-B14F-4D97-AF65-F5344CB8AC3E}">
+        <p14:creationId xmlns:p14="http://schemas.microsoft.com/office/powerpoint/2010/main" val="4124685586"/>
+      </p:ext>
+    </p:extLst>
   </p:cSld>
   <p:clrMapOvr>
     <a:masterClrMapping/>
@@ -3345,8 +3397,8 @@
           <a:lstStyle/>
           <a:p>
             <a:fld id="{4509A250-FF31-4206-8172-F9D3106AACB1}" type="datetimeFigureOut">
-              <a:rPr lang="en-US" dirty="0"/>
-              <a:t>3/12/19</a:t>
+              <a:rPr lang="en-US" smtClean="0"/>
+              <a:t>3/13/19</a:t>
             </a:fld>
             <a:endParaRPr lang="en-US" dirty="0"/>
           </a:p>
@@ -3387,7 +3439,7 @@
           <a:lstStyle/>
           <a:p>
             <a:fld id="{D57F1E4F-1CFF-5643-939E-02111984F565}" type="slidenum">
-              <a:rPr lang="en-US" dirty="0"/>
+              <a:rPr lang="en-US" smtClean="0"/>
               <a:t>‹#›</a:t>
             </a:fld>
             <a:endParaRPr lang="en-US" dirty="0"/>
@@ -3395,6 +3447,11 @@
         </p:txBody>
       </p:sp>
     </p:spTree>
+    <p:extLst>
+      <p:ext uri="{BB962C8B-B14F-4D97-AF65-F5344CB8AC3E}">
+        <p14:creationId xmlns:p14="http://schemas.microsoft.com/office/powerpoint/2010/main" val="508102535"/>
+      </p:ext>
+    </p:extLst>
   </p:cSld>
   <p:clrMapOvr>
     <a:masterClrMapping/>
@@ -3587,8 +3644,8 @@
           <a:lstStyle/>
           <a:p>
             <a:fld id="{9796027F-7875-4030-9381-8BD8C4F21935}" type="datetimeFigureOut">
-              <a:rPr lang="en-US" dirty="0"/>
-              <a:t>3/12/19</a:t>
+              <a:rPr lang="en-US" smtClean="0"/>
+              <a:t>3/13/19</a:t>
             </a:fld>
             <a:endParaRPr lang="en-US" dirty="0"/>
           </a:p>
@@ -3629,7 +3686,7 @@
           <a:lstStyle/>
           <a:p>
             <a:fld id="{D57F1E4F-1CFF-5643-939E-02111984F565}" type="slidenum">
-              <a:rPr lang="en-US" dirty="0"/>
+              <a:rPr lang="en-US" smtClean="0"/>
               <a:t>‹#›</a:t>
             </a:fld>
             <a:endParaRPr lang="en-US" dirty="0"/>
@@ -3637,6 +3694,11 @@
         </p:txBody>
       </p:sp>
     </p:spTree>
+    <p:extLst>
+      <p:ext uri="{BB962C8B-B14F-4D97-AF65-F5344CB8AC3E}">
+        <p14:creationId xmlns:p14="http://schemas.microsoft.com/office/powerpoint/2010/main" val="2709310777"/>
+      </p:ext>
+    </p:extLst>
   </p:cSld>
   <p:clrMapOvr>
     <a:masterClrMapping/>
@@ -3874,8 +3936,8 @@
           <a:lstStyle/>
           <a:p>
             <a:fld id="{9796027F-7875-4030-9381-8BD8C4F21935}" type="datetimeFigureOut">
-              <a:rPr lang="en-US" dirty="0"/>
-              <a:t>3/12/19</a:t>
+              <a:rPr lang="en-US" smtClean="0"/>
+              <a:t>3/13/19</a:t>
             </a:fld>
             <a:endParaRPr lang="en-US" dirty="0"/>
           </a:p>
@@ -3916,7 +3978,7 @@
           <a:lstStyle/>
           <a:p>
             <a:fld id="{D57F1E4F-1CFF-5643-939E-02111984F565}" type="slidenum">
-              <a:rPr lang="en-US" dirty="0"/>
+              <a:rPr lang="en-US" smtClean="0"/>
               <a:t>‹#›</a:t>
             </a:fld>
             <a:endParaRPr lang="en-US" dirty="0"/>
@@ -3924,6 +3986,11 @@
         </p:txBody>
       </p:sp>
     </p:spTree>
+    <p:extLst>
+      <p:ext uri="{BB962C8B-B14F-4D97-AF65-F5344CB8AC3E}">
+        <p14:creationId xmlns:p14="http://schemas.microsoft.com/office/powerpoint/2010/main" val="4010061166"/>
+      </p:ext>
+    </p:extLst>
   </p:cSld>
   <p:clrMapOvr>
     <a:masterClrMapping/>
@@ -4313,8 +4380,8 @@
           <a:lstStyle/>
           <a:p>
             <a:fld id="{9796027F-7875-4030-9381-8BD8C4F21935}" type="datetimeFigureOut">
-              <a:rPr lang="en-US" dirty="0"/>
-              <a:t>3/12/19</a:t>
+              <a:rPr lang="en-US" smtClean="0"/>
+              <a:t>3/13/19</a:t>
             </a:fld>
             <a:endParaRPr lang="en-US" dirty="0"/>
           </a:p>
@@ -4355,7 +4422,7 @@
           <a:lstStyle/>
           <a:p>
             <a:fld id="{D57F1E4F-1CFF-5643-939E-02111984F565}" type="slidenum">
-              <a:rPr lang="en-US" dirty="0"/>
+              <a:rPr lang="en-US" smtClean="0"/>
               <a:t>‹#›</a:t>
             </a:fld>
             <a:endParaRPr lang="en-US" dirty="0"/>
@@ -4363,6 +4430,11 @@
         </p:txBody>
       </p:sp>
     </p:spTree>
+    <p:extLst>
+      <p:ext uri="{BB962C8B-B14F-4D97-AF65-F5344CB8AC3E}">
+        <p14:creationId xmlns:p14="http://schemas.microsoft.com/office/powerpoint/2010/main" val="2060066214"/>
+      </p:ext>
+    </p:extLst>
   </p:cSld>
   <p:clrMapOvr>
     <a:masterClrMapping/>
@@ -4426,8 +4498,8 @@
           <a:lstStyle/>
           <a:p>
             <a:fld id="{4509A250-FF31-4206-8172-F9D3106AACB1}" type="datetimeFigureOut">
-              <a:rPr lang="en-US" dirty="0"/>
-              <a:t>3/12/19</a:t>
+              <a:rPr lang="en-US" smtClean="0"/>
+              <a:t>3/13/19</a:t>
             </a:fld>
             <a:endParaRPr lang="en-US" dirty="0"/>
           </a:p>
@@ -4468,7 +4540,7 @@
           <a:lstStyle/>
           <a:p>
             <a:fld id="{D57F1E4F-1CFF-5643-939E-02111984F565}" type="slidenum">
-              <a:rPr lang="en-US" dirty="0"/>
+              <a:rPr lang="en-US" smtClean="0"/>
               <a:t>‹#›</a:t>
             </a:fld>
             <a:endParaRPr lang="en-US" dirty="0"/>
@@ -4476,6 +4548,11 @@
         </p:txBody>
       </p:sp>
     </p:spTree>
+    <p:extLst>
+      <p:ext uri="{BB962C8B-B14F-4D97-AF65-F5344CB8AC3E}">
+        <p14:creationId xmlns:p14="http://schemas.microsoft.com/office/powerpoint/2010/main" val="3047789712"/>
+      </p:ext>
+    </p:extLst>
   </p:cSld>
   <p:clrMapOvr>
     <a:masterClrMapping/>
@@ -4516,8 +4593,8 @@
           <a:lstStyle/>
           <a:p>
             <a:fld id="{4509A250-FF31-4206-8172-F9D3106AACB1}" type="datetimeFigureOut">
-              <a:rPr lang="en-US" dirty="0"/>
-              <a:t>3/12/19</a:t>
+              <a:rPr lang="en-US" smtClean="0"/>
+              <a:t>3/13/19</a:t>
             </a:fld>
             <a:endParaRPr lang="en-US" dirty="0"/>
           </a:p>
@@ -4558,7 +4635,7 @@
           <a:lstStyle/>
           <a:p>
             <a:fld id="{D57F1E4F-1CFF-5643-939E-02111984F565}" type="slidenum">
-              <a:rPr lang="en-US" dirty="0"/>
+              <a:rPr lang="en-US" smtClean="0"/>
               <a:t>‹#›</a:t>
             </a:fld>
             <a:endParaRPr lang="en-US" dirty="0"/>
@@ -4566,6 +4643,11 @@
         </p:txBody>
       </p:sp>
     </p:spTree>
+    <p:extLst>
+      <p:ext uri="{BB962C8B-B14F-4D97-AF65-F5344CB8AC3E}">
+        <p14:creationId xmlns:p14="http://schemas.microsoft.com/office/powerpoint/2010/main" val="4013121121"/>
+      </p:ext>
+    </p:extLst>
   </p:cSld>
   <p:clrMapOvr>
     <a:masterClrMapping/>
@@ -4790,8 +4872,8 @@
           <a:lstStyle/>
           <a:p>
             <a:fld id="{4509A250-FF31-4206-8172-F9D3106AACB1}" type="datetimeFigureOut">
-              <a:rPr lang="en-US" dirty="0"/>
-              <a:t>3/12/19</a:t>
+              <a:rPr lang="en-US" smtClean="0"/>
+              <a:t>3/13/19</a:t>
             </a:fld>
             <a:endParaRPr lang="en-US" dirty="0"/>
           </a:p>
@@ -4832,7 +4914,7 @@
           <a:lstStyle/>
           <a:p>
             <a:fld id="{D57F1E4F-1CFF-5643-939E-02111984F565}" type="slidenum">
-              <a:rPr lang="en-US" dirty="0"/>
+              <a:rPr lang="en-US" smtClean="0"/>
               <a:t>‹#›</a:t>
             </a:fld>
             <a:endParaRPr lang="en-US" dirty="0"/>
@@ -4840,6 +4922,11 @@
         </p:txBody>
       </p:sp>
     </p:spTree>
+    <p:extLst>
+      <p:ext uri="{BB962C8B-B14F-4D97-AF65-F5344CB8AC3E}">
+        <p14:creationId xmlns:p14="http://schemas.microsoft.com/office/powerpoint/2010/main" val="470256547"/>
+      </p:ext>
+    </p:extLst>
   </p:cSld>
   <p:clrMapOvr>
     <a:masterClrMapping/>
@@ -5060,8 +5147,8 @@
           <a:lstStyle/>
           <a:p>
             <a:fld id="{4509A250-FF31-4206-8172-F9D3106AACB1}" type="datetimeFigureOut">
-              <a:rPr lang="en-US" dirty="0"/>
-              <a:t>3/12/19</a:t>
+              <a:rPr lang="en-US" smtClean="0"/>
+              <a:t>3/13/19</a:t>
             </a:fld>
             <a:endParaRPr lang="en-US" dirty="0"/>
           </a:p>
@@ -5102,7 +5189,7 @@
           <a:lstStyle/>
           <a:p>
             <a:fld id="{D57F1E4F-1CFF-5643-939E-02111984F565}" type="slidenum">
-              <a:rPr lang="en-US" dirty="0"/>
+              <a:rPr lang="en-US" smtClean="0"/>
               <a:t>‹#›</a:t>
             </a:fld>
             <a:endParaRPr lang="en-US" dirty="0"/>
@@ -5110,6 +5197,11 @@
         </p:txBody>
       </p:sp>
     </p:spTree>
+    <p:extLst>
+      <p:ext uri="{BB962C8B-B14F-4D97-AF65-F5344CB8AC3E}">
+        <p14:creationId xmlns:p14="http://schemas.microsoft.com/office/powerpoint/2010/main" val="3548464019"/>
+      </p:ext>
+    </p:extLst>
   </p:cSld>
   <p:clrMapOvr>
     <a:masterClrMapping/>
@@ -5484,8 +5576,8 @@
           </a:lstStyle>
           <a:p>
             <a:fld id="{4AAD347D-5ACD-4C99-B74B-A9C85AD731AF}" type="datetimeFigureOut">
-              <a:rPr lang="en-US" dirty="0"/>
-              <a:t>3/12/19</a:t>
+              <a:rPr lang="en-US" smtClean="0"/>
+              <a:t>3/13/19</a:t>
             </a:fld>
             <a:endParaRPr lang="en-US" dirty="0"/>
           </a:p>
@@ -5563,7 +5655,7 @@
           </a:lstStyle>
           <a:p>
             <a:fld id="{D57F1E4F-1CFF-5643-939E-02111984F565}" type="slidenum">
-              <a:rPr lang="en-US" dirty="0"/>
+              <a:rPr lang="en-US" smtClean="0"/>
               <a:t>‹#›</a:t>
             </a:fld>
             <a:endParaRPr lang="en-US" dirty="0"/>
@@ -5571,26 +5663,31 @@
         </p:txBody>
       </p:sp>
     </p:spTree>
+    <p:extLst>
+      <p:ext uri="{BB962C8B-B14F-4D97-AF65-F5344CB8AC3E}">
+        <p14:creationId xmlns:p14="http://schemas.microsoft.com/office/powerpoint/2010/main" val="2070427833"/>
+      </p:ext>
+    </p:extLst>
   </p:cSld>
   <p:clrMap bg1="dk1" tx1="lt1" bg2="dk2" tx2="lt2" accent1="accent1" accent2="accent2" accent3="accent3" accent4="accent4" accent5="accent5" accent6="accent6" hlink="hlink" folHlink="folHlink"/>
   <p:sldLayoutIdLst>
-    <p:sldLayoutId id="2147483649" r:id="rId1"/>
-    <p:sldLayoutId id="2147483650" r:id="rId2"/>
-    <p:sldLayoutId id="2147483651" r:id="rId3"/>
-    <p:sldLayoutId id="2147483652" r:id="rId4"/>
-    <p:sldLayoutId id="2147483653" r:id="rId5"/>
-    <p:sldLayoutId id="2147483654" r:id="rId6"/>
-    <p:sldLayoutId id="2147483655" r:id="rId7"/>
-    <p:sldLayoutId id="2147483656" r:id="rId8"/>
-    <p:sldLayoutId id="2147483668" r:id="rId9"/>
-    <p:sldLayoutId id="2147483667" r:id="rId10"/>
-    <p:sldLayoutId id="2147483661" r:id="rId11"/>
-    <p:sldLayoutId id="2147483664" r:id="rId12"/>
-    <p:sldLayoutId id="2147483662" r:id="rId13"/>
-    <p:sldLayoutId id="2147483669" r:id="rId14"/>
-    <p:sldLayoutId id="2147483670" r:id="rId15"/>
-    <p:sldLayoutId id="2147483658" r:id="rId16"/>
-    <p:sldLayoutId id="2147483659" r:id="rId17"/>
+    <p:sldLayoutId id="2147483756" r:id="rId1"/>
+    <p:sldLayoutId id="2147483757" r:id="rId2"/>
+    <p:sldLayoutId id="2147483758" r:id="rId3"/>
+    <p:sldLayoutId id="2147483759" r:id="rId4"/>
+    <p:sldLayoutId id="2147483760" r:id="rId5"/>
+    <p:sldLayoutId id="2147483761" r:id="rId6"/>
+    <p:sldLayoutId id="2147483762" r:id="rId7"/>
+    <p:sldLayoutId id="2147483763" r:id="rId8"/>
+    <p:sldLayoutId id="2147483764" r:id="rId9"/>
+    <p:sldLayoutId id="2147483765" r:id="rId10"/>
+    <p:sldLayoutId id="2147483766" r:id="rId11"/>
+    <p:sldLayoutId id="2147483767" r:id="rId12"/>
+    <p:sldLayoutId id="2147483768" r:id="rId13"/>
+    <p:sldLayoutId id="2147483769" r:id="rId14"/>
+    <p:sldLayoutId id="2147483770" r:id="rId15"/>
+    <p:sldLayoutId id="2147483771" r:id="rId16"/>
+    <p:sldLayoutId id="2147483772" r:id="rId17"/>
   </p:sldLayoutIdLst>
   <p:hf sldNum="0" hdr="0" ftr="0" dt="0"/>
   <p:txStyles>
@@ -6100,7 +6197,7 @@
           <p:cNvPr id="2" name="Title 1">
             <a:extLst>
               <a:ext uri="{FF2B5EF4-FFF2-40B4-BE49-F238E27FC236}">
-                <a16:creationId xmlns:a16="http://schemas.microsoft.com/office/drawing/2014/main" id="{464F1213-4A3A-4440-8B25-291F07144364}"/>
+                <a16:creationId xmlns:a16="http://schemas.microsoft.com/office/drawing/2014/main" id="{571B0E1C-03B3-8F46-884E-0B80941C7108}"/>
               </a:ext>
             </a:extLst>
           </p:cNvPr>
@@ -6111,14 +6208,19 @@
             <p:ph type="title"/>
           </p:nvPr>
         </p:nvSpPr>
-        <p:spPr/>
+        <p:spPr>
+          <a:xfrm>
+            <a:off x="646111" y="452718"/>
+            <a:ext cx="9404723" cy="871990"/>
+          </a:xfrm>
+        </p:spPr>
         <p:txBody>
           <a:bodyPr/>
           <a:lstStyle/>
           <a:p>
             <a:r>
-              <a:rPr lang="en-CA" dirty="0"/>
-              <a:t>Interactive map of Mental Health in the US by State</a:t>
+              <a:rPr lang="en-US" dirty="0"/>
+              <a:t>Objectives</a:t>
             </a:r>
           </a:p>
         </p:txBody>
@@ -6128,7 +6230,7 @@
           <p:cNvPr id="3" name="Content Placeholder 2">
             <a:extLst>
               <a:ext uri="{FF2B5EF4-FFF2-40B4-BE49-F238E27FC236}">
-                <a16:creationId xmlns:a16="http://schemas.microsoft.com/office/drawing/2014/main" id="{11D862EC-8861-4C17-9992-D69ECE7D8BCE}"/>
+                <a16:creationId xmlns:a16="http://schemas.microsoft.com/office/drawing/2014/main" id="{2655ADEA-F524-5D45-9579-D4B570EF6E96}"/>
               </a:ext>
             </a:extLst>
           </p:cNvPr>
@@ -6139,52 +6241,98 @@
             <p:ph idx="1"/>
           </p:nvPr>
         </p:nvSpPr>
-        <p:spPr/>
+        <p:spPr>
+          <a:xfrm>
+            <a:off x="808892" y="1324708"/>
+            <a:ext cx="9240961" cy="4923692"/>
+          </a:xfrm>
+        </p:spPr>
         <p:txBody>
           <a:bodyPr/>
           <a:lstStyle/>
           <a:p>
             <a:r>
-              <a:rPr lang="en-CA" dirty="0">
-                <a:hlinkClick r:id="rId2" action="ppaction://hlinkfile"/>
-              </a:rPr>
-              <a:t>Link</a:t>
-            </a:r>
+              <a:rPr lang="en-CA" dirty="0"/>
+              <a:t>Study the prevalence of mental health issues in US and compare it with various socio-economic factors.</a:t>
+            </a:r>
+          </a:p>
+          <a:p>
+            <a:pPr lvl="1"/>
+            <a:r>
+              <a:rPr lang="en-CA" dirty="0"/>
+              <a:t>Severity of mental health issues in various states in the US</a:t>
+            </a:r>
+          </a:p>
+          <a:p>
+            <a:pPr lvl="1"/>
+            <a:r>
+              <a:rPr lang="en-CA" dirty="0"/>
+              <a:t>% Population with mental health issues</a:t>
+            </a:r>
+          </a:p>
+          <a:p>
+            <a:pPr lvl="1"/>
+            <a:r>
+              <a:rPr lang="en-CA" dirty="0"/>
+              <a:t>Suicide Rates</a:t>
+            </a:r>
+          </a:p>
+          <a:p>
+            <a:pPr lvl="1"/>
+            <a:r>
+              <a:rPr lang="en-CA" dirty="0"/>
+              <a:t>Disposable Income</a:t>
+            </a:r>
+          </a:p>
+          <a:p>
+            <a:pPr lvl="1"/>
+            <a:r>
+              <a:rPr lang="en-CA" dirty="0"/>
+              <a:t>GDP</a:t>
+            </a:r>
+          </a:p>
+          <a:p>
+            <a:pPr lvl="1"/>
+            <a:r>
+              <a:rPr lang="en-CA" dirty="0"/>
+              <a:t>Unemployment</a:t>
+            </a:r>
+          </a:p>
+          <a:p>
+            <a:pPr lvl="1"/>
+            <a:r>
+              <a:rPr lang="en-CA" dirty="0"/>
+              <a:t>Poverty</a:t>
+            </a:r>
+          </a:p>
+          <a:p>
+            <a:pPr lvl="1"/>
+            <a:r>
+              <a:rPr lang="en-CA" dirty="0"/>
+              <a:t>Home Ownership</a:t>
+            </a:r>
+          </a:p>
+          <a:p>
+            <a:pPr lvl="1"/>
+            <a:r>
+              <a:rPr lang="en-CA" dirty="0"/>
+              <a:t>Presence of medical coverage</a:t>
+            </a:r>
+          </a:p>
+          <a:p>
+            <a:pPr lvl="1"/>
             <a:endParaRPr lang="en-CA" dirty="0"/>
           </a:p>
           <a:p>
-            <a:r>
-              <a:rPr lang="en-CA" dirty="0"/>
-              <a:t>States with highest severity:</a:t>
-            </a:r>
-          </a:p>
-          <a:p>
             <a:pPr lvl="1"/>
-            <a:r>
-              <a:rPr lang="en-CA" dirty="0"/>
-              <a:t>Oregon</a:t>
-            </a:r>
-          </a:p>
-          <a:p>
-            <a:pPr lvl="1"/>
-            <a:r>
-              <a:rPr lang="en-CA" dirty="0"/>
-              <a:t>Alabama</a:t>
-            </a:r>
-          </a:p>
-          <a:p>
-            <a:pPr lvl="1"/>
-            <a:r>
-              <a:rPr lang="en-CA" dirty="0"/>
-              <a:t>Kentucky</a:t>
-            </a:r>
+            <a:endParaRPr lang="en-CA" dirty="0"/>
           </a:p>
         </p:txBody>
       </p:sp>
     </p:spTree>
     <p:extLst>
       <p:ext uri="{BB962C8B-B14F-4D97-AF65-F5344CB8AC3E}">
-        <p14:creationId xmlns:p14="http://schemas.microsoft.com/office/powerpoint/2010/main" val="2223817716"/>
+        <p14:creationId xmlns:p14="http://schemas.microsoft.com/office/powerpoint/2010/main" val="3904233758"/>
       </p:ext>
     </p:extLst>
   </p:cSld>
@@ -6398,7 +6546,7 @@
           <p:cNvPr id="2" name="Title 1">
             <a:extLst>
               <a:ext uri="{FF2B5EF4-FFF2-40B4-BE49-F238E27FC236}">
-                <a16:creationId xmlns:a16="http://schemas.microsoft.com/office/drawing/2014/main" id="{571B0E1C-03B3-8F46-884E-0B80941C7108}"/>
+                <a16:creationId xmlns:a16="http://schemas.microsoft.com/office/drawing/2014/main" id="{05277E86-FD59-5F42-88D1-0629CFF58F06}"/>
               </a:ext>
             </a:extLst>
           </p:cNvPr>
@@ -6409,19 +6557,14 @@
             <p:ph type="title"/>
           </p:nvPr>
         </p:nvSpPr>
-        <p:spPr>
-          <a:xfrm>
-            <a:off x="646111" y="452718"/>
-            <a:ext cx="9404723" cy="871990"/>
-          </a:xfrm>
-        </p:spPr>
+        <p:spPr/>
         <p:txBody>
           <a:bodyPr/>
           <a:lstStyle/>
           <a:p>
             <a:r>
               <a:rPr lang="en-US" dirty="0"/>
-              <a:t>Objectives</a:t>
+              <a:t>Challenges</a:t>
             </a:r>
           </a:p>
         </p:txBody>
@@ -6431,7 +6574,7 @@
           <p:cNvPr id="3" name="Content Placeholder 2">
             <a:extLst>
               <a:ext uri="{FF2B5EF4-FFF2-40B4-BE49-F238E27FC236}">
-                <a16:creationId xmlns:a16="http://schemas.microsoft.com/office/drawing/2014/main" id="{2655ADEA-F524-5D45-9579-D4B570EF6E96}"/>
+                <a16:creationId xmlns:a16="http://schemas.microsoft.com/office/drawing/2014/main" id="{48673D8E-4520-F845-9F12-5DD5C5FFC855}"/>
               </a:ext>
             </a:extLst>
           </p:cNvPr>
@@ -6444,8 +6587,8 @@
         </p:nvSpPr>
         <p:spPr>
           <a:xfrm>
-            <a:off x="808892" y="1324708"/>
-            <a:ext cx="9240961" cy="4923692"/>
+            <a:off x="562708" y="1383324"/>
+            <a:ext cx="9487145" cy="4865076"/>
           </a:xfrm>
         </p:spPr>
         <p:txBody>
@@ -6453,87 +6596,46 @@
           <a:lstStyle/>
           <a:p>
             <a:r>
-              <a:rPr lang="en-CA" dirty="0"/>
-              <a:t>Study the prevalence of mental health issues in US and comparison with various socio-economic factors.</a:t>
-            </a:r>
-          </a:p>
-          <a:p>
-            <a:pPr lvl="1"/>
-            <a:r>
-              <a:rPr lang="en-CA" dirty="0"/>
-              <a:t>Severity of mental health issues in various states in the US</a:t>
-            </a:r>
-          </a:p>
-          <a:p>
-            <a:pPr lvl="1"/>
-            <a:r>
-              <a:rPr lang="en-CA" dirty="0"/>
-              <a:t>% Population with mental health issues</a:t>
-            </a:r>
-          </a:p>
-          <a:p>
-            <a:pPr lvl="1"/>
-            <a:r>
-              <a:rPr lang="en-CA" dirty="0"/>
-              <a:t>Suicide Rates</a:t>
-            </a:r>
-          </a:p>
-          <a:p>
-            <a:pPr lvl="1"/>
-            <a:r>
-              <a:rPr lang="en-CA" dirty="0"/>
-              <a:t>Disposable Income</a:t>
-            </a:r>
-          </a:p>
-          <a:p>
-            <a:pPr lvl="1"/>
-            <a:r>
-              <a:rPr lang="en-CA" dirty="0"/>
-              <a:t>GDP</a:t>
-            </a:r>
-          </a:p>
-          <a:p>
-            <a:pPr lvl="1"/>
-            <a:r>
-              <a:rPr lang="en-CA" dirty="0"/>
-              <a:t>Unemployment</a:t>
-            </a:r>
-          </a:p>
-          <a:p>
-            <a:pPr lvl="1"/>
-            <a:r>
-              <a:rPr lang="en-CA" dirty="0"/>
-              <a:t>Poverty</a:t>
-            </a:r>
-          </a:p>
-          <a:p>
-            <a:pPr lvl="1"/>
-            <a:r>
-              <a:rPr lang="en-CA" dirty="0"/>
-              <a:t>Home Ownership</a:t>
-            </a:r>
-          </a:p>
-          <a:p>
-            <a:pPr lvl="1"/>
-            <a:r>
-              <a:rPr lang="en-CA" dirty="0"/>
-              <a:t>Presence of medical coverage</a:t>
-            </a:r>
-          </a:p>
-          <a:p>
-            <a:pPr lvl="1"/>
-            <a:endParaRPr lang="en-CA" dirty="0"/>
-          </a:p>
-          <a:p>
-            <a:pPr lvl="1"/>
-            <a:endParaRPr lang="en-CA" dirty="0"/>
+              <a:rPr lang="en-US" dirty="0"/>
+              <a:t>Data cleaning</a:t>
+            </a:r>
+          </a:p>
+          <a:p>
+            <a:r>
+              <a:rPr lang="en-US" dirty="0"/>
+              <a:t>Syntax familiarity</a:t>
+            </a:r>
+          </a:p>
+          <a:p>
+            <a:r>
+              <a:rPr lang="en-US" dirty="0"/>
+              <a:t>Learning new libraries</a:t>
+            </a:r>
+          </a:p>
+          <a:p>
+            <a:r>
+              <a:rPr lang="en-US" dirty="0"/>
+              <a:t>Finding data we can actually work with</a:t>
+            </a:r>
+          </a:p>
+          <a:p>
+            <a:r>
+              <a:rPr lang="en-US" dirty="0"/>
+              <a:t>Using API</a:t>
+            </a:r>
+          </a:p>
+          <a:p>
+            <a:r>
+              <a:rPr lang="en-US" dirty="0"/>
+              <a:t>Interpreting statistics</a:t>
+            </a:r>
           </a:p>
         </p:txBody>
       </p:sp>
     </p:spTree>
     <p:extLst>
       <p:ext uri="{BB962C8B-B14F-4D97-AF65-F5344CB8AC3E}">
-        <p14:creationId xmlns:p14="http://schemas.microsoft.com/office/powerpoint/2010/main" val="3904233758"/>
+        <p14:creationId xmlns:p14="http://schemas.microsoft.com/office/powerpoint/2010/main" val="1238574187"/>
       </p:ext>
     </p:extLst>
   </p:cSld>
@@ -6565,7 +6667,7 @@
           <p:cNvPr id="2" name="Title 1">
             <a:extLst>
               <a:ext uri="{FF2B5EF4-FFF2-40B4-BE49-F238E27FC236}">
-                <a16:creationId xmlns:a16="http://schemas.microsoft.com/office/drawing/2014/main" id="{05277E86-FD59-5F42-88D1-0629CFF58F06}"/>
+                <a16:creationId xmlns:a16="http://schemas.microsoft.com/office/drawing/2014/main" id="{464F1213-4A3A-4440-8B25-291F07144364}"/>
               </a:ext>
             </a:extLst>
           </p:cNvPr>
@@ -6582,8 +6684,8 @@
           <a:lstStyle/>
           <a:p>
             <a:r>
-              <a:rPr lang="en-US" dirty="0"/>
-              <a:t>Challenges</a:t>
+              <a:rPr lang="en-CA" dirty="0"/>
+              <a:t>Interactive map of Mental Health in the US by State</a:t>
             </a:r>
           </a:p>
         </p:txBody>
@@ -6593,7 +6695,7 @@
           <p:cNvPr id="3" name="Content Placeholder 2">
             <a:extLst>
               <a:ext uri="{FF2B5EF4-FFF2-40B4-BE49-F238E27FC236}">
-                <a16:creationId xmlns:a16="http://schemas.microsoft.com/office/drawing/2014/main" id="{48673D8E-4520-F845-9F12-5DD5C5FFC855}"/>
+                <a16:creationId xmlns:a16="http://schemas.microsoft.com/office/drawing/2014/main" id="{11D862EC-8861-4C17-9992-D69ECE7D8BCE}"/>
               </a:ext>
             </a:extLst>
           </p:cNvPr>
@@ -6604,49 +6706,44 @@
             <p:ph idx="1"/>
           </p:nvPr>
         </p:nvSpPr>
-        <p:spPr>
-          <a:xfrm>
-            <a:off x="562708" y="1383324"/>
-            <a:ext cx="9487145" cy="4865076"/>
-          </a:xfrm>
-        </p:spPr>
+        <p:spPr/>
         <p:txBody>
           <a:bodyPr/>
           <a:lstStyle/>
           <a:p>
             <a:r>
-              <a:rPr lang="en-US" dirty="0"/>
-              <a:t>Data cleaning</a:t>
-            </a:r>
-          </a:p>
-          <a:p>
-            <a:r>
-              <a:rPr lang="en-US" dirty="0"/>
-              <a:t>Syntax familiarity</a:t>
-            </a:r>
-          </a:p>
-          <a:p>
-            <a:r>
-              <a:rPr lang="en-US" dirty="0"/>
-              <a:t>Learning new libraries</a:t>
-            </a:r>
-          </a:p>
-          <a:p>
-            <a:r>
-              <a:rPr lang="en-US" dirty="0"/>
-              <a:t>Finding data we can actually work with</a:t>
-            </a:r>
-          </a:p>
-          <a:p>
-            <a:r>
-              <a:rPr lang="en-US" dirty="0"/>
-              <a:t>Using API</a:t>
-            </a:r>
-          </a:p>
-          <a:p>
-            <a:r>
-              <a:rPr lang="en-US" dirty="0"/>
-              <a:t>Interpreting statistics</a:t>
+              <a:rPr lang="en-CA" dirty="0">
+                <a:hlinkClick r:id="rId2" action="ppaction://hlinkfile"/>
+              </a:rPr>
+              <a:t>Link</a:t>
+            </a:r>
+            <a:endParaRPr lang="en-CA" dirty="0"/>
+          </a:p>
+          <a:p>
+            <a:r>
+              <a:rPr lang="en-CA" dirty="0"/>
+              <a:t>States with highest severity:</a:t>
+            </a:r>
+          </a:p>
+          <a:p>
+            <a:pPr lvl="1"/>
+            <a:r>
+              <a:rPr lang="en-CA" dirty="0"/>
+              <a:t>Oregon</a:t>
+            </a:r>
+          </a:p>
+          <a:p>
+            <a:pPr lvl="1"/>
+            <a:r>
+              <a:rPr lang="en-CA" dirty="0"/>
+              <a:t>Alabama</a:t>
+            </a:r>
+          </a:p>
+          <a:p>
+            <a:pPr lvl="1"/>
+            <a:r>
+              <a:rPr lang="en-CA" dirty="0"/>
+              <a:t>Kentucky</a:t>
             </a:r>
           </a:p>
         </p:txBody>
@@ -6654,7 +6751,7 @@
     </p:spTree>
     <p:extLst>
       <p:ext uri="{BB962C8B-B14F-4D97-AF65-F5344CB8AC3E}">
-        <p14:creationId xmlns:p14="http://schemas.microsoft.com/office/powerpoint/2010/main" val="1238574187"/>
+        <p14:creationId xmlns:p14="http://schemas.microsoft.com/office/powerpoint/2010/main" val="2223817716"/>
       </p:ext>
     </p:extLst>
   </p:cSld>
@@ -6686,7 +6783,7 @@
           <p:cNvPr id="2" name="Title 1">
             <a:extLst>
               <a:ext uri="{FF2B5EF4-FFF2-40B4-BE49-F238E27FC236}">
-                <a16:creationId xmlns:a16="http://schemas.microsoft.com/office/drawing/2014/main" id="{1E364593-785A-4841-9E39-74FCCFF74020}"/>
+                <a16:creationId xmlns:a16="http://schemas.microsoft.com/office/drawing/2014/main" id="{05277E86-FD59-5F42-88D1-0629CFF58F06}"/>
               </a:ext>
             </a:extLst>
           </p:cNvPr>
@@ -6704,26 +6801,24 @@
           <a:p>
             <a:r>
               <a:rPr lang="en-US" dirty="0"/>
-              <a:t>Mental Illness and Suicide Rates</a:t>
+              <a:t>Mental Illness in US</a:t>
             </a:r>
           </a:p>
         </p:txBody>
       </p:sp>
       <p:pic>
         <p:nvPicPr>
-          <p:cNvPr id="5" name="Content Placeholder 4">
+          <p:cNvPr id="9" name="Picture 8">
             <a:extLst>
               <a:ext uri="{FF2B5EF4-FFF2-40B4-BE49-F238E27FC236}">
-                <a16:creationId xmlns:a16="http://schemas.microsoft.com/office/drawing/2014/main" id="{85C7A6D8-7123-494E-BE38-F6A99BBA5E07}"/>
+                <a16:creationId xmlns:a16="http://schemas.microsoft.com/office/drawing/2014/main" id="{0570E7D1-7D8C-A944-A930-13CB05DDE945}"/>
               </a:ext>
             </a:extLst>
           </p:cNvPr>
           <p:cNvPicPr>
-            <a:picLocks noGrp="1" noChangeAspect="1"/>
+            <a:picLocks noChangeAspect="1"/>
           </p:cNvPicPr>
-          <p:nvPr>
-            <p:ph idx="1"/>
-          </p:nvPr>
+          <p:nvPr/>
         </p:nvPicPr>
         <p:blipFill>
           <a:blip r:embed="rId2"/>
@@ -6733,17 +6828,50 @@
         </p:blipFill>
         <p:spPr>
           <a:xfrm>
-            <a:off x="840727" y="1703327"/>
-            <a:ext cx="6924639" cy="4701955"/>
+            <a:off x="365816" y="2250832"/>
+            <a:ext cx="5797291" cy="3864860"/>
           </a:xfrm>
+          <a:prstGeom prst="rect">
+            <a:avLst/>
+          </a:prstGeom>
         </p:spPr>
       </p:pic>
-      <p:sp>
-        <p:nvSpPr>
-          <p:cNvPr id="6" name="TextBox 5">
+      <p:pic>
+        <p:nvPicPr>
+          <p:cNvPr id="13" name="Picture 12">
             <a:extLst>
               <a:ext uri="{FF2B5EF4-FFF2-40B4-BE49-F238E27FC236}">
-                <a16:creationId xmlns:a16="http://schemas.microsoft.com/office/drawing/2014/main" id="{4663E410-AC8D-C84D-A001-FD2830B27157}"/>
+                <a16:creationId xmlns:a16="http://schemas.microsoft.com/office/drawing/2014/main" id="{5C8366C5-A81B-0347-9AAF-2C8B1340CC61}"/>
+              </a:ext>
+            </a:extLst>
+          </p:cNvPr>
+          <p:cNvPicPr>
+            <a:picLocks noChangeAspect="1"/>
+          </p:cNvPicPr>
+          <p:nvPr/>
+        </p:nvPicPr>
+        <p:blipFill>
+          <a:blip r:embed="rId3"/>
+          <a:stretch>
+            <a:fillRect/>
+          </a:stretch>
+        </p:blipFill>
+        <p:spPr>
+          <a:xfrm>
+            <a:off x="6268386" y="2256694"/>
+            <a:ext cx="5538340" cy="3858998"/>
+          </a:xfrm>
+          <a:prstGeom prst="rect">
+            <a:avLst/>
+          </a:prstGeom>
+        </p:spPr>
+      </p:pic>
+      <p:sp>
+        <p:nvSpPr>
+          <p:cNvPr id="14" name="TextBox 13">
+            <a:extLst>
+              <a:ext uri="{FF2B5EF4-FFF2-40B4-BE49-F238E27FC236}">
+                <a16:creationId xmlns:a16="http://schemas.microsoft.com/office/drawing/2014/main" id="{B7D0D8BF-98D1-7445-83CA-8A5AD8FF450E}"/>
               </a:ext>
             </a:extLst>
           </p:cNvPr>
@@ -6752,8 +6880,8 @@
         </p:nvSpPr>
         <p:spPr>
           <a:xfrm>
-            <a:off x="8032652" y="1703327"/>
-            <a:ext cx="3179299" cy="1200329"/>
+            <a:off x="646111" y="1483916"/>
+            <a:ext cx="10948010" cy="369332"/>
           </a:xfrm>
           <a:prstGeom prst="rect">
             <a:avLst/>
@@ -6768,42 +6896,7 @@
           <a:p>
             <a:r>
               <a:rPr lang="en-US" dirty="0"/>
-              <a:t>States with higher percentage of population with mental illnesses have higher suicide rates.</a:t>
-            </a:r>
-          </a:p>
-        </p:txBody>
-      </p:sp>
-      <p:sp>
-        <p:nvSpPr>
-          <p:cNvPr id="7" name="TextBox 6">
-            <a:extLst>
-              <a:ext uri="{FF2B5EF4-FFF2-40B4-BE49-F238E27FC236}">
-                <a16:creationId xmlns:a16="http://schemas.microsoft.com/office/drawing/2014/main" id="{A46E8627-3399-0349-99A0-6ABBCCADEEFE}"/>
-              </a:ext>
-            </a:extLst>
-          </p:cNvPr>
-          <p:cNvSpPr txBox="1"/>
-          <p:nvPr/>
-        </p:nvSpPr>
-        <p:spPr>
-          <a:xfrm>
-            <a:off x="8032652" y="3305908"/>
-            <a:ext cx="3038622" cy="646331"/>
-          </a:xfrm>
-          <a:prstGeom prst="rect">
-            <a:avLst/>
-          </a:prstGeom>
-          <a:noFill/>
-        </p:spPr>
-        <p:txBody>
-          <a:bodyPr wrap="square" rtlCol="0">
-            <a:spAutoFit/>
-          </a:bodyPr>
-          <a:lstStyle/>
-          <a:p>
-            <a:r>
-              <a:rPr lang="en-US" dirty="0"/>
-              <a:t>Correlation coefficient: 0.46</a:t>
+              <a:t>Overall, approx. 1 in 5 adults in US experience mental illness in a year.</a:t>
             </a:r>
           </a:p>
         </p:txBody>
@@ -6811,7 +6904,7 @@
     </p:spTree>
     <p:extLst>
       <p:ext uri="{BB962C8B-B14F-4D97-AF65-F5344CB8AC3E}">
-        <p14:creationId xmlns:p14="http://schemas.microsoft.com/office/powerpoint/2010/main" val="4205868080"/>
+        <p14:creationId xmlns:p14="http://schemas.microsoft.com/office/powerpoint/2010/main" val="3653144135"/>
       </p:ext>
     </p:extLst>
   </p:cSld>
@@ -6861,11 +6954,40 @@
           <a:p>
             <a:r>
               <a:rPr lang="en-US" dirty="0"/>
-              <a:t>Mental Illness and Income</a:t>
-            </a:r>
-          </a:p>
-        </p:txBody>
-      </p:sp>
+              <a:t>Mental Illness and Suicide Rates</a:t>
+            </a:r>
+          </a:p>
+        </p:txBody>
+      </p:sp>
+      <p:pic>
+        <p:nvPicPr>
+          <p:cNvPr id="5" name="Content Placeholder 4">
+            <a:extLst>
+              <a:ext uri="{FF2B5EF4-FFF2-40B4-BE49-F238E27FC236}">
+                <a16:creationId xmlns:a16="http://schemas.microsoft.com/office/drawing/2014/main" id="{85C7A6D8-7123-494E-BE38-F6A99BBA5E07}"/>
+              </a:ext>
+            </a:extLst>
+          </p:cNvPr>
+          <p:cNvPicPr>
+            <a:picLocks noGrp="1" noChangeAspect="1"/>
+          </p:cNvPicPr>
+          <p:nvPr>
+            <p:ph idx="1"/>
+          </p:nvPr>
+        </p:nvPicPr>
+        <p:blipFill>
+          <a:blip r:embed="rId2"/>
+          <a:stretch>
+            <a:fillRect/>
+          </a:stretch>
+        </p:blipFill>
+        <p:spPr>
+          <a:xfrm>
+            <a:off x="524206" y="1703327"/>
+            <a:ext cx="6924639" cy="4701955"/>
+          </a:xfrm>
+        </p:spPr>
+      </p:pic>
       <p:sp>
         <p:nvSpPr>
           <p:cNvPr id="6" name="TextBox 5">
@@ -6880,8 +7002,8 @@
         </p:nvSpPr>
         <p:spPr>
           <a:xfrm>
-            <a:off x="8032652" y="1703327"/>
-            <a:ext cx="3179299" cy="1754326"/>
+            <a:off x="7716131" y="1703327"/>
+            <a:ext cx="3179299" cy="1200329"/>
           </a:xfrm>
           <a:prstGeom prst="rect">
             <a:avLst/>
@@ -6896,11 +7018,8 @@
           <a:p>
             <a:r>
               <a:rPr lang="en-US" dirty="0"/>
-              <a:t>Weak negative correlation- States with higher income have lower percentage of population with mental illness.</a:t>
-            </a:r>
-          </a:p>
-          <a:p>
-            <a:endParaRPr lang="en-US" dirty="0"/>
+              <a:t>States with higher percentage of population with mental illnesses have higher suicide rates.</a:t>
+            </a:r>
           </a:p>
         </p:txBody>
       </p:sp>
@@ -6918,7 +7037,7 @@
         </p:nvSpPr>
         <p:spPr>
           <a:xfrm>
-            <a:off x="8032652" y="3305908"/>
+            <a:off x="7716131" y="3305908"/>
             <a:ext cx="3038622" cy="646331"/>
           </a:xfrm>
           <a:prstGeom prst="rect">
@@ -6934,50 +7053,44 @@
           <a:p>
             <a:r>
               <a:rPr lang="en-US" dirty="0"/>
-              <a:t>Correlation coefficient: </a:t>
-            </a:r>
-          </a:p>
-          <a:p>
-            <a:r>
-              <a:rPr lang="en-US" dirty="0"/>
-              <a:t>-0.25</a:t>
+              <a:t>Correlation coefficient: 0.46</a:t>
             </a:r>
           </a:p>
         </p:txBody>
       </p:sp>
       <p:pic>
         <p:nvPicPr>
-          <p:cNvPr id="9" name="Content Placeholder 8">
+          <p:cNvPr id="8" name="Picture 7">
             <a:extLst>
               <a:ext uri="{FF2B5EF4-FFF2-40B4-BE49-F238E27FC236}">
-                <a16:creationId xmlns:a16="http://schemas.microsoft.com/office/drawing/2014/main" id="{9FA5348A-F337-724D-99D8-1623AF74E7A0}"/>
+                <a16:creationId xmlns:a16="http://schemas.microsoft.com/office/drawing/2014/main" id="{2F022757-B8C8-1E4B-8EDE-F671D8BA097D}"/>
               </a:ext>
             </a:extLst>
           </p:cNvPr>
           <p:cNvPicPr>
-            <a:picLocks noGrp="1" noChangeAspect="1"/>
+            <a:picLocks noChangeAspect="1"/>
           </p:cNvPicPr>
-          <p:nvPr>
-            <p:ph idx="1"/>
-          </p:nvPr>
+          <p:nvPr/>
         </p:nvPicPr>
-        <p:blipFill>
-          <a:blip r:embed="rId2"/>
-          <a:stretch>
-            <a:fillRect/>
-          </a:stretch>
+        <p:blipFill rotWithShape="1">
+          <a:blip r:embed="rId3"/>
+          <a:srcRect t="43627" b="10232"/>
+          <a:stretch/>
         </p:blipFill>
         <p:spPr>
           <a:xfrm>
-            <a:off x="802365" y="1594228"/>
-            <a:ext cx="7074033" cy="4716022"/>
+            <a:off x="7708663" y="4166012"/>
+            <a:ext cx="4051300" cy="1400531"/>
           </a:xfrm>
+          <a:prstGeom prst="rect">
+            <a:avLst/>
+          </a:prstGeom>
         </p:spPr>
       </p:pic>
     </p:spTree>
     <p:extLst>
       <p:ext uri="{BB962C8B-B14F-4D97-AF65-F5344CB8AC3E}">
-        <p14:creationId xmlns:p14="http://schemas.microsoft.com/office/powerpoint/2010/main" val="1095383657"/>
+        <p14:creationId xmlns:p14="http://schemas.microsoft.com/office/powerpoint/2010/main" val="4205868080"/>
       </p:ext>
     </p:extLst>
   </p:cSld>
@@ -7027,11 +7140,40 @@
           <a:p>
             <a:r>
               <a:rPr lang="en-US" dirty="0"/>
-              <a:t>Mental Illness and GDP</a:t>
-            </a:r>
-          </a:p>
-        </p:txBody>
-      </p:sp>
+              <a:t>Mental Illness and Income</a:t>
+            </a:r>
+          </a:p>
+        </p:txBody>
+      </p:sp>
+      <p:pic>
+        <p:nvPicPr>
+          <p:cNvPr id="9" name="Content Placeholder 8">
+            <a:extLst>
+              <a:ext uri="{FF2B5EF4-FFF2-40B4-BE49-F238E27FC236}">
+                <a16:creationId xmlns:a16="http://schemas.microsoft.com/office/drawing/2014/main" id="{9FA5348A-F337-724D-99D8-1623AF74E7A0}"/>
+              </a:ext>
+            </a:extLst>
+          </p:cNvPr>
+          <p:cNvPicPr>
+            <a:picLocks noGrp="1" noChangeAspect="1"/>
+          </p:cNvPicPr>
+          <p:nvPr>
+            <p:ph idx="1"/>
+          </p:nvPr>
+        </p:nvPicPr>
+        <p:blipFill>
+          <a:blip r:embed="rId2"/>
+          <a:stretch>
+            <a:fillRect/>
+          </a:stretch>
+        </p:blipFill>
+        <p:spPr>
+          <a:xfrm>
+            <a:off x="485844" y="1594228"/>
+            <a:ext cx="7074033" cy="4716022"/>
+          </a:xfrm>
+        </p:spPr>
+      </p:pic>
       <p:sp>
         <p:nvSpPr>
           <p:cNvPr id="6" name="TextBox 5">
@@ -7046,8 +7188,8 @@
         </p:nvSpPr>
         <p:spPr>
           <a:xfrm>
-            <a:off x="8032652" y="1703327"/>
-            <a:ext cx="3179299" cy="1477328"/>
+            <a:off x="7716131" y="1703327"/>
+            <a:ext cx="3179299" cy="1754326"/>
           </a:xfrm>
           <a:prstGeom prst="rect">
             <a:avLst/>
@@ -7062,8 +7204,11 @@
           <a:p>
             <a:r>
               <a:rPr lang="en-US" dirty="0"/>
-              <a:t>Weak negative correlation- States with lower percentage of population with mental illness have higher GDP.</a:t>
-            </a:r>
+              <a:t>Weak negative correlation- States with higher income have lower percentage of population with mental illness.</a:t>
+            </a:r>
+          </a:p>
+          <a:p>
+            <a:endParaRPr lang="en-US" dirty="0"/>
           </a:p>
         </p:txBody>
       </p:sp>
@@ -7081,7 +7226,7 @@
         </p:nvSpPr>
         <p:spPr>
           <a:xfrm>
-            <a:off x="8032652" y="3305908"/>
+            <a:off x="7716131" y="3305908"/>
             <a:ext cx="3038622" cy="646331"/>
           </a:xfrm>
           <a:prstGeom prst="rect">
@@ -7103,7 +7248,94 @@
           <a:p>
             <a:r>
               <a:rPr lang="en-US" dirty="0"/>
-              <a:t>-0.31</a:t>
+              <a:t>-0.25</a:t>
+            </a:r>
+          </a:p>
+        </p:txBody>
+      </p:sp>
+      <p:pic>
+        <p:nvPicPr>
+          <p:cNvPr id="3" name="Picture 2">
+            <a:extLst>
+              <a:ext uri="{FF2B5EF4-FFF2-40B4-BE49-F238E27FC236}">
+                <a16:creationId xmlns:a16="http://schemas.microsoft.com/office/drawing/2014/main" id="{6052D936-5489-364A-BFA5-FD08473CBA9A}"/>
+              </a:ext>
+            </a:extLst>
+          </p:cNvPr>
+          <p:cNvPicPr>
+            <a:picLocks noChangeAspect="1"/>
+          </p:cNvPicPr>
+          <p:nvPr/>
+        </p:nvPicPr>
+        <p:blipFill rotWithShape="1">
+          <a:blip r:embed="rId3"/>
+          <a:srcRect t="43627" b="10232"/>
+          <a:stretch/>
+        </p:blipFill>
+        <p:spPr>
+          <a:xfrm>
+            <a:off x="7708663" y="4154289"/>
+            <a:ext cx="4051300" cy="1400531"/>
+          </a:xfrm>
+          <a:prstGeom prst="rect">
+            <a:avLst/>
+          </a:prstGeom>
+        </p:spPr>
+      </p:pic>
+    </p:spTree>
+    <p:extLst>
+      <p:ext uri="{BB962C8B-B14F-4D97-AF65-F5344CB8AC3E}">
+        <p14:creationId xmlns:p14="http://schemas.microsoft.com/office/powerpoint/2010/main" val="1095383657"/>
+      </p:ext>
+    </p:extLst>
+  </p:cSld>
+  <p:clrMapOvr>
+    <a:masterClrMapping/>
+  </p:clrMapOvr>
+</p:sld>
+</file>
+
+<file path=ppt/slides/slide9.xml><?xml version="1.0" encoding="utf-8"?>
+<p:sld xmlns:a="http://schemas.openxmlformats.org/drawingml/2006/main" xmlns:r="http://schemas.openxmlformats.org/officeDocument/2006/relationships" xmlns:p="http://schemas.openxmlformats.org/presentationml/2006/main">
+  <p:cSld>
+    <p:spTree>
+      <p:nvGrpSpPr>
+        <p:cNvPr id="1" name=""/>
+        <p:cNvGrpSpPr/>
+        <p:nvPr/>
+      </p:nvGrpSpPr>
+      <p:grpSpPr>
+        <a:xfrm>
+          <a:off x="0" y="0"/>
+          <a:ext cx="0" cy="0"/>
+          <a:chOff x="0" y="0"/>
+          <a:chExt cx="0" cy="0"/>
+        </a:xfrm>
+      </p:grpSpPr>
+      <p:sp>
+        <p:nvSpPr>
+          <p:cNvPr id="2" name="Title 1">
+            <a:extLst>
+              <a:ext uri="{FF2B5EF4-FFF2-40B4-BE49-F238E27FC236}">
+                <a16:creationId xmlns:a16="http://schemas.microsoft.com/office/drawing/2014/main" id="{1E364593-785A-4841-9E39-74FCCFF74020}"/>
+              </a:ext>
+            </a:extLst>
+          </p:cNvPr>
+          <p:cNvSpPr>
+            <a:spLocks noGrp="1"/>
+          </p:cNvSpPr>
+          <p:nvPr>
+            <p:ph type="title"/>
+          </p:nvPr>
+        </p:nvSpPr>
+        <p:spPr/>
+        <p:txBody>
+          <a:bodyPr/>
+          <a:lstStyle/>
+          <a:p>
+            <a:r>
+              <a:rPr lang="en-US" dirty="0"/>
+              <a:t>Mental Illness and GDP</a:t>
             </a:r>
           </a:p>
         </p:txBody>
@@ -7132,9 +7364,114 @@
         </p:blipFill>
         <p:spPr>
           <a:xfrm>
-            <a:off x="784010" y="1581991"/>
+            <a:off x="537827" y="1581991"/>
             <a:ext cx="7110744" cy="4740496"/>
           </a:xfrm>
+        </p:spPr>
+      </p:pic>
+      <p:sp>
+        <p:nvSpPr>
+          <p:cNvPr id="6" name="TextBox 5">
+            <a:extLst>
+              <a:ext uri="{FF2B5EF4-FFF2-40B4-BE49-F238E27FC236}">
+                <a16:creationId xmlns:a16="http://schemas.microsoft.com/office/drawing/2014/main" id="{4663E410-AC8D-C84D-A001-FD2830B27157}"/>
+              </a:ext>
+            </a:extLst>
+          </p:cNvPr>
+          <p:cNvSpPr txBox="1"/>
+          <p:nvPr/>
+        </p:nvSpPr>
+        <p:spPr>
+          <a:xfrm>
+            <a:off x="7786470" y="1703327"/>
+            <a:ext cx="3425482" cy="1477328"/>
+          </a:xfrm>
+          <a:prstGeom prst="rect">
+            <a:avLst/>
+          </a:prstGeom>
+          <a:noFill/>
+        </p:spPr>
+        <p:txBody>
+          <a:bodyPr wrap="square" rtlCol="0">
+            <a:spAutoFit/>
+          </a:bodyPr>
+          <a:lstStyle/>
+          <a:p>
+            <a:r>
+              <a:rPr lang="en-US" dirty="0"/>
+              <a:t>Weak negative correlation- States with lower percentage of population with mental illness have higher GDP.</a:t>
+            </a:r>
+          </a:p>
+        </p:txBody>
+      </p:sp>
+      <p:sp>
+        <p:nvSpPr>
+          <p:cNvPr id="7" name="TextBox 6">
+            <a:extLst>
+              <a:ext uri="{FF2B5EF4-FFF2-40B4-BE49-F238E27FC236}">
+                <a16:creationId xmlns:a16="http://schemas.microsoft.com/office/drawing/2014/main" id="{A46E8627-3399-0349-99A0-6ABBCCADEEFE}"/>
+              </a:ext>
+            </a:extLst>
+          </p:cNvPr>
+          <p:cNvSpPr txBox="1"/>
+          <p:nvPr/>
+        </p:nvSpPr>
+        <p:spPr>
+          <a:xfrm>
+            <a:off x="7786469" y="3305908"/>
+            <a:ext cx="3038622" cy="646331"/>
+          </a:xfrm>
+          <a:prstGeom prst="rect">
+            <a:avLst/>
+          </a:prstGeom>
+          <a:noFill/>
+        </p:spPr>
+        <p:txBody>
+          <a:bodyPr wrap="square" rtlCol="0">
+            <a:spAutoFit/>
+          </a:bodyPr>
+          <a:lstStyle/>
+          <a:p>
+            <a:r>
+              <a:rPr lang="en-US" dirty="0"/>
+              <a:t>Correlation coefficient: </a:t>
+            </a:r>
+          </a:p>
+          <a:p>
+            <a:r>
+              <a:rPr lang="en-US" dirty="0"/>
+              <a:t>-0.31</a:t>
+            </a:r>
+          </a:p>
+        </p:txBody>
+      </p:sp>
+      <p:pic>
+        <p:nvPicPr>
+          <p:cNvPr id="8" name="Picture 7">
+            <a:extLst>
+              <a:ext uri="{FF2B5EF4-FFF2-40B4-BE49-F238E27FC236}">
+                <a16:creationId xmlns:a16="http://schemas.microsoft.com/office/drawing/2014/main" id="{788EACC7-7E3B-6147-942D-E27EFEE33090}"/>
+              </a:ext>
+            </a:extLst>
+          </p:cNvPr>
+          <p:cNvPicPr>
+            <a:picLocks noChangeAspect="1"/>
+          </p:cNvPicPr>
+          <p:nvPr/>
+        </p:nvPicPr>
+        <p:blipFill rotWithShape="1">
+          <a:blip r:embed="rId3"/>
+          <a:srcRect t="43627" b="10232"/>
+          <a:stretch/>
+        </p:blipFill>
+        <p:spPr>
+          <a:xfrm>
+            <a:off x="7779001" y="4166012"/>
+            <a:ext cx="4051300" cy="1400531"/>
+          </a:xfrm>
+          <a:prstGeom prst="rect">
+            <a:avLst/>
+          </a:prstGeom>
         </p:spPr>
       </p:pic>
     </p:spTree>

--- a/Output/MentalHealth_in_the_US.pptx
+++ b/Output/MentalHealth_in_the_US.pptx
@@ -14,6 +14,9 @@
     <p:sldId id="261" r:id="rId8"/>
     <p:sldId id="262" r:id="rId9"/>
     <p:sldId id="263" r:id="rId10"/>
+    <p:sldId id="265" r:id="rId11"/>
+    <p:sldId id="266" r:id="rId12"/>
+    <p:sldId id="267" r:id="rId13"/>
   </p:sldIdLst>
   <p:sldSz cx="12192000" cy="6858000"/>
   <p:notesSz cx="6858000" cy="9144000"/>
@@ -306,7 +309,7 @@
           <a:p>
             <a:fld id="{4AAD347D-5ACD-4C99-B74B-A9C85AD731AF}" type="datetimeFigureOut">
               <a:rPr lang="en-US" smtClean="0"/>
-              <a:t>3/13/19</a:t>
+              <a:t>3/14/19</a:t>
             </a:fld>
             <a:endParaRPr lang="en-US" dirty="0"/>
           </a:p>
@@ -581,7 +584,7 @@
           <a:p>
             <a:fld id="{4AAD347D-5ACD-4C99-B74B-A9C85AD731AF}" type="datetimeFigureOut">
               <a:rPr lang="en-US" smtClean="0"/>
-              <a:t>3/13/19</a:t>
+              <a:t>3/14/19</a:t>
             </a:fld>
             <a:endParaRPr lang="en-US" dirty="0"/>
           </a:p>
@@ -776,7 +779,7 @@
           <a:p>
             <a:fld id="{4AAD347D-5ACD-4C99-B74B-A9C85AD731AF}" type="datetimeFigureOut">
               <a:rPr lang="en-US" smtClean="0"/>
-              <a:t>3/13/19</a:t>
+              <a:t>3/14/19</a:t>
             </a:fld>
             <a:endParaRPr lang="en-US" dirty="0"/>
           </a:p>
@@ -1050,7 +1053,7 @@
           <a:p>
             <a:fld id="{4AAD347D-5ACD-4C99-B74B-A9C85AD731AF}" type="datetimeFigureOut">
               <a:rPr lang="en-US" smtClean="0"/>
-              <a:t>3/13/19</a:t>
+              <a:t>3/14/19</a:t>
             </a:fld>
             <a:endParaRPr lang="en-US" dirty="0"/>
           </a:p>
@@ -1392,7 +1395,7 @@
           <a:p>
             <a:fld id="{4AAD347D-5ACD-4C99-B74B-A9C85AD731AF}" type="datetimeFigureOut">
               <a:rPr lang="en-US" smtClean="0"/>
-              <a:t>3/13/19</a:t>
+              <a:t>3/14/19</a:t>
             </a:fld>
             <a:endParaRPr lang="en-US" dirty="0"/>
           </a:p>
@@ -2016,7 +2019,7 @@
           <a:p>
             <a:fld id="{4AAD347D-5ACD-4C99-B74B-A9C85AD731AF}" type="datetimeFigureOut">
               <a:rPr lang="en-US" smtClean="0"/>
-              <a:t>3/13/19</a:t>
+              <a:t>3/14/19</a:t>
             </a:fld>
             <a:endParaRPr lang="en-US" dirty="0"/>
           </a:p>
@@ -2877,7 +2880,7 @@
           <a:p>
             <a:fld id="{4AAD347D-5ACD-4C99-B74B-A9C85AD731AF}" type="datetimeFigureOut">
               <a:rPr lang="en-US" smtClean="0"/>
-              <a:t>3/13/19</a:t>
+              <a:t>3/14/19</a:t>
             </a:fld>
             <a:endParaRPr lang="en-US" dirty="0"/>
           </a:p>
@@ -3048,7 +3051,7 @@
           <a:p>
             <a:fld id="{4509A250-FF31-4206-8172-F9D3106AACB1}" type="datetimeFigureOut">
               <a:rPr lang="en-US" smtClean="0"/>
-              <a:t>3/13/19</a:t>
+              <a:t>3/14/19</a:t>
             </a:fld>
             <a:endParaRPr lang="en-US" dirty="0"/>
           </a:p>
@@ -3228,7 +3231,7 @@
           <a:p>
             <a:fld id="{4509A250-FF31-4206-8172-F9D3106AACB1}" type="datetimeFigureOut">
               <a:rPr lang="en-US" smtClean="0"/>
-              <a:t>3/13/19</a:t>
+              <a:t>3/14/19</a:t>
             </a:fld>
             <a:endParaRPr lang="en-US" dirty="0"/>
           </a:p>
@@ -3398,7 +3401,7 @@
           <a:p>
             <a:fld id="{4509A250-FF31-4206-8172-F9D3106AACB1}" type="datetimeFigureOut">
               <a:rPr lang="en-US" smtClean="0"/>
-              <a:t>3/13/19</a:t>
+              <a:t>3/14/19</a:t>
             </a:fld>
             <a:endParaRPr lang="en-US" dirty="0"/>
           </a:p>
@@ -3645,7 +3648,7 @@
           <a:p>
             <a:fld id="{9796027F-7875-4030-9381-8BD8C4F21935}" type="datetimeFigureOut">
               <a:rPr lang="en-US" smtClean="0"/>
-              <a:t>3/13/19</a:t>
+              <a:t>3/14/19</a:t>
             </a:fld>
             <a:endParaRPr lang="en-US" dirty="0"/>
           </a:p>
@@ -3937,7 +3940,7 @@
           <a:p>
             <a:fld id="{9796027F-7875-4030-9381-8BD8C4F21935}" type="datetimeFigureOut">
               <a:rPr lang="en-US" smtClean="0"/>
-              <a:t>3/13/19</a:t>
+              <a:t>3/14/19</a:t>
             </a:fld>
             <a:endParaRPr lang="en-US" dirty="0"/>
           </a:p>
@@ -4381,7 +4384,7 @@
           <a:p>
             <a:fld id="{9796027F-7875-4030-9381-8BD8C4F21935}" type="datetimeFigureOut">
               <a:rPr lang="en-US" smtClean="0"/>
-              <a:t>3/13/19</a:t>
+              <a:t>3/14/19</a:t>
             </a:fld>
             <a:endParaRPr lang="en-US" dirty="0"/>
           </a:p>
@@ -4499,7 +4502,7 @@
           <a:p>
             <a:fld id="{4509A250-FF31-4206-8172-F9D3106AACB1}" type="datetimeFigureOut">
               <a:rPr lang="en-US" smtClean="0"/>
-              <a:t>3/13/19</a:t>
+              <a:t>3/14/19</a:t>
             </a:fld>
             <a:endParaRPr lang="en-US" dirty="0"/>
           </a:p>
@@ -4594,7 +4597,7 @@
           <a:p>
             <a:fld id="{4509A250-FF31-4206-8172-F9D3106AACB1}" type="datetimeFigureOut">
               <a:rPr lang="en-US" smtClean="0"/>
-              <a:t>3/13/19</a:t>
+              <a:t>3/14/19</a:t>
             </a:fld>
             <a:endParaRPr lang="en-US" dirty="0"/>
           </a:p>
@@ -4873,7 +4876,7 @@
           <a:p>
             <a:fld id="{4509A250-FF31-4206-8172-F9D3106AACB1}" type="datetimeFigureOut">
               <a:rPr lang="en-US" smtClean="0"/>
-              <a:t>3/13/19</a:t>
+              <a:t>3/14/19</a:t>
             </a:fld>
             <a:endParaRPr lang="en-US" dirty="0"/>
           </a:p>
@@ -5148,7 +5151,7 @@
           <a:p>
             <a:fld id="{4509A250-FF31-4206-8172-F9D3106AACB1}" type="datetimeFigureOut">
               <a:rPr lang="en-US" smtClean="0"/>
-              <a:t>3/13/19</a:t>
+              <a:t>3/14/19</a:t>
             </a:fld>
             <a:endParaRPr lang="en-US" dirty="0"/>
           </a:p>
@@ -5577,7 +5580,7 @@
           <a:p>
             <a:fld id="{4AAD347D-5ACD-4C99-B74B-A9C85AD731AF}" type="datetimeFigureOut">
               <a:rPr lang="en-US" smtClean="0"/>
-              <a:t>3/13/19</a:t>
+              <a:t>3/14/19</a:t>
             </a:fld>
             <a:endParaRPr lang="en-US" dirty="0"/>
           </a:p>
@@ -6175,6 +6178,411 @@
 </p:sld>
 </file>
 
+<file path=ppt/slides/slide10.xml><?xml version="1.0" encoding="utf-8"?>
+<p:sld xmlns:a="http://schemas.openxmlformats.org/drawingml/2006/main" xmlns:r="http://schemas.openxmlformats.org/officeDocument/2006/relationships" xmlns:p="http://schemas.openxmlformats.org/presentationml/2006/main">
+  <p:cSld>
+    <p:spTree>
+      <p:nvGrpSpPr>
+        <p:cNvPr id="1" name=""/>
+        <p:cNvGrpSpPr/>
+        <p:nvPr/>
+      </p:nvGrpSpPr>
+      <p:grpSpPr>
+        <a:xfrm>
+          <a:off x="0" y="0"/>
+          <a:ext cx="0" cy="0"/>
+          <a:chOff x="0" y="0"/>
+          <a:chExt cx="0" cy="0"/>
+        </a:xfrm>
+      </p:grpSpPr>
+      <p:sp>
+        <p:nvSpPr>
+          <p:cNvPr id="2" name="Title 1">
+            <a:extLst>
+              <a:ext uri="{FF2B5EF4-FFF2-40B4-BE49-F238E27FC236}">
+                <a16:creationId xmlns:a16="http://schemas.microsoft.com/office/drawing/2014/main" id="{1E364593-785A-4841-9E39-74FCCFF74020}"/>
+              </a:ext>
+            </a:extLst>
+          </p:cNvPr>
+          <p:cNvSpPr>
+            <a:spLocks noGrp="1"/>
+          </p:cNvSpPr>
+          <p:nvPr>
+            <p:ph type="title"/>
+          </p:nvPr>
+        </p:nvSpPr>
+        <p:spPr>
+          <a:xfrm>
+            <a:off x="530497" y="0"/>
+            <a:ext cx="9404723" cy="1400530"/>
+          </a:xfrm>
+        </p:spPr>
+        <p:txBody>
+          <a:bodyPr/>
+          <a:lstStyle/>
+          <a:p>
+            <a:r>
+              <a:rPr lang="en-US" dirty="0"/>
+              <a:t>Mental Illness and Poverty</a:t>
+            </a:r>
+          </a:p>
+        </p:txBody>
+      </p:sp>
+      <p:sp>
+        <p:nvSpPr>
+          <p:cNvPr id="6" name="TextBox 5">
+            <a:extLst>
+              <a:ext uri="{FF2B5EF4-FFF2-40B4-BE49-F238E27FC236}">
+                <a16:creationId xmlns:a16="http://schemas.microsoft.com/office/drawing/2014/main" id="{4663E410-AC8D-C84D-A001-FD2830B27157}"/>
+              </a:ext>
+            </a:extLst>
+          </p:cNvPr>
+          <p:cNvSpPr txBox="1"/>
+          <p:nvPr/>
+        </p:nvSpPr>
+        <p:spPr>
+          <a:xfrm>
+            <a:off x="9438291" y="1951672"/>
+            <a:ext cx="2995448" cy="1477328"/>
+          </a:xfrm>
+          <a:prstGeom prst="rect">
+            <a:avLst/>
+          </a:prstGeom>
+          <a:noFill/>
+        </p:spPr>
+        <p:txBody>
+          <a:bodyPr wrap="square" rtlCol="0">
+            <a:spAutoFit/>
+          </a:bodyPr>
+          <a:lstStyle/>
+          <a:p>
+            <a:r>
+              <a:rPr lang="en-CA" dirty="0"/>
+              <a:t>States with greater poverty are </a:t>
+            </a:r>
+            <a:r>
+              <a:rPr lang="en-CA" b="1" dirty="0"/>
+              <a:t>NOT</a:t>
+            </a:r>
+            <a:r>
+              <a:rPr lang="en-CA" dirty="0"/>
+              <a:t> [necessarily] states with higher rates of mental illness</a:t>
+            </a:r>
+          </a:p>
+        </p:txBody>
+      </p:sp>
+      <p:pic>
+        <p:nvPicPr>
+          <p:cNvPr id="22" name="Content Placeholder 21" descr="A screenshot of a cell phone&#10;&#10;Description automatically generated">
+            <a:extLst>
+              <a:ext uri="{FF2B5EF4-FFF2-40B4-BE49-F238E27FC236}">
+                <a16:creationId xmlns:a16="http://schemas.microsoft.com/office/drawing/2014/main" id="{1BA34C40-2D6A-D843-90C2-474AF1315CB1}"/>
+              </a:ext>
+            </a:extLst>
+          </p:cNvPr>
+          <p:cNvPicPr>
+            <a:picLocks noGrp="1" noChangeAspect="1"/>
+          </p:cNvPicPr>
+          <p:nvPr>
+            <p:ph idx="1"/>
+          </p:nvPr>
+        </p:nvPicPr>
+        <p:blipFill>
+          <a:blip r:embed="rId2"/>
+          <a:stretch>
+            <a:fillRect/>
+          </a:stretch>
+        </p:blipFill>
+        <p:spPr>
+          <a:xfrm>
+            <a:off x="94593" y="714703"/>
+            <a:ext cx="9343698" cy="6023413"/>
+          </a:xfrm>
+        </p:spPr>
+      </p:pic>
+    </p:spTree>
+    <p:extLst>
+      <p:ext uri="{BB962C8B-B14F-4D97-AF65-F5344CB8AC3E}">
+        <p14:creationId xmlns:p14="http://schemas.microsoft.com/office/powerpoint/2010/main" val="217201091"/>
+      </p:ext>
+    </p:extLst>
+  </p:cSld>
+  <p:clrMapOvr>
+    <a:masterClrMapping/>
+  </p:clrMapOvr>
+</p:sld>
+</file>
+
+<file path=ppt/slides/slide11.xml><?xml version="1.0" encoding="utf-8"?>
+<p:sld xmlns:a="http://schemas.openxmlformats.org/drawingml/2006/main" xmlns:r="http://schemas.openxmlformats.org/officeDocument/2006/relationships" xmlns:p="http://schemas.openxmlformats.org/presentationml/2006/main">
+  <p:cSld>
+    <p:spTree>
+      <p:nvGrpSpPr>
+        <p:cNvPr id="1" name=""/>
+        <p:cNvGrpSpPr/>
+        <p:nvPr/>
+      </p:nvGrpSpPr>
+      <p:grpSpPr>
+        <a:xfrm>
+          <a:off x="0" y="0"/>
+          <a:ext cx="0" cy="0"/>
+          <a:chOff x="0" y="0"/>
+          <a:chExt cx="0" cy="0"/>
+        </a:xfrm>
+      </p:grpSpPr>
+      <p:sp>
+        <p:nvSpPr>
+          <p:cNvPr id="2" name="Title 1">
+            <a:extLst>
+              <a:ext uri="{FF2B5EF4-FFF2-40B4-BE49-F238E27FC236}">
+                <a16:creationId xmlns:a16="http://schemas.microsoft.com/office/drawing/2014/main" id="{1E364593-785A-4841-9E39-74FCCFF74020}"/>
+              </a:ext>
+            </a:extLst>
+          </p:cNvPr>
+          <p:cNvSpPr>
+            <a:spLocks noGrp="1"/>
+          </p:cNvSpPr>
+          <p:nvPr>
+            <p:ph type="title"/>
+          </p:nvPr>
+        </p:nvSpPr>
+        <p:spPr>
+          <a:xfrm>
+            <a:off x="646111" y="39057"/>
+            <a:ext cx="9404723" cy="850462"/>
+          </a:xfrm>
+        </p:spPr>
+        <p:txBody>
+          <a:bodyPr/>
+          <a:lstStyle/>
+          <a:p>
+            <a:r>
+              <a:rPr lang="en-US" dirty="0"/>
+              <a:t>Mental Illness and Employment</a:t>
+            </a:r>
+          </a:p>
+        </p:txBody>
+      </p:sp>
+      <p:sp>
+        <p:nvSpPr>
+          <p:cNvPr id="6" name="TextBox 5">
+            <a:extLst>
+              <a:ext uri="{FF2B5EF4-FFF2-40B4-BE49-F238E27FC236}">
+                <a16:creationId xmlns:a16="http://schemas.microsoft.com/office/drawing/2014/main" id="{4663E410-AC8D-C84D-A001-FD2830B27157}"/>
+              </a:ext>
+            </a:extLst>
+          </p:cNvPr>
+          <p:cNvSpPr txBox="1"/>
+          <p:nvPr/>
+        </p:nvSpPr>
+        <p:spPr>
+          <a:xfrm>
+            <a:off x="9498510" y="1685184"/>
+            <a:ext cx="2790773" cy="1477328"/>
+          </a:xfrm>
+          <a:prstGeom prst="rect">
+            <a:avLst/>
+          </a:prstGeom>
+          <a:noFill/>
+        </p:spPr>
+        <p:txBody>
+          <a:bodyPr wrap="square" rtlCol="0">
+            <a:spAutoFit/>
+          </a:bodyPr>
+          <a:lstStyle/>
+          <a:p>
+            <a:r>
+              <a:rPr lang="en-CA" dirty="0"/>
+              <a:t>States with greater unemployment are </a:t>
+            </a:r>
+            <a:r>
+              <a:rPr lang="en-CA" b="1" dirty="0"/>
+              <a:t>NOT</a:t>
+            </a:r>
+            <a:r>
+              <a:rPr lang="en-CA" dirty="0"/>
+              <a:t> [necessarily] states with higher rates of mental illness</a:t>
+            </a:r>
+          </a:p>
+        </p:txBody>
+      </p:sp>
+      <p:pic>
+        <p:nvPicPr>
+          <p:cNvPr id="10" name="Content Placeholder 9" descr="A close up of a logo&#10;&#10;Description automatically generated">
+            <a:extLst>
+              <a:ext uri="{FF2B5EF4-FFF2-40B4-BE49-F238E27FC236}">
+                <a16:creationId xmlns:a16="http://schemas.microsoft.com/office/drawing/2014/main" id="{1F5396D0-259A-C441-A07D-762C86C28FAD}"/>
+              </a:ext>
+            </a:extLst>
+          </p:cNvPr>
+          <p:cNvPicPr>
+            <a:picLocks noGrp="1" noChangeAspect="1"/>
+          </p:cNvPicPr>
+          <p:nvPr>
+            <p:ph idx="1"/>
+          </p:nvPr>
+        </p:nvPicPr>
+        <p:blipFill>
+          <a:blip r:embed="rId2"/>
+          <a:stretch>
+            <a:fillRect/>
+          </a:stretch>
+        </p:blipFill>
+        <p:spPr>
+          <a:xfrm>
+            <a:off x="81393" y="746234"/>
+            <a:ext cx="9325366" cy="6072709"/>
+          </a:xfrm>
+        </p:spPr>
+      </p:pic>
+    </p:spTree>
+    <p:extLst>
+      <p:ext uri="{BB962C8B-B14F-4D97-AF65-F5344CB8AC3E}">
+        <p14:creationId xmlns:p14="http://schemas.microsoft.com/office/powerpoint/2010/main" val="1787399884"/>
+      </p:ext>
+    </p:extLst>
+  </p:cSld>
+  <p:clrMapOvr>
+    <a:masterClrMapping/>
+  </p:clrMapOvr>
+</p:sld>
+</file>
+
+<file path=ppt/slides/slide12.xml><?xml version="1.0" encoding="utf-8"?>
+<p:sld xmlns:a="http://schemas.openxmlformats.org/drawingml/2006/main" xmlns:r="http://schemas.openxmlformats.org/officeDocument/2006/relationships" xmlns:p="http://schemas.openxmlformats.org/presentationml/2006/main">
+  <p:cSld>
+    <p:spTree>
+      <p:nvGrpSpPr>
+        <p:cNvPr id="1" name=""/>
+        <p:cNvGrpSpPr/>
+        <p:nvPr/>
+      </p:nvGrpSpPr>
+      <p:grpSpPr>
+        <a:xfrm>
+          <a:off x="0" y="0"/>
+          <a:ext cx="0" cy="0"/>
+          <a:chOff x="0" y="0"/>
+          <a:chExt cx="0" cy="0"/>
+        </a:xfrm>
+      </p:grpSpPr>
+      <p:sp>
+        <p:nvSpPr>
+          <p:cNvPr id="2" name="Title 1">
+            <a:extLst>
+              <a:ext uri="{FF2B5EF4-FFF2-40B4-BE49-F238E27FC236}">
+                <a16:creationId xmlns:a16="http://schemas.microsoft.com/office/drawing/2014/main" id="{1E364593-785A-4841-9E39-74FCCFF74020}"/>
+              </a:ext>
+            </a:extLst>
+          </p:cNvPr>
+          <p:cNvSpPr>
+            <a:spLocks noGrp="1"/>
+          </p:cNvSpPr>
+          <p:nvPr>
+            <p:ph type="title"/>
+          </p:nvPr>
+        </p:nvSpPr>
+        <p:spPr>
+          <a:xfrm>
+            <a:off x="593560" y="0"/>
+            <a:ext cx="9404723" cy="703692"/>
+          </a:xfrm>
+        </p:spPr>
+        <p:txBody>
+          <a:bodyPr/>
+          <a:lstStyle/>
+          <a:p>
+            <a:r>
+              <a:rPr lang="en-US" dirty="0"/>
+              <a:t>Mental Illness and Health Insurance</a:t>
+            </a:r>
+          </a:p>
+        </p:txBody>
+      </p:sp>
+      <p:pic>
+        <p:nvPicPr>
+          <p:cNvPr id="10" name="Content Placeholder 9" descr="A close up of a logo&#10;&#10;Description automatically generated">
+            <a:extLst>
+              <a:ext uri="{FF2B5EF4-FFF2-40B4-BE49-F238E27FC236}">
+                <a16:creationId xmlns:a16="http://schemas.microsoft.com/office/drawing/2014/main" id="{73743633-8B9B-1749-A6EC-8684C168D096}"/>
+              </a:ext>
+            </a:extLst>
+          </p:cNvPr>
+          <p:cNvPicPr>
+            <a:picLocks noGrp="1" noChangeAspect="1"/>
+          </p:cNvPicPr>
+          <p:nvPr>
+            <p:ph idx="1"/>
+          </p:nvPr>
+        </p:nvPicPr>
+        <p:blipFill>
+          <a:blip r:embed="rId2"/>
+          <a:stretch>
+            <a:fillRect/>
+          </a:stretch>
+        </p:blipFill>
+        <p:spPr>
+          <a:xfrm>
+            <a:off x="105101" y="798786"/>
+            <a:ext cx="9405171" cy="6059214"/>
+          </a:xfrm>
+        </p:spPr>
+      </p:pic>
+      <p:sp>
+        <p:nvSpPr>
+          <p:cNvPr id="11" name="TextBox 10">
+            <a:extLst>
+              <a:ext uri="{FF2B5EF4-FFF2-40B4-BE49-F238E27FC236}">
+                <a16:creationId xmlns:a16="http://schemas.microsoft.com/office/drawing/2014/main" id="{5621166E-AB62-F442-B1DA-B77B2AB4431D}"/>
+              </a:ext>
+            </a:extLst>
+          </p:cNvPr>
+          <p:cNvSpPr txBox="1"/>
+          <p:nvPr/>
+        </p:nvSpPr>
+        <p:spPr>
+          <a:xfrm>
+            <a:off x="9469821" y="1951672"/>
+            <a:ext cx="3179299" cy="1477328"/>
+          </a:xfrm>
+          <a:prstGeom prst="rect">
+            <a:avLst/>
+          </a:prstGeom>
+          <a:noFill/>
+        </p:spPr>
+        <p:txBody>
+          <a:bodyPr wrap="square" rtlCol="0">
+            <a:spAutoFit/>
+          </a:bodyPr>
+          <a:lstStyle/>
+          <a:p>
+            <a:r>
+              <a:rPr lang="en-CA" dirty="0"/>
+              <a:t>States with greater uninsured are </a:t>
+            </a:r>
+            <a:r>
+              <a:rPr lang="en-CA" b="1" dirty="0"/>
+              <a:t>NOT</a:t>
+            </a:r>
+            <a:r>
+              <a:rPr lang="en-CA" dirty="0"/>
+              <a:t> [necessarily] states with higher rates of mental illness</a:t>
+            </a:r>
+          </a:p>
+        </p:txBody>
+      </p:sp>
+    </p:spTree>
+    <p:extLst>
+      <p:ext uri="{BB962C8B-B14F-4D97-AF65-F5344CB8AC3E}">
+        <p14:creationId xmlns:p14="http://schemas.microsoft.com/office/powerpoint/2010/main" val="2196802323"/>
+      </p:ext>
+    </p:extLst>
+  </p:cSld>
+  <p:clrMapOvr>
+    <a:masterClrMapping/>
+  </p:clrMapOvr>
+</p:sld>
+</file>
+
 <file path=ppt/slides/slide2.xml><?xml version="1.0" encoding="utf-8"?>
 <p:sld xmlns:a="http://schemas.openxmlformats.org/drawingml/2006/main" xmlns:r="http://schemas.openxmlformats.org/officeDocument/2006/relationships" xmlns:p="http://schemas.openxmlformats.org/presentationml/2006/main">
   <p:cSld>
@@ -6303,13 +6711,6 @@
             <a:r>
               <a:rPr lang="en-CA" dirty="0"/>
               <a:t>Poverty</a:t>
-            </a:r>
-          </a:p>
-          <a:p>
-            <a:pPr lvl="1"/>
-            <a:r>
-              <a:rPr lang="en-CA" dirty="0"/>
-              <a:t>Home Ownership</a:t>
             </a:r>
           </a:p>
           <a:p>

--- a/Output/MentalHealth_in_the_US.pptx
+++ b/Output/MentalHealth_in_the_US.pptx
@@ -4,19 +4,24 @@
   <p:sldMasterIdLst>
     <p:sldMasterId id="2147483755" r:id="rId1"/>
   </p:sldMasterIdLst>
+  <p:notesMasterIdLst>
+    <p:notesMasterId r:id="rId16"/>
+  </p:notesMasterIdLst>
   <p:sldIdLst>
     <p:sldId id="256" r:id="rId2"/>
-    <p:sldId id="259" r:id="rId3"/>
-    <p:sldId id="258" r:id="rId4"/>
-    <p:sldId id="260" r:id="rId5"/>
-    <p:sldId id="257" r:id="rId6"/>
-    <p:sldId id="264" r:id="rId7"/>
-    <p:sldId id="261" r:id="rId8"/>
-    <p:sldId id="262" r:id="rId9"/>
-    <p:sldId id="263" r:id="rId10"/>
-    <p:sldId id="265" r:id="rId11"/>
-    <p:sldId id="266" r:id="rId12"/>
-    <p:sldId id="267" r:id="rId13"/>
+    <p:sldId id="268" r:id="rId3"/>
+    <p:sldId id="259" r:id="rId4"/>
+    <p:sldId id="258" r:id="rId5"/>
+    <p:sldId id="260" r:id="rId6"/>
+    <p:sldId id="257" r:id="rId7"/>
+    <p:sldId id="264" r:id="rId8"/>
+    <p:sldId id="261" r:id="rId9"/>
+    <p:sldId id="262" r:id="rId10"/>
+    <p:sldId id="263" r:id="rId11"/>
+    <p:sldId id="265" r:id="rId12"/>
+    <p:sldId id="266" r:id="rId13"/>
+    <p:sldId id="267" r:id="rId14"/>
+    <p:sldId id="270" r:id="rId15"/>
   </p:sldIdLst>
   <p:sldSz cx="12192000" cy="6858000"/>
   <p:notesSz cx="6858000" cy="9144000"/>
@@ -123,6 +128,1674 @@
 </p:presentation>
 </file>
 
+<file path=ppt/notesMasters/notesMaster1.xml><?xml version="1.0" encoding="utf-8"?>
+<p:notesMaster xmlns:a="http://schemas.openxmlformats.org/drawingml/2006/main" xmlns:r="http://schemas.openxmlformats.org/officeDocument/2006/relationships" xmlns:p="http://schemas.openxmlformats.org/presentationml/2006/main">
+  <p:cSld>
+    <p:bg>
+      <p:bgRef idx="1001">
+        <a:schemeClr val="bg1"/>
+      </p:bgRef>
+    </p:bg>
+    <p:spTree>
+      <p:nvGrpSpPr>
+        <p:cNvPr id="1" name=""/>
+        <p:cNvGrpSpPr/>
+        <p:nvPr/>
+      </p:nvGrpSpPr>
+      <p:grpSpPr>
+        <a:xfrm>
+          <a:off x="0" y="0"/>
+          <a:ext cx="0" cy="0"/>
+          <a:chOff x="0" y="0"/>
+          <a:chExt cx="0" cy="0"/>
+        </a:xfrm>
+      </p:grpSpPr>
+      <p:sp>
+        <p:nvSpPr>
+          <p:cNvPr id="2" name="Header Placeholder 1"/>
+          <p:cNvSpPr>
+            <a:spLocks noGrp="1"/>
+          </p:cNvSpPr>
+          <p:nvPr>
+            <p:ph type="hdr" sz="quarter"/>
+          </p:nvPr>
+        </p:nvSpPr>
+        <p:spPr>
+          <a:xfrm>
+            <a:off x="0" y="0"/>
+            <a:ext cx="2971800" cy="458788"/>
+          </a:xfrm>
+          <a:prstGeom prst="rect">
+            <a:avLst/>
+          </a:prstGeom>
+        </p:spPr>
+        <p:txBody>
+          <a:bodyPr vert="horz" lIns="91440" tIns="45720" rIns="91440" bIns="45720" rtlCol="0"/>
+          <a:lstStyle>
+            <a:lvl1pPr algn="l">
+              <a:defRPr sz="1200"/>
+            </a:lvl1pPr>
+          </a:lstStyle>
+          <a:p>
+            <a:endParaRPr lang="en-CA"/>
+          </a:p>
+        </p:txBody>
+      </p:sp>
+      <p:sp>
+        <p:nvSpPr>
+          <p:cNvPr id="3" name="Date Placeholder 2"/>
+          <p:cNvSpPr>
+            <a:spLocks noGrp="1"/>
+          </p:cNvSpPr>
+          <p:nvPr>
+            <p:ph type="dt" idx="1"/>
+          </p:nvPr>
+        </p:nvSpPr>
+        <p:spPr>
+          <a:xfrm>
+            <a:off x="3884613" y="0"/>
+            <a:ext cx="2971800" cy="458788"/>
+          </a:xfrm>
+          <a:prstGeom prst="rect">
+            <a:avLst/>
+          </a:prstGeom>
+        </p:spPr>
+        <p:txBody>
+          <a:bodyPr vert="horz" lIns="91440" tIns="45720" rIns="91440" bIns="45720" rtlCol="0"/>
+          <a:lstStyle>
+            <a:lvl1pPr algn="r">
+              <a:defRPr sz="1200"/>
+            </a:lvl1pPr>
+          </a:lstStyle>
+          <a:p>
+            <a:fld id="{B2DBB1D4-B6FE-4690-9D8A-EF027A42683A}" type="datetimeFigureOut">
+              <a:rPr lang="en-CA" smtClean="0"/>
+              <a:t>2019-03-14</a:t>
+            </a:fld>
+            <a:endParaRPr lang="en-CA"/>
+          </a:p>
+        </p:txBody>
+      </p:sp>
+      <p:sp>
+        <p:nvSpPr>
+          <p:cNvPr id="4" name="Slide Image Placeholder 3"/>
+          <p:cNvSpPr>
+            <a:spLocks noGrp="1" noRot="1" noChangeAspect="1"/>
+          </p:cNvSpPr>
+          <p:nvPr>
+            <p:ph type="sldImg" idx="2"/>
+          </p:nvPr>
+        </p:nvSpPr>
+        <p:spPr>
+          <a:xfrm>
+            <a:off x="685800" y="1143000"/>
+            <a:ext cx="5486400" cy="3086100"/>
+          </a:xfrm>
+          <a:prstGeom prst="rect">
+            <a:avLst/>
+          </a:prstGeom>
+          <a:noFill/>
+          <a:ln w="12700">
+            <a:solidFill>
+              <a:prstClr val="black"/>
+            </a:solidFill>
+          </a:ln>
+        </p:spPr>
+        <p:txBody>
+          <a:bodyPr vert="horz" lIns="91440" tIns="45720" rIns="91440" bIns="45720" rtlCol="0" anchor="ctr"/>
+          <a:lstStyle/>
+          <a:p>
+            <a:endParaRPr lang="en-CA"/>
+          </a:p>
+        </p:txBody>
+      </p:sp>
+      <p:sp>
+        <p:nvSpPr>
+          <p:cNvPr id="5" name="Notes Placeholder 4"/>
+          <p:cNvSpPr>
+            <a:spLocks noGrp="1"/>
+          </p:cNvSpPr>
+          <p:nvPr>
+            <p:ph type="body" sz="quarter" idx="3"/>
+          </p:nvPr>
+        </p:nvSpPr>
+        <p:spPr>
+          <a:xfrm>
+            <a:off x="685800" y="4400550"/>
+            <a:ext cx="5486400" cy="3600450"/>
+          </a:xfrm>
+          <a:prstGeom prst="rect">
+            <a:avLst/>
+          </a:prstGeom>
+        </p:spPr>
+        <p:txBody>
+          <a:bodyPr vert="horz" lIns="91440" tIns="45720" rIns="91440" bIns="45720" rtlCol="0"/>
+          <a:lstStyle/>
+          <a:p>
+            <a:pPr lvl="0"/>
+            <a:r>
+              <a:rPr lang="en-US"/>
+              <a:t>Click to edit Master text styles</a:t>
+            </a:r>
+          </a:p>
+          <a:p>
+            <a:pPr lvl="1"/>
+            <a:r>
+              <a:rPr lang="en-US"/>
+              <a:t>Second level</a:t>
+            </a:r>
+          </a:p>
+          <a:p>
+            <a:pPr lvl="2"/>
+            <a:r>
+              <a:rPr lang="en-US"/>
+              <a:t>Third level</a:t>
+            </a:r>
+          </a:p>
+          <a:p>
+            <a:pPr lvl="3"/>
+            <a:r>
+              <a:rPr lang="en-US"/>
+              <a:t>Fourth level</a:t>
+            </a:r>
+          </a:p>
+          <a:p>
+            <a:pPr lvl="4"/>
+            <a:r>
+              <a:rPr lang="en-US"/>
+              <a:t>Fifth level</a:t>
+            </a:r>
+            <a:endParaRPr lang="en-CA"/>
+          </a:p>
+        </p:txBody>
+      </p:sp>
+      <p:sp>
+        <p:nvSpPr>
+          <p:cNvPr id="6" name="Footer Placeholder 5"/>
+          <p:cNvSpPr>
+            <a:spLocks noGrp="1"/>
+          </p:cNvSpPr>
+          <p:nvPr>
+            <p:ph type="ftr" sz="quarter" idx="4"/>
+          </p:nvPr>
+        </p:nvSpPr>
+        <p:spPr>
+          <a:xfrm>
+            <a:off x="0" y="8685213"/>
+            <a:ext cx="2971800" cy="458787"/>
+          </a:xfrm>
+          <a:prstGeom prst="rect">
+            <a:avLst/>
+          </a:prstGeom>
+        </p:spPr>
+        <p:txBody>
+          <a:bodyPr vert="horz" lIns="91440" tIns="45720" rIns="91440" bIns="45720" rtlCol="0" anchor="b"/>
+          <a:lstStyle>
+            <a:lvl1pPr algn="l">
+              <a:defRPr sz="1200"/>
+            </a:lvl1pPr>
+          </a:lstStyle>
+          <a:p>
+            <a:endParaRPr lang="en-CA"/>
+          </a:p>
+        </p:txBody>
+      </p:sp>
+      <p:sp>
+        <p:nvSpPr>
+          <p:cNvPr id="7" name="Slide Number Placeholder 6"/>
+          <p:cNvSpPr>
+            <a:spLocks noGrp="1"/>
+          </p:cNvSpPr>
+          <p:nvPr>
+            <p:ph type="sldNum" sz="quarter" idx="5"/>
+          </p:nvPr>
+        </p:nvSpPr>
+        <p:spPr>
+          <a:xfrm>
+            <a:off x="3884613" y="8685213"/>
+            <a:ext cx="2971800" cy="458787"/>
+          </a:xfrm>
+          <a:prstGeom prst="rect">
+            <a:avLst/>
+          </a:prstGeom>
+        </p:spPr>
+        <p:txBody>
+          <a:bodyPr vert="horz" lIns="91440" tIns="45720" rIns="91440" bIns="45720" rtlCol="0" anchor="b"/>
+          <a:lstStyle>
+            <a:lvl1pPr algn="r">
+              <a:defRPr sz="1200"/>
+            </a:lvl1pPr>
+          </a:lstStyle>
+          <a:p>
+            <a:fld id="{1735D686-E85B-4F43-9E6B-423B7F26CD98}" type="slidenum">
+              <a:rPr lang="en-CA" smtClean="0"/>
+              <a:t>‹#›</a:t>
+            </a:fld>
+            <a:endParaRPr lang="en-CA"/>
+          </a:p>
+        </p:txBody>
+      </p:sp>
+    </p:spTree>
+    <p:extLst>
+      <p:ext uri="{BB962C8B-B14F-4D97-AF65-F5344CB8AC3E}">
+        <p14:creationId xmlns:p14="http://schemas.microsoft.com/office/powerpoint/2010/main" val="4025600690"/>
+      </p:ext>
+    </p:extLst>
+  </p:cSld>
+  <p:clrMap bg1="lt1" tx1="dk1" bg2="lt2" tx2="dk2" accent1="accent1" accent2="accent2" accent3="accent3" accent4="accent4" accent5="accent5" accent6="accent6" hlink="hlink" folHlink="folHlink"/>
+  <p:notesStyle>
+    <a:lvl1pPr marL="0" algn="l" defTabSz="914400" rtl="0" eaLnBrk="1" latinLnBrk="0" hangingPunct="1">
+      <a:defRPr sz="1200" kern="1200">
+        <a:solidFill>
+          <a:schemeClr val="tx1"/>
+        </a:solidFill>
+        <a:latin typeface="+mn-lt"/>
+        <a:ea typeface="+mn-ea"/>
+        <a:cs typeface="+mn-cs"/>
+      </a:defRPr>
+    </a:lvl1pPr>
+    <a:lvl2pPr marL="457200" algn="l" defTabSz="914400" rtl="0" eaLnBrk="1" latinLnBrk="0" hangingPunct="1">
+      <a:defRPr sz="1200" kern="1200">
+        <a:solidFill>
+          <a:schemeClr val="tx1"/>
+        </a:solidFill>
+        <a:latin typeface="+mn-lt"/>
+        <a:ea typeface="+mn-ea"/>
+        <a:cs typeface="+mn-cs"/>
+      </a:defRPr>
+    </a:lvl2pPr>
+    <a:lvl3pPr marL="914400" algn="l" defTabSz="914400" rtl="0" eaLnBrk="1" latinLnBrk="0" hangingPunct="1">
+      <a:defRPr sz="1200" kern="1200">
+        <a:solidFill>
+          <a:schemeClr val="tx1"/>
+        </a:solidFill>
+        <a:latin typeface="+mn-lt"/>
+        <a:ea typeface="+mn-ea"/>
+        <a:cs typeface="+mn-cs"/>
+      </a:defRPr>
+    </a:lvl3pPr>
+    <a:lvl4pPr marL="1371600" algn="l" defTabSz="914400" rtl="0" eaLnBrk="1" latinLnBrk="0" hangingPunct="1">
+      <a:defRPr sz="1200" kern="1200">
+        <a:solidFill>
+          <a:schemeClr val="tx1"/>
+        </a:solidFill>
+        <a:latin typeface="+mn-lt"/>
+        <a:ea typeface="+mn-ea"/>
+        <a:cs typeface="+mn-cs"/>
+      </a:defRPr>
+    </a:lvl4pPr>
+    <a:lvl5pPr marL="1828800" algn="l" defTabSz="914400" rtl="0" eaLnBrk="1" latinLnBrk="0" hangingPunct="1">
+      <a:defRPr sz="1200" kern="1200">
+        <a:solidFill>
+          <a:schemeClr val="tx1"/>
+        </a:solidFill>
+        <a:latin typeface="+mn-lt"/>
+        <a:ea typeface="+mn-ea"/>
+        <a:cs typeface="+mn-cs"/>
+      </a:defRPr>
+    </a:lvl5pPr>
+    <a:lvl6pPr marL="2286000" algn="l" defTabSz="914400" rtl="0" eaLnBrk="1" latinLnBrk="0" hangingPunct="1">
+      <a:defRPr sz="1200" kern="1200">
+        <a:solidFill>
+          <a:schemeClr val="tx1"/>
+        </a:solidFill>
+        <a:latin typeface="+mn-lt"/>
+        <a:ea typeface="+mn-ea"/>
+        <a:cs typeface="+mn-cs"/>
+      </a:defRPr>
+    </a:lvl6pPr>
+    <a:lvl7pPr marL="2743200" algn="l" defTabSz="914400" rtl="0" eaLnBrk="1" latinLnBrk="0" hangingPunct="1">
+      <a:defRPr sz="1200" kern="1200">
+        <a:solidFill>
+          <a:schemeClr val="tx1"/>
+        </a:solidFill>
+        <a:latin typeface="+mn-lt"/>
+        <a:ea typeface="+mn-ea"/>
+        <a:cs typeface="+mn-cs"/>
+      </a:defRPr>
+    </a:lvl7pPr>
+    <a:lvl8pPr marL="3200400" algn="l" defTabSz="914400" rtl="0" eaLnBrk="1" latinLnBrk="0" hangingPunct="1">
+      <a:defRPr sz="1200" kern="1200">
+        <a:solidFill>
+          <a:schemeClr val="tx1"/>
+        </a:solidFill>
+        <a:latin typeface="+mn-lt"/>
+        <a:ea typeface="+mn-ea"/>
+        <a:cs typeface="+mn-cs"/>
+      </a:defRPr>
+    </a:lvl8pPr>
+    <a:lvl9pPr marL="3657600" algn="l" defTabSz="914400" rtl="0" eaLnBrk="1" latinLnBrk="0" hangingPunct="1">
+      <a:defRPr sz="1200" kern="1200">
+        <a:solidFill>
+          <a:schemeClr val="tx1"/>
+        </a:solidFill>
+        <a:latin typeface="+mn-lt"/>
+        <a:ea typeface="+mn-ea"/>
+        <a:cs typeface="+mn-cs"/>
+      </a:defRPr>
+    </a:lvl9pPr>
+  </p:notesStyle>
+</p:notesMaster>
+</file>
+
+<file path=ppt/notesSlides/notesSlide1.xml><?xml version="1.0" encoding="utf-8"?>
+<p:notes xmlns:a="http://schemas.openxmlformats.org/drawingml/2006/main" xmlns:r="http://schemas.openxmlformats.org/officeDocument/2006/relationships" xmlns:p="http://schemas.openxmlformats.org/presentationml/2006/main">
+  <p:cSld>
+    <p:spTree>
+      <p:nvGrpSpPr>
+        <p:cNvPr id="1" name=""/>
+        <p:cNvGrpSpPr/>
+        <p:nvPr/>
+      </p:nvGrpSpPr>
+      <p:grpSpPr>
+        <a:xfrm>
+          <a:off x="0" y="0"/>
+          <a:ext cx="0" cy="0"/>
+          <a:chOff x="0" y="0"/>
+          <a:chExt cx="0" cy="0"/>
+        </a:xfrm>
+      </p:grpSpPr>
+      <p:sp>
+        <p:nvSpPr>
+          <p:cNvPr id="2" name="Slide Image Placeholder 1"/>
+          <p:cNvSpPr>
+            <a:spLocks noGrp="1" noRot="1" noChangeAspect="1"/>
+          </p:cNvSpPr>
+          <p:nvPr>
+            <p:ph type="sldImg"/>
+          </p:nvPr>
+        </p:nvSpPr>
+        <p:spPr/>
+      </p:sp>
+      <p:sp>
+        <p:nvSpPr>
+          <p:cNvPr id="3" name="Notes Placeholder 2"/>
+          <p:cNvSpPr>
+            <a:spLocks noGrp="1"/>
+          </p:cNvSpPr>
+          <p:nvPr>
+            <p:ph type="body" idx="1"/>
+          </p:nvPr>
+        </p:nvSpPr>
+        <p:spPr/>
+        <p:txBody>
+          <a:bodyPr/>
+          <a:lstStyle/>
+          <a:p>
+            <a:r>
+              <a:rPr lang="en-CA" dirty="0"/>
+              <a:t>BH</a:t>
+            </a:r>
+          </a:p>
+        </p:txBody>
+      </p:sp>
+      <p:sp>
+        <p:nvSpPr>
+          <p:cNvPr id="4" name="Slide Number Placeholder 3"/>
+          <p:cNvSpPr>
+            <a:spLocks noGrp="1"/>
+          </p:cNvSpPr>
+          <p:nvPr>
+            <p:ph type="sldNum" sz="quarter" idx="5"/>
+          </p:nvPr>
+        </p:nvSpPr>
+        <p:spPr/>
+        <p:txBody>
+          <a:bodyPr/>
+          <a:lstStyle/>
+          <a:p>
+            <a:fld id="{1735D686-E85B-4F43-9E6B-423B7F26CD98}" type="slidenum">
+              <a:rPr lang="en-CA" smtClean="0"/>
+              <a:t>1</a:t>
+            </a:fld>
+            <a:endParaRPr lang="en-CA"/>
+          </a:p>
+        </p:txBody>
+      </p:sp>
+    </p:spTree>
+    <p:extLst>
+      <p:ext uri="{BB962C8B-B14F-4D97-AF65-F5344CB8AC3E}">
+        <p14:creationId xmlns:p14="http://schemas.microsoft.com/office/powerpoint/2010/main" val="303847808"/>
+      </p:ext>
+    </p:extLst>
+  </p:cSld>
+  <p:clrMapOvr>
+    <a:masterClrMapping/>
+  </p:clrMapOvr>
+</p:notes>
+</file>
+
+<file path=ppt/notesSlides/notesSlide10.xml><?xml version="1.0" encoding="utf-8"?>
+<p:notes xmlns:a="http://schemas.openxmlformats.org/drawingml/2006/main" xmlns:r="http://schemas.openxmlformats.org/officeDocument/2006/relationships" xmlns:p="http://schemas.openxmlformats.org/presentationml/2006/main">
+  <p:cSld>
+    <p:spTree>
+      <p:nvGrpSpPr>
+        <p:cNvPr id="1" name=""/>
+        <p:cNvGrpSpPr/>
+        <p:nvPr/>
+      </p:nvGrpSpPr>
+      <p:grpSpPr>
+        <a:xfrm>
+          <a:off x="0" y="0"/>
+          <a:ext cx="0" cy="0"/>
+          <a:chOff x="0" y="0"/>
+          <a:chExt cx="0" cy="0"/>
+        </a:xfrm>
+      </p:grpSpPr>
+      <p:sp>
+        <p:nvSpPr>
+          <p:cNvPr id="2" name="Slide Image Placeholder 1"/>
+          <p:cNvSpPr>
+            <a:spLocks noGrp="1" noRot="1" noChangeAspect="1"/>
+          </p:cNvSpPr>
+          <p:nvPr>
+            <p:ph type="sldImg"/>
+          </p:nvPr>
+        </p:nvSpPr>
+        <p:spPr/>
+      </p:sp>
+      <p:sp>
+        <p:nvSpPr>
+          <p:cNvPr id="3" name="Notes Placeholder 2"/>
+          <p:cNvSpPr>
+            <a:spLocks noGrp="1"/>
+          </p:cNvSpPr>
+          <p:nvPr>
+            <p:ph type="body" idx="1"/>
+          </p:nvPr>
+        </p:nvSpPr>
+        <p:spPr/>
+        <p:txBody>
+          <a:bodyPr/>
+          <a:lstStyle/>
+          <a:p>
+            <a:pPr marL="0" marR="0" lvl="0" indent="0" algn="l" defTabSz="914400" rtl="0" eaLnBrk="1" fontAlgn="auto" latinLnBrk="0" hangingPunct="1">
+              <a:lnSpc>
+                <a:spcPct val="100000"/>
+              </a:lnSpc>
+              <a:spcBef>
+                <a:spcPts val="0"/>
+              </a:spcBef>
+              <a:spcAft>
+                <a:spcPts val="0"/>
+              </a:spcAft>
+              <a:buClrTx/>
+              <a:buSzTx/>
+              <a:buFontTx/>
+              <a:buNone/>
+              <a:tabLst/>
+              <a:defRPr/>
+            </a:pPr>
+            <a:r>
+              <a:rPr lang="en-CA" dirty="0"/>
+              <a:t>MJ</a:t>
+            </a:r>
+          </a:p>
+          <a:p>
+            <a:endParaRPr lang="en-CA" dirty="0"/>
+          </a:p>
+        </p:txBody>
+      </p:sp>
+      <p:sp>
+        <p:nvSpPr>
+          <p:cNvPr id="4" name="Slide Number Placeholder 3"/>
+          <p:cNvSpPr>
+            <a:spLocks noGrp="1"/>
+          </p:cNvSpPr>
+          <p:nvPr>
+            <p:ph type="sldNum" sz="quarter" idx="5"/>
+          </p:nvPr>
+        </p:nvSpPr>
+        <p:spPr/>
+        <p:txBody>
+          <a:bodyPr/>
+          <a:lstStyle/>
+          <a:p>
+            <a:fld id="{1735D686-E85B-4F43-9E6B-423B7F26CD98}" type="slidenum">
+              <a:rPr lang="en-CA" smtClean="0"/>
+              <a:t>10</a:t>
+            </a:fld>
+            <a:endParaRPr lang="en-CA"/>
+          </a:p>
+        </p:txBody>
+      </p:sp>
+    </p:spTree>
+    <p:extLst>
+      <p:ext uri="{BB962C8B-B14F-4D97-AF65-F5344CB8AC3E}">
+        <p14:creationId xmlns:p14="http://schemas.microsoft.com/office/powerpoint/2010/main" val="504535435"/>
+      </p:ext>
+    </p:extLst>
+  </p:cSld>
+  <p:clrMapOvr>
+    <a:masterClrMapping/>
+  </p:clrMapOvr>
+</p:notes>
+</file>
+
+<file path=ppt/notesSlides/notesSlide11.xml><?xml version="1.0" encoding="utf-8"?>
+<p:notes xmlns:a="http://schemas.openxmlformats.org/drawingml/2006/main" xmlns:r="http://schemas.openxmlformats.org/officeDocument/2006/relationships" xmlns:p="http://schemas.openxmlformats.org/presentationml/2006/main">
+  <p:cSld>
+    <p:spTree>
+      <p:nvGrpSpPr>
+        <p:cNvPr id="1" name=""/>
+        <p:cNvGrpSpPr/>
+        <p:nvPr/>
+      </p:nvGrpSpPr>
+      <p:grpSpPr>
+        <a:xfrm>
+          <a:off x="0" y="0"/>
+          <a:ext cx="0" cy="0"/>
+          <a:chOff x="0" y="0"/>
+          <a:chExt cx="0" cy="0"/>
+        </a:xfrm>
+      </p:grpSpPr>
+      <p:sp>
+        <p:nvSpPr>
+          <p:cNvPr id="2" name="Slide Image Placeholder 1"/>
+          <p:cNvSpPr>
+            <a:spLocks noGrp="1" noRot="1" noChangeAspect="1"/>
+          </p:cNvSpPr>
+          <p:nvPr>
+            <p:ph type="sldImg"/>
+          </p:nvPr>
+        </p:nvSpPr>
+        <p:spPr/>
+      </p:sp>
+      <p:sp>
+        <p:nvSpPr>
+          <p:cNvPr id="3" name="Notes Placeholder 2"/>
+          <p:cNvSpPr>
+            <a:spLocks noGrp="1"/>
+          </p:cNvSpPr>
+          <p:nvPr>
+            <p:ph type="body" idx="1"/>
+          </p:nvPr>
+        </p:nvSpPr>
+        <p:spPr/>
+        <p:txBody>
+          <a:bodyPr/>
+          <a:lstStyle/>
+          <a:p>
+            <a:r>
+              <a:rPr lang="en-CA" dirty="0"/>
+              <a:t>HA</a:t>
+            </a:r>
+          </a:p>
+        </p:txBody>
+      </p:sp>
+      <p:sp>
+        <p:nvSpPr>
+          <p:cNvPr id="4" name="Slide Number Placeholder 3"/>
+          <p:cNvSpPr>
+            <a:spLocks noGrp="1"/>
+          </p:cNvSpPr>
+          <p:nvPr>
+            <p:ph type="sldNum" sz="quarter" idx="5"/>
+          </p:nvPr>
+        </p:nvSpPr>
+        <p:spPr/>
+        <p:txBody>
+          <a:bodyPr/>
+          <a:lstStyle/>
+          <a:p>
+            <a:fld id="{1735D686-E85B-4F43-9E6B-423B7F26CD98}" type="slidenum">
+              <a:rPr lang="en-CA" smtClean="0"/>
+              <a:t>11</a:t>
+            </a:fld>
+            <a:endParaRPr lang="en-CA"/>
+          </a:p>
+        </p:txBody>
+      </p:sp>
+    </p:spTree>
+    <p:extLst>
+      <p:ext uri="{BB962C8B-B14F-4D97-AF65-F5344CB8AC3E}">
+        <p14:creationId xmlns:p14="http://schemas.microsoft.com/office/powerpoint/2010/main" val="2333209431"/>
+      </p:ext>
+    </p:extLst>
+  </p:cSld>
+  <p:clrMapOvr>
+    <a:masterClrMapping/>
+  </p:clrMapOvr>
+</p:notes>
+</file>
+
+<file path=ppt/notesSlides/notesSlide12.xml><?xml version="1.0" encoding="utf-8"?>
+<p:notes xmlns:a="http://schemas.openxmlformats.org/drawingml/2006/main" xmlns:r="http://schemas.openxmlformats.org/officeDocument/2006/relationships" xmlns:p="http://schemas.openxmlformats.org/presentationml/2006/main">
+  <p:cSld>
+    <p:spTree>
+      <p:nvGrpSpPr>
+        <p:cNvPr id="1" name=""/>
+        <p:cNvGrpSpPr/>
+        <p:nvPr/>
+      </p:nvGrpSpPr>
+      <p:grpSpPr>
+        <a:xfrm>
+          <a:off x="0" y="0"/>
+          <a:ext cx="0" cy="0"/>
+          <a:chOff x="0" y="0"/>
+          <a:chExt cx="0" cy="0"/>
+        </a:xfrm>
+      </p:grpSpPr>
+      <p:sp>
+        <p:nvSpPr>
+          <p:cNvPr id="2" name="Slide Image Placeholder 1"/>
+          <p:cNvSpPr>
+            <a:spLocks noGrp="1" noRot="1" noChangeAspect="1"/>
+          </p:cNvSpPr>
+          <p:nvPr>
+            <p:ph type="sldImg"/>
+          </p:nvPr>
+        </p:nvSpPr>
+        <p:spPr/>
+      </p:sp>
+      <p:sp>
+        <p:nvSpPr>
+          <p:cNvPr id="3" name="Notes Placeholder 2"/>
+          <p:cNvSpPr>
+            <a:spLocks noGrp="1"/>
+          </p:cNvSpPr>
+          <p:nvPr>
+            <p:ph type="body" idx="1"/>
+          </p:nvPr>
+        </p:nvSpPr>
+        <p:spPr/>
+        <p:txBody>
+          <a:bodyPr/>
+          <a:lstStyle/>
+          <a:p>
+            <a:pPr marL="0" marR="0" lvl="0" indent="0" algn="l" defTabSz="914400" rtl="0" eaLnBrk="1" fontAlgn="auto" latinLnBrk="0" hangingPunct="1">
+              <a:lnSpc>
+                <a:spcPct val="100000"/>
+              </a:lnSpc>
+              <a:spcBef>
+                <a:spcPts val="0"/>
+              </a:spcBef>
+              <a:spcAft>
+                <a:spcPts val="0"/>
+              </a:spcAft>
+              <a:buClrTx/>
+              <a:buSzTx/>
+              <a:buFontTx/>
+              <a:buNone/>
+              <a:tabLst/>
+              <a:defRPr/>
+            </a:pPr>
+            <a:r>
+              <a:rPr lang="en-CA" dirty="0"/>
+              <a:t>HA</a:t>
+            </a:r>
+          </a:p>
+          <a:p>
+            <a:endParaRPr lang="en-CA" dirty="0"/>
+          </a:p>
+        </p:txBody>
+      </p:sp>
+      <p:sp>
+        <p:nvSpPr>
+          <p:cNvPr id="4" name="Slide Number Placeholder 3"/>
+          <p:cNvSpPr>
+            <a:spLocks noGrp="1"/>
+          </p:cNvSpPr>
+          <p:nvPr>
+            <p:ph type="sldNum" sz="quarter" idx="5"/>
+          </p:nvPr>
+        </p:nvSpPr>
+        <p:spPr/>
+        <p:txBody>
+          <a:bodyPr/>
+          <a:lstStyle/>
+          <a:p>
+            <a:fld id="{1735D686-E85B-4F43-9E6B-423B7F26CD98}" type="slidenum">
+              <a:rPr lang="en-CA" smtClean="0"/>
+              <a:t>12</a:t>
+            </a:fld>
+            <a:endParaRPr lang="en-CA"/>
+          </a:p>
+        </p:txBody>
+      </p:sp>
+    </p:spTree>
+    <p:extLst>
+      <p:ext uri="{BB962C8B-B14F-4D97-AF65-F5344CB8AC3E}">
+        <p14:creationId xmlns:p14="http://schemas.microsoft.com/office/powerpoint/2010/main" val="1896792560"/>
+      </p:ext>
+    </p:extLst>
+  </p:cSld>
+  <p:clrMapOvr>
+    <a:masterClrMapping/>
+  </p:clrMapOvr>
+</p:notes>
+</file>
+
+<file path=ppt/notesSlides/notesSlide13.xml><?xml version="1.0" encoding="utf-8"?>
+<p:notes xmlns:a="http://schemas.openxmlformats.org/drawingml/2006/main" xmlns:r="http://schemas.openxmlformats.org/officeDocument/2006/relationships" xmlns:p="http://schemas.openxmlformats.org/presentationml/2006/main">
+  <p:cSld>
+    <p:spTree>
+      <p:nvGrpSpPr>
+        <p:cNvPr id="1" name=""/>
+        <p:cNvGrpSpPr/>
+        <p:nvPr/>
+      </p:nvGrpSpPr>
+      <p:grpSpPr>
+        <a:xfrm>
+          <a:off x="0" y="0"/>
+          <a:ext cx="0" cy="0"/>
+          <a:chOff x="0" y="0"/>
+          <a:chExt cx="0" cy="0"/>
+        </a:xfrm>
+      </p:grpSpPr>
+      <p:sp>
+        <p:nvSpPr>
+          <p:cNvPr id="2" name="Slide Image Placeholder 1"/>
+          <p:cNvSpPr>
+            <a:spLocks noGrp="1" noRot="1" noChangeAspect="1"/>
+          </p:cNvSpPr>
+          <p:nvPr>
+            <p:ph type="sldImg"/>
+          </p:nvPr>
+        </p:nvSpPr>
+        <p:spPr/>
+      </p:sp>
+      <p:sp>
+        <p:nvSpPr>
+          <p:cNvPr id="3" name="Notes Placeholder 2"/>
+          <p:cNvSpPr>
+            <a:spLocks noGrp="1"/>
+          </p:cNvSpPr>
+          <p:nvPr>
+            <p:ph type="body" idx="1"/>
+          </p:nvPr>
+        </p:nvSpPr>
+        <p:spPr/>
+        <p:txBody>
+          <a:bodyPr/>
+          <a:lstStyle/>
+          <a:p>
+            <a:pPr marL="0" marR="0" lvl="0" indent="0" algn="l" defTabSz="914400" rtl="0" eaLnBrk="1" fontAlgn="auto" latinLnBrk="0" hangingPunct="1">
+              <a:lnSpc>
+                <a:spcPct val="100000"/>
+              </a:lnSpc>
+              <a:spcBef>
+                <a:spcPts val="0"/>
+              </a:spcBef>
+              <a:spcAft>
+                <a:spcPts val="0"/>
+              </a:spcAft>
+              <a:buClrTx/>
+              <a:buSzTx/>
+              <a:buFontTx/>
+              <a:buNone/>
+              <a:tabLst/>
+              <a:defRPr/>
+            </a:pPr>
+            <a:r>
+              <a:rPr lang="en-CA" dirty="0"/>
+              <a:t>HA</a:t>
+            </a:r>
+          </a:p>
+          <a:p>
+            <a:endParaRPr lang="en-CA" dirty="0"/>
+          </a:p>
+        </p:txBody>
+      </p:sp>
+      <p:sp>
+        <p:nvSpPr>
+          <p:cNvPr id="4" name="Slide Number Placeholder 3"/>
+          <p:cNvSpPr>
+            <a:spLocks noGrp="1"/>
+          </p:cNvSpPr>
+          <p:nvPr>
+            <p:ph type="sldNum" sz="quarter" idx="5"/>
+          </p:nvPr>
+        </p:nvSpPr>
+        <p:spPr/>
+        <p:txBody>
+          <a:bodyPr/>
+          <a:lstStyle/>
+          <a:p>
+            <a:fld id="{1735D686-E85B-4F43-9E6B-423B7F26CD98}" type="slidenum">
+              <a:rPr lang="en-CA" smtClean="0"/>
+              <a:t>13</a:t>
+            </a:fld>
+            <a:endParaRPr lang="en-CA"/>
+          </a:p>
+        </p:txBody>
+      </p:sp>
+    </p:spTree>
+    <p:extLst>
+      <p:ext uri="{BB962C8B-B14F-4D97-AF65-F5344CB8AC3E}">
+        <p14:creationId xmlns:p14="http://schemas.microsoft.com/office/powerpoint/2010/main" val="3357778347"/>
+      </p:ext>
+    </p:extLst>
+  </p:cSld>
+  <p:clrMapOvr>
+    <a:masterClrMapping/>
+  </p:clrMapOvr>
+</p:notes>
+</file>
+
+<file path=ppt/notesSlides/notesSlide14.xml><?xml version="1.0" encoding="utf-8"?>
+<p:notes xmlns:a="http://schemas.openxmlformats.org/drawingml/2006/main" xmlns:r="http://schemas.openxmlformats.org/officeDocument/2006/relationships" xmlns:p="http://schemas.openxmlformats.org/presentationml/2006/main">
+  <p:cSld>
+    <p:spTree>
+      <p:nvGrpSpPr>
+        <p:cNvPr id="1" name=""/>
+        <p:cNvGrpSpPr/>
+        <p:nvPr/>
+      </p:nvGrpSpPr>
+      <p:grpSpPr>
+        <a:xfrm>
+          <a:off x="0" y="0"/>
+          <a:ext cx="0" cy="0"/>
+          <a:chOff x="0" y="0"/>
+          <a:chExt cx="0" cy="0"/>
+        </a:xfrm>
+      </p:grpSpPr>
+      <p:sp>
+        <p:nvSpPr>
+          <p:cNvPr id="2" name="Slide Image Placeholder 1"/>
+          <p:cNvSpPr>
+            <a:spLocks noGrp="1" noRot="1" noChangeAspect="1"/>
+          </p:cNvSpPr>
+          <p:nvPr>
+            <p:ph type="sldImg"/>
+          </p:nvPr>
+        </p:nvSpPr>
+        <p:spPr/>
+      </p:sp>
+      <p:sp>
+        <p:nvSpPr>
+          <p:cNvPr id="3" name="Notes Placeholder 2"/>
+          <p:cNvSpPr>
+            <a:spLocks noGrp="1"/>
+          </p:cNvSpPr>
+          <p:nvPr>
+            <p:ph type="body" idx="1"/>
+          </p:nvPr>
+        </p:nvSpPr>
+        <p:spPr/>
+        <p:txBody>
+          <a:bodyPr/>
+          <a:lstStyle/>
+          <a:p>
+            <a:r>
+              <a:rPr lang="en-CA" dirty="0"/>
+              <a:t>BH</a:t>
+            </a:r>
+          </a:p>
+        </p:txBody>
+      </p:sp>
+      <p:sp>
+        <p:nvSpPr>
+          <p:cNvPr id="4" name="Slide Number Placeholder 3"/>
+          <p:cNvSpPr>
+            <a:spLocks noGrp="1"/>
+          </p:cNvSpPr>
+          <p:nvPr>
+            <p:ph type="sldNum" sz="quarter" idx="5"/>
+          </p:nvPr>
+        </p:nvSpPr>
+        <p:spPr/>
+        <p:txBody>
+          <a:bodyPr/>
+          <a:lstStyle/>
+          <a:p>
+            <a:fld id="{1735D686-E85B-4F43-9E6B-423B7F26CD98}" type="slidenum">
+              <a:rPr lang="en-CA" smtClean="0"/>
+              <a:t>14</a:t>
+            </a:fld>
+            <a:endParaRPr lang="en-CA"/>
+          </a:p>
+        </p:txBody>
+      </p:sp>
+    </p:spTree>
+    <p:extLst>
+      <p:ext uri="{BB962C8B-B14F-4D97-AF65-F5344CB8AC3E}">
+        <p14:creationId xmlns:p14="http://schemas.microsoft.com/office/powerpoint/2010/main" val="1086733007"/>
+      </p:ext>
+    </p:extLst>
+  </p:cSld>
+  <p:clrMapOvr>
+    <a:masterClrMapping/>
+  </p:clrMapOvr>
+</p:notes>
+</file>
+
+<file path=ppt/notesSlides/notesSlide2.xml><?xml version="1.0" encoding="utf-8"?>
+<p:notes xmlns:a="http://schemas.openxmlformats.org/drawingml/2006/main" xmlns:r="http://schemas.openxmlformats.org/officeDocument/2006/relationships" xmlns:p="http://schemas.openxmlformats.org/presentationml/2006/main">
+  <p:cSld>
+    <p:spTree>
+      <p:nvGrpSpPr>
+        <p:cNvPr id="1" name=""/>
+        <p:cNvGrpSpPr/>
+        <p:nvPr/>
+      </p:nvGrpSpPr>
+      <p:grpSpPr>
+        <a:xfrm>
+          <a:off x="0" y="0"/>
+          <a:ext cx="0" cy="0"/>
+          <a:chOff x="0" y="0"/>
+          <a:chExt cx="0" cy="0"/>
+        </a:xfrm>
+      </p:grpSpPr>
+      <p:sp>
+        <p:nvSpPr>
+          <p:cNvPr id="2" name="Slide Image Placeholder 1"/>
+          <p:cNvSpPr>
+            <a:spLocks noGrp="1" noRot="1" noChangeAspect="1"/>
+          </p:cNvSpPr>
+          <p:nvPr>
+            <p:ph type="sldImg"/>
+          </p:nvPr>
+        </p:nvSpPr>
+        <p:spPr/>
+      </p:sp>
+      <p:sp>
+        <p:nvSpPr>
+          <p:cNvPr id="3" name="Notes Placeholder 2"/>
+          <p:cNvSpPr>
+            <a:spLocks noGrp="1"/>
+          </p:cNvSpPr>
+          <p:nvPr>
+            <p:ph type="body" idx="1"/>
+          </p:nvPr>
+        </p:nvSpPr>
+        <p:spPr/>
+        <p:txBody>
+          <a:bodyPr/>
+          <a:lstStyle/>
+          <a:p>
+            <a:r>
+              <a:rPr lang="en-CA" dirty="0"/>
+              <a:t>BH</a:t>
+            </a:r>
+          </a:p>
+        </p:txBody>
+      </p:sp>
+      <p:sp>
+        <p:nvSpPr>
+          <p:cNvPr id="4" name="Slide Number Placeholder 3"/>
+          <p:cNvSpPr>
+            <a:spLocks noGrp="1"/>
+          </p:cNvSpPr>
+          <p:nvPr>
+            <p:ph type="sldNum" sz="quarter" idx="5"/>
+          </p:nvPr>
+        </p:nvSpPr>
+        <p:spPr/>
+        <p:txBody>
+          <a:bodyPr/>
+          <a:lstStyle/>
+          <a:p>
+            <a:fld id="{1735D686-E85B-4F43-9E6B-423B7F26CD98}" type="slidenum">
+              <a:rPr lang="en-CA" smtClean="0"/>
+              <a:t>2</a:t>
+            </a:fld>
+            <a:endParaRPr lang="en-CA"/>
+          </a:p>
+        </p:txBody>
+      </p:sp>
+    </p:spTree>
+    <p:extLst>
+      <p:ext uri="{BB962C8B-B14F-4D97-AF65-F5344CB8AC3E}">
+        <p14:creationId xmlns:p14="http://schemas.microsoft.com/office/powerpoint/2010/main" val="58733520"/>
+      </p:ext>
+    </p:extLst>
+  </p:cSld>
+  <p:clrMapOvr>
+    <a:masterClrMapping/>
+  </p:clrMapOvr>
+</p:notes>
+</file>
+
+<file path=ppt/notesSlides/notesSlide3.xml><?xml version="1.0" encoding="utf-8"?>
+<p:notes xmlns:a="http://schemas.openxmlformats.org/drawingml/2006/main" xmlns:r="http://schemas.openxmlformats.org/officeDocument/2006/relationships" xmlns:p="http://schemas.openxmlformats.org/presentationml/2006/main">
+  <p:cSld>
+    <p:spTree>
+      <p:nvGrpSpPr>
+        <p:cNvPr id="1" name=""/>
+        <p:cNvGrpSpPr/>
+        <p:nvPr/>
+      </p:nvGrpSpPr>
+      <p:grpSpPr>
+        <a:xfrm>
+          <a:off x="0" y="0"/>
+          <a:ext cx="0" cy="0"/>
+          <a:chOff x="0" y="0"/>
+          <a:chExt cx="0" cy="0"/>
+        </a:xfrm>
+      </p:grpSpPr>
+      <p:sp>
+        <p:nvSpPr>
+          <p:cNvPr id="2" name="Slide Image Placeholder 1"/>
+          <p:cNvSpPr>
+            <a:spLocks noGrp="1" noRot="1" noChangeAspect="1"/>
+          </p:cNvSpPr>
+          <p:nvPr>
+            <p:ph type="sldImg"/>
+          </p:nvPr>
+        </p:nvSpPr>
+        <p:spPr/>
+      </p:sp>
+      <p:sp>
+        <p:nvSpPr>
+          <p:cNvPr id="3" name="Notes Placeholder 2"/>
+          <p:cNvSpPr>
+            <a:spLocks noGrp="1"/>
+          </p:cNvSpPr>
+          <p:nvPr>
+            <p:ph type="body" idx="1"/>
+          </p:nvPr>
+        </p:nvSpPr>
+        <p:spPr/>
+        <p:txBody>
+          <a:bodyPr/>
+          <a:lstStyle/>
+          <a:p>
+            <a:r>
+              <a:rPr lang="en-CA" dirty="0"/>
+              <a:t>BH</a:t>
+            </a:r>
+          </a:p>
+        </p:txBody>
+      </p:sp>
+      <p:sp>
+        <p:nvSpPr>
+          <p:cNvPr id="4" name="Slide Number Placeholder 3"/>
+          <p:cNvSpPr>
+            <a:spLocks noGrp="1"/>
+          </p:cNvSpPr>
+          <p:nvPr>
+            <p:ph type="sldNum" sz="quarter" idx="5"/>
+          </p:nvPr>
+        </p:nvSpPr>
+        <p:spPr/>
+        <p:txBody>
+          <a:bodyPr/>
+          <a:lstStyle/>
+          <a:p>
+            <a:fld id="{1735D686-E85B-4F43-9E6B-423B7F26CD98}" type="slidenum">
+              <a:rPr lang="en-CA" smtClean="0"/>
+              <a:t>3</a:t>
+            </a:fld>
+            <a:endParaRPr lang="en-CA"/>
+          </a:p>
+        </p:txBody>
+      </p:sp>
+    </p:spTree>
+    <p:extLst>
+      <p:ext uri="{BB962C8B-B14F-4D97-AF65-F5344CB8AC3E}">
+        <p14:creationId xmlns:p14="http://schemas.microsoft.com/office/powerpoint/2010/main" val="1811976094"/>
+      </p:ext>
+    </p:extLst>
+  </p:cSld>
+  <p:clrMapOvr>
+    <a:masterClrMapping/>
+  </p:clrMapOvr>
+</p:notes>
+</file>
+
+<file path=ppt/notesSlides/notesSlide4.xml><?xml version="1.0" encoding="utf-8"?>
+<p:notes xmlns:a="http://schemas.openxmlformats.org/drawingml/2006/main" xmlns:r="http://schemas.openxmlformats.org/officeDocument/2006/relationships" xmlns:p="http://schemas.openxmlformats.org/presentationml/2006/main">
+  <p:cSld>
+    <p:spTree>
+      <p:nvGrpSpPr>
+        <p:cNvPr id="1" name=""/>
+        <p:cNvGrpSpPr/>
+        <p:nvPr/>
+      </p:nvGrpSpPr>
+      <p:grpSpPr>
+        <a:xfrm>
+          <a:off x="0" y="0"/>
+          <a:ext cx="0" cy="0"/>
+          <a:chOff x="0" y="0"/>
+          <a:chExt cx="0" cy="0"/>
+        </a:xfrm>
+      </p:grpSpPr>
+      <p:sp>
+        <p:nvSpPr>
+          <p:cNvPr id="2" name="Slide Image Placeholder 1"/>
+          <p:cNvSpPr>
+            <a:spLocks noGrp="1" noRot="1" noChangeAspect="1"/>
+          </p:cNvSpPr>
+          <p:nvPr>
+            <p:ph type="sldImg"/>
+          </p:nvPr>
+        </p:nvSpPr>
+        <p:spPr/>
+      </p:sp>
+      <p:sp>
+        <p:nvSpPr>
+          <p:cNvPr id="3" name="Notes Placeholder 2"/>
+          <p:cNvSpPr>
+            <a:spLocks noGrp="1"/>
+          </p:cNvSpPr>
+          <p:nvPr>
+            <p:ph type="body" idx="1"/>
+          </p:nvPr>
+        </p:nvSpPr>
+        <p:spPr/>
+        <p:txBody>
+          <a:bodyPr/>
+          <a:lstStyle/>
+          <a:p>
+            <a:r>
+              <a:rPr lang="en-CA" dirty="0"/>
+              <a:t>BH</a:t>
+            </a:r>
+          </a:p>
+        </p:txBody>
+      </p:sp>
+      <p:sp>
+        <p:nvSpPr>
+          <p:cNvPr id="4" name="Slide Number Placeholder 3"/>
+          <p:cNvSpPr>
+            <a:spLocks noGrp="1"/>
+          </p:cNvSpPr>
+          <p:nvPr>
+            <p:ph type="sldNum" sz="quarter" idx="5"/>
+          </p:nvPr>
+        </p:nvSpPr>
+        <p:spPr/>
+        <p:txBody>
+          <a:bodyPr/>
+          <a:lstStyle/>
+          <a:p>
+            <a:fld id="{1735D686-E85B-4F43-9E6B-423B7F26CD98}" type="slidenum">
+              <a:rPr lang="en-CA" smtClean="0"/>
+              <a:t>4</a:t>
+            </a:fld>
+            <a:endParaRPr lang="en-CA"/>
+          </a:p>
+        </p:txBody>
+      </p:sp>
+    </p:spTree>
+    <p:extLst>
+      <p:ext uri="{BB962C8B-B14F-4D97-AF65-F5344CB8AC3E}">
+        <p14:creationId xmlns:p14="http://schemas.microsoft.com/office/powerpoint/2010/main" val="2828107770"/>
+      </p:ext>
+    </p:extLst>
+  </p:cSld>
+  <p:clrMapOvr>
+    <a:masterClrMapping/>
+  </p:clrMapOvr>
+</p:notes>
+</file>
+
+<file path=ppt/notesSlides/notesSlide5.xml><?xml version="1.0" encoding="utf-8"?>
+<p:notes xmlns:a="http://schemas.openxmlformats.org/drawingml/2006/main" xmlns:r="http://schemas.openxmlformats.org/officeDocument/2006/relationships" xmlns:p="http://schemas.openxmlformats.org/presentationml/2006/main">
+  <p:cSld>
+    <p:spTree>
+      <p:nvGrpSpPr>
+        <p:cNvPr id="1" name=""/>
+        <p:cNvGrpSpPr/>
+        <p:nvPr/>
+      </p:nvGrpSpPr>
+      <p:grpSpPr>
+        <a:xfrm>
+          <a:off x="0" y="0"/>
+          <a:ext cx="0" cy="0"/>
+          <a:chOff x="0" y="0"/>
+          <a:chExt cx="0" cy="0"/>
+        </a:xfrm>
+      </p:grpSpPr>
+      <p:sp>
+        <p:nvSpPr>
+          <p:cNvPr id="2" name="Slide Image Placeholder 1"/>
+          <p:cNvSpPr>
+            <a:spLocks noGrp="1" noRot="1" noChangeAspect="1"/>
+          </p:cNvSpPr>
+          <p:nvPr>
+            <p:ph type="sldImg"/>
+          </p:nvPr>
+        </p:nvSpPr>
+        <p:spPr/>
+      </p:sp>
+      <p:sp>
+        <p:nvSpPr>
+          <p:cNvPr id="3" name="Notes Placeholder 2"/>
+          <p:cNvSpPr>
+            <a:spLocks noGrp="1"/>
+          </p:cNvSpPr>
+          <p:nvPr>
+            <p:ph type="body" idx="1"/>
+          </p:nvPr>
+        </p:nvSpPr>
+        <p:spPr/>
+        <p:txBody>
+          <a:bodyPr/>
+          <a:lstStyle/>
+          <a:p>
+            <a:r>
+              <a:rPr lang="en-CA" dirty="0"/>
+              <a:t>BH</a:t>
+            </a:r>
+          </a:p>
+        </p:txBody>
+      </p:sp>
+      <p:sp>
+        <p:nvSpPr>
+          <p:cNvPr id="4" name="Slide Number Placeholder 3"/>
+          <p:cNvSpPr>
+            <a:spLocks noGrp="1"/>
+          </p:cNvSpPr>
+          <p:nvPr>
+            <p:ph type="sldNum" sz="quarter" idx="5"/>
+          </p:nvPr>
+        </p:nvSpPr>
+        <p:spPr/>
+        <p:txBody>
+          <a:bodyPr/>
+          <a:lstStyle/>
+          <a:p>
+            <a:fld id="{1735D686-E85B-4F43-9E6B-423B7F26CD98}" type="slidenum">
+              <a:rPr lang="en-CA" smtClean="0"/>
+              <a:t>5</a:t>
+            </a:fld>
+            <a:endParaRPr lang="en-CA"/>
+          </a:p>
+        </p:txBody>
+      </p:sp>
+    </p:spTree>
+    <p:extLst>
+      <p:ext uri="{BB962C8B-B14F-4D97-AF65-F5344CB8AC3E}">
+        <p14:creationId xmlns:p14="http://schemas.microsoft.com/office/powerpoint/2010/main" val="3486885695"/>
+      </p:ext>
+    </p:extLst>
+  </p:cSld>
+  <p:clrMapOvr>
+    <a:masterClrMapping/>
+  </p:clrMapOvr>
+</p:notes>
+</file>
+
+<file path=ppt/notesSlides/notesSlide6.xml><?xml version="1.0" encoding="utf-8"?>
+<p:notes xmlns:a="http://schemas.openxmlformats.org/drawingml/2006/main" xmlns:r="http://schemas.openxmlformats.org/officeDocument/2006/relationships" xmlns:p="http://schemas.openxmlformats.org/presentationml/2006/main">
+  <p:cSld>
+    <p:spTree>
+      <p:nvGrpSpPr>
+        <p:cNvPr id="1" name=""/>
+        <p:cNvGrpSpPr/>
+        <p:nvPr/>
+      </p:nvGrpSpPr>
+      <p:grpSpPr>
+        <a:xfrm>
+          <a:off x="0" y="0"/>
+          <a:ext cx="0" cy="0"/>
+          <a:chOff x="0" y="0"/>
+          <a:chExt cx="0" cy="0"/>
+        </a:xfrm>
+      </p:grpSpPr>
+      <p:sp>
+        <p:nvSpPr>
+          <p:cNvPr id="2" name="Slide Image Placeholder 1"/>
+          <p:cNvSpPr>
+            <a:spLocks noGrp="1" noRot="1" noChangeAspect="1"/>
+          </p:cNvSpPr>
+          <p:nvPr>
+            <p:ph type="sldImg"/>
+          </p:nvPr>
+        </p:nvSpPr>
+        <p:spPr/>
+      </p:sp>
+      <p:sp>
+        <p:nvSpPr>
+          <p:cNvPr id="3" name="Notes Placeholder 2"/>
+          <p:cNvSpPr>
+            <a:spLocks noGrp="1"/>
+          </p:cNvSpPr>
+          <p:nvPr>
+            <p:ph type="body" idx="1"/>
+          </p:nvPr>
+        </p:nvSpPr>
+        <p:spPr/>
+        <p:txBody>
+          <a:bodyPr/>
+          <a:lstStyle/>
+          <a:p>
+            <a:r>
+              <a:rPr lang="en-CA" dirty="0"/>
+              <a:t>BH</a:t>
+            </a:r>
+          </a:p>
+        </p:txBody>
+      </p:sp>
+      <p:sp>
+        <p:nvSpPr>
+          <p:cNvPr id="4" name="Slide Number Placeholder 3"/>
+          <p:cNvSpPr>
+            <a:spLocks noGrp="1"/>
+          </p:cNvSpPr>
+          <p:nvPr>
+            <p:ph type="sldNum" sz="quarter" idx="5"/>
+          </p:nvPr>
+        </p:nvSpPr>
+        <p:spPr/>
+        <p:txBody>
+          <a:bodyPr/>
+          <a:lstStyle/>
+          <a:p>
+            <a:fld id="{1735D686-E85B-4F43-9E6B-423B7F26CD98}" type="slidenum">
+              <a:rPr lang="en-CA" smtClean="0"/>
+              <a:t>6</a:t>
+            </a:fld>
+            <a:endParaRPr lang="en-CA"/>
+          </a:p>
+        </p:txBody>
+      </p:sp>
+    </p:spTree>
+    <p:extLst>
+      <p:ext uri="{BB962C8B-B14F-4D97-AF65-F5344CB8AC3E}">
+        <p14:creationId xmlns:p14="http://schemas.microsoft.com/office/powerpoint/2010/main" val="3790713728"/>
+      </p:ext>
+    </p:extLst>
+  </p:cSld>
+  <p:clrMapOvr>
+    <a:masterClrMapping/>
+  </p:clrMapOvr>
+</p:notes>
+</file>
+
+<file path=ppt/notesSlides/notesSlide7.xml><?xml version="1.0" encoding="utf-8"?>
+<p:notes xmlns:a="http://schemas.openxmlformats.org/drawingml/2006/main" xmlns:r="http://schemas.openxmlformats.org/officeDocument/2006/relationships" xmlns:p="http://schemas.openxmlformats.org/presentationml/2006/main">
+  <p:cSld>
+    <p:spTree>
+      <p:nvGrpSpPr>
+        <p:cNvPr id="1" name=""/>
+        <p:cNvGrpSpPr/>
+        <p:nvPr/>
+      </p:nvGrpSpPr>
+      <p:grpSpPr>
+        <a:xfrm>
+          <a:off x="0" y="0"/>
+          <a:ext cx="0" cy="0"/>
+          <a:chOff x="0" y="0"/>
+          <a:chExt cx="0" cy="0"/>
+        </a:xfrm>
+      </p:grpSpPr>
+      <p:sp>
+        <p:nvSpPr>
+          <p:cNvPr id="2" name="Slide Image Placeholder 1"/>
+          <p:cNvSpPr>
+            <a:spLocks noGrp="1" noRot="1" noChangeAspect="1"/>
+          </p:cNvSpPr>
+          <p:nvPr>
+            <p:ph type="sldImg"/>
+          </p:nvPr>
+        </p:nvSpPr>
+        <p:spPr/>
+      </p:sp>
+      <p:sp>
+        <p:nvSpPr>
+          <p:cNvPr id="3" name="Notes Placeholder 2"/>
+          <p:cNvSpPr>
+            <a:spLocks noGrp="1"/>
+          </p:cNvSpPr>
+          <p:nvPr>
+            <p:ph type="body" idx="1"/>
+          </p:nvPr>
+        </p:nvSpPr>
+        <p:spPr/>
+        <p:txBody>
+          <a:bodyPr/>
+          <a:lstStyle/>
+          <a:p>
+            <a:r>
+              <a:rPr lang="en-CA" dirty="0"/>
+              <a:t>MJ</a:t>
+            </a:r>
+          </a:p>
+        </p:txBody>
+      </p:sp>
+      <p:sp>
+        <p:nvSpPr>
+          <p:cNvPr id="4" name="Slide Number Placeholder 3"/>
+          <p:cNvSpPr>
+            <a:spLocks noGrp="1"/>
+          </p:cNvSpPr>
+          <p:nvPr>
+            <p:ph type="sldNum" sz="quarter" idx="5"/>
+          </p:nvPr>
+        </p:nvSpPr>
+        <p:spPr/>
+        <p:txBody>
+          <a:bodyPr/>
+          <a:lstStyle/>
+          <a:p>
+            <a:fld id="{1735D686-E85B-4F43-9E6B-423B7F26CD98}" type="slidenum">
+              <a:rPr lang="en-CA" smtClean="0"/>
+              <a:t>7</a:t>
+            </a:fld>
+            <a:endParaRPr lang="en-CA"/>
+          </a:p>
+        </p:txBody>
+      </p:sp>
+    </p:spTree>
+    <p:extLst>
+      <p:ext uri="{BB962C8B-B14F-4D97-AF65-F5344CB8AC3E}">
+        <p14:creationId xmlns:p14="http://schemas.microsoft.com/office/powerpoint/2010/main" val="1339385916"/>
+      </p:ext>
+    </p:extLst>
+  </p:cSld>
+  <p:clrMapOvr>
+    <a:masterClrMapping/>
+  </p:clrMapOvr>
+</p:notes>
+</file>
+
+<file path=ppt/notesSlides/notesSlide8.xml><?xml version="1.0" encoding="utf-8"?>
+<p:notes xmlns:a="http://schemas.openxmlformats.org/drawingml/2006/main" xmlns:r="http://schemas.openxmlformats.org/officeDocument/2006/relationships" xmlns:p="http://schemas.openxmlformats.org/presentationml/2006/main">
+  <p:cSld>
+    <p:spTree>
+      <p:nvGrpSpPr>
+        <p:cNvPr id="1" name=""/>
+        <p:cNvGrpSpPr/>
+        <p:nvPr/>
+      </p:nvGrpSpPr>
+      <p:grpSpPr>
+        <a:xfrm>
+          <a:off x="0" y="0"/>
+          <a:ext cx="0" cy="0"/>
+          <a:chOff x="0" y="0"/>
+          <a:chExt cx="0" cy="0"/>
+        </a:xfrm>
+      </p:grpSpPr>
+      <p:sp>
+        <p:nvSpPr>
+          <p:cNvPr id="2" name="Slide Image Placeholder 1"/>
+          <p:cNvSpPr>
+            <a:spLocks noGrp="1" noRot="1" noChangeAspect="1"/>
+          </p:cNvSpPr>
+          <p:nvPr>
+            <p:ph type="sldImg"/>
+          </p:nvPr>
+        </p:nvSpPr>
+        <p:spPr/>
+      </p:sp>
+      <p:sp>
+        <p:nvSpPr>
+          <p:cNvPr id="3" name="Notes Placeholder 2"/>
+          <p:cNvSpPr>
+            <a:spLocks noGrp="1"/>
+          </p:cNvSpPr>
+          <p:nvPr>
+            <p:ph type="body" idx="1"/>
+          </p:nvPr>
+        </p:nvSpPr>
+        <p:spPr/>
+        <p:txBody>
+          <a:bodyPr/>
+          <a:lstStyle/>
+          <a:p>
+            <a:pPr marL="0" marR="0" lvl="0" indent="0" algn="l" defTabSz="914400" rtl="0" eaLnBrk="1" fontAlgn="auto" latinLnBrk="0" hangingPunct="1">
+              <a:lnSpc>
+                <a:spcPct val="100000"/>
+              </a:lnSpc>
+              <a:spcBef>
+                <a:spcPts val="0"/>
+              </a:spcBef>
+              <a:spcAft>
+                <a:spcPts val="0"/>
+              </a:spcAft>
+              <a:buClrTx/>
+              <a:buSzTx/>
+              <a:buFontTx/>
+              <a:buNone/>
+              <a:tabLst/>
+              <a:defRPr/>
+            </a:pPr>
+            <a:r>
+              <a:rPr lang="en-CA" dirty="0"/>
+              <a:t>MJ</a:t>
+            </a:r>
+          </a:p>
+          <a:p>
+            <a:endParaRPr lang="en-CA" dirty="0"/>
+          </a:p>
+        </p:txBody>
+      </p:sp>
+      <p:sp>
+        <p:nvSpPr>
+          <p:cNvPr id="4" name="Slide Number Placeholder 3"/>
+          <p:cNvSpPr>
+            <a:spLocks noGrp="1"/>
+          </p:cNvSpPr>
+          <p:nvPr>
+            <p:ph type="sldNum" sz="quarter" idx="5"/>
+          </p:nvPr>
+        </p:nvSpPr>
+        <p:spPr/>
+        <p:txBody>
+          <a:bodyPr/>
+          <a:lstStyle/>
+          <a:p>
+            <a:fld id="{1735D686-E85B-4F43-9E6B-423B7F26CD98}" type="slidenum">
+              <a:rPr lang="en-CA" smtClean="0"/>
+              <a:t>8</a:t>
+            </a:fld>
+            <a:endParaRPr lang="en-CA"/>
+          </a:p>
+        </p:txBody>
+      </p:sp>
+    </p:spTree>
+    <p:extLst>
+      <p:ext uri="{BB962C8B-B14F-4D97-AF65-F5344CB8AC3E}">
+        <p14:creationId xmlns:p14="http://schemas.microsoft.com/office/powerpoint/2010/main" val="1518579892"/>
+      </p:ext>
+    </p:extLst>
+  </p:cSld>
+  <p:clrMapOvr>
+    <a:masterClrMapping/>
+  </p:clrMapOvr>
+</p:notes>
+</file>
+
+<file path=ppt/notesSlides/notesSlide9.xml><?xml version="1.0" encoding="utf-8"?>
+<p:notes xmlns:a="http://schemas.openxmlformats.org/drawingml/2006/main" xmlns:r="http://schemas.openxmlformats.org/officeDocument/2006/relationships" xmlns:p="http://schemas.openxmlformats.org/presentationml/2006/main">
+  <p:cSld>
+    <p:spTree>
+      <p:nvGrpSpPr>
+        <p:cNvPr id="1" name=""/>
+        <p:cNvGrpSpPr/>
+        <p:nvPr/>
+      </p:nvGrpSpPr>
+      <p:grpSpPr>
+        <a:xfrm>
+          <a:off x="0" y="0"/>
+          <a:ext cx="0" cy="0"/>
+          <a:chOff x="0" y="0"/>
+          <a:chExt cx="0" cy="0"/>
+        </a:xfrm>
+      </p:grpSpPr>
+      <p:sp>
+        <p:nvSpPr>
+          <p:cNvPr id="2" name="Slide Image Placeholder 1"/>
+          <p:cNvSpPr>
+            <a:spLocks noGrp="1" noRot="1" noChangeAspect="1"/>
+          </p:cNvSpPr>
+          <p:nvPr>
+            <p:ph type="sldImg"/>
+          </p:nvPr>
+        </p:nvSpPr>
+        <p:spPr/>
+      </p:sp>
+      <p:sp>
+        <p:nvSpPr>
+          <p:cNvPr id="3" name="Notes Placeholder 2"/>
+          <p:cNvSpPr>
+            <a:spLocks noGrp="1"/>
+          </p:cNvSpPr>
+          <p:nvPr>
+            <p:ph type="body" idx="1"/>
+          </p:nvPr>
+        </p:nvSpPr>
+        <p:spPr/>
+        <p:txBody>
+          <a:bodyPr/>
+          <a:lstStyle/>
+          <a:p>
+            <a:pPr marL="0" marR="0" lvl="0" indent="0" algn="l" defTabSz="914400" rtl="0" eaLnBrk="1" fontAlgn="auto" latinLnBrk="0" hangingPunct="1">
+              <a:lnSpc>
+                <a:spcPct val="100000"/>
+              </a:lnSpc>
+              <a:spcBef>
+                <a:spcPts val="0"/>
+              </a:spcBef>
+              <a:spcAft>
+                <a:spcPts val="0"/>
+              </a:spcAft>
+              <a:buClrTx/>
+              <a:buSzTx/>
+              <a:buFontTx/>
+              <a:buNone/>
+              <a:tabLst/>
+              <a:defRPr/>
+            </a:pPr>
+            <a:r>
+              <a:rPr lang="en-CA" dirty="0"/>
+              <a:t>MJ</a:t>
+            </a:r>
+          </a:p>
+          <a:p>
+            <a:endParaRPr lang="en-CA" dirty="0"/>
+          </a:p>
+        </p:txBody>
+      </p:sp>
+      <p:sp>
+        <p:nvSpPr>
+          <p:cNvPr id="4" name="Slide Number Placeholder 3"/>
+          <p:cNvSpPr>
+            <a:spLocks noGrp="1"/>
+          </p:cNvSpPr>
+          <p:nvPr>
+            <p:ph type="sldNum" sz="quarter" idx="5"/>
+          </p:nvPr>
+        </p:nvSpPr>
+        <p:spPr/>
+        <p:txBody>
+          <a:bodyPr/>
+          <a:lstStyle/>
+          <a:p>
+            <a:fld id="{1735D686-E85B-4F43-9E6B-423B7F26CD98}" type="slidenum">
+              <a:rPr lang="en-CA" smtClean="0"/>
+              <a:t>9</a:t>
+            </a:fld>
+            <a:endParaRPr lang="en-CA"/>
+          </a:p>
+        </p:txBody>
+      </p:sp>
+    </p:spTree>
+    <p:extLst>
+      <p:ext uri="{BB962C8B-B14F-4D97-AF65-F5344CB8AC3E}">
+        <p14:creationId xmlns:p14="http://schemas.microsoft.com/office/powerpoint/2010/main" val="561326292"/>
+      </p:ext>
+    </p:extLst>
+  </p:cSld>
+  <p:clrMapOvr>
+    <a:masterClrMapping/>
+  </p:clrMapOvr>
+</p:notes>
+</file>
+
 <file path=ppt/slideLayouts/slideLayout1.xml><?xml version="1.0" encoding="utf-8"?>
 <p:sldLayout xmlns:a="http://schemas.openxmlformats.org/drawingml/2006/main" xmlns:r="http://schemas.openxmlformats.org/officeDocument/2006/relationships" xmlns:p="http://schemas.openxmlformats.org/presentationml/2006/main" type="title" preserve="1">
   <p:cSld name="Title Slide">
@@ -309,7 +1982,7 @@
           <a:p>
             <a:fld id="{4AAD347D-5ACD-4C99-B74B-A9C85AD731AF}" type="datetimeFigureOut">
               <a:rPr lang="en-US" smtClean="0"/>
-              <a:t>3/14/19</a:t>
+              <a:t>3/14/2019</a:t>
             </a:fld>
             <a:endParaRPr lang="en-US" dirty="0"/>
           </a:p>
@@ -584,7 +2257,7 @@
           <a:p>
             <a:fld id="{4AAD347D-5ACD-4C99-B74B-A9C85AD731AF}" type="datetimeFigureOut">
               <a:rPr lang="en-US" smtClean="0"/>
-              <a:t>3/14/19</a:t>
+              <a:t>3/14/2019</a:t>
             </a:fld>
             <a:endParaRPr lang="en-US" dirty="0"/>
           </a:p>
@@ -779,7 +2452,7 @@
           <a:p>
             <a:fld id="{4AAD347D-5ACD-4C99-B74B-A9C85AD731AF}" type="datetimeFigureOut">
               <a:rPr lang="en-US" smtClean="0"/>
-              <a:t>3/14/19</a:t>
+              <a:t>3/14/2019</a:t>
             </a:fld>
             <a:endParaRPr lang="en-US" dirty="0"/>
           </a:p>
@@ -1053,7 +2726,7 @@
           <a:p>
             <a:fld id="{4AAD347D-5ACD-4C99-B74B-A9C85AD731AF}" type="datetimeFigureOut">
               <a:rPr lang="en-US" smtClean="0"/>
-              <a:t>3/14/19</a:t>
+              <a:t>3/14/2019</a:t>
             </a:fld>
             <a:endParaRPr lang="en-US" dirty="0"/>
           </a:p>
@@ -1395,7 +3068,7 @@
           <a:p>
             <a:fld id="{4AAD347D-5ACD-4C99-B74B-A9C85AD731AF}" type="datetimeFigureOut">
               <a:rPr lang="en-US" smtClean="0"/>
-              <a:t>3/14/19</a:t>
+              <a:t>3/14/2019</a:t>
             </a:fld>
             <a:endParaRPr lang="en-US" dirty="0"/>
           </a:p>
@@ -2019,7 +3692,7 @@
           <a:p>
             <a:fld id="{4AAD347D-5ACD-4C99-B74B-A9C85AD731AF}" type="datetimeFigureOut">
               <a:rPr lang="en-US" smtClean="0"/>
-              <a:t>3/14/19</a:t>
+              <a:t>3/14/2019</a:t>
             </a:fld>
             <a:endParaRPr lang="en-US" dirty="0"/>
           </a:p>
@@ -2880,7 +4553,7 @@
           <a:p>
             <a:fld id="{4AAD347D-5ACD-4C99-B74B-A9C85AD731AF}" type="datetimeFigureOut">
               <a:rPr lang="en-US" smtClean="0"/>
-              <a:t>3/14/19</a:t>
+              <a:t>3/14/2019</a:t>
             </a:fld>
             <a:endParaRPr lang="en-US" dirty="0"/>
           </a:p>
@@ -3051,7 +4724,7 @@
           <a:p>
             <a:fld id="{4509A250-FF31-4206-8172-F9D3106AACB1}" type="datetimeFigureOut">
               <a:rPr lang="en-US" smtClean="0"/>
-              <a:t>3/14/19</a:t>
+              <a:t>3/14/2019</a:t>
             </a:fld>
             <a:endParaRPr lang="en-US" dirty="0"/>
           </a:p>
@@ -3231,7 +4904,7 @@
           <a:p>
             <a:fld id="{4509A250-FF31-4206-8172-F9D3106AACB1}" type="datetimeFigureOut">
               <a:rPr lang="en-US" smtClean="0"/>
-              <a:t>3/14/19</a:t>
+              <a:t>3/14/2019</a:t>
             </a:fld>
             <a:endParaRPr lang="en-US" dirty="0"/>
           </a:p>
@@ -3401,7 +5074,7 @@
           <a:p>
             <a:fld id="{4509A250-FF31-4206-8172-F9D3106AACB1}" type="datetimeFigureOut">
               <a:rPr lang="en-US" smtClean="0"/>
-              <a:t>3/14/19</a:t>
+              <a:t>3/14/2019</a:t>
             </a:fld>
             <a:endParaRPr lang="en-US" dirty="0"/>
           </a:p>
@@ -3648,7 +5321,7 @@
           <a:p>
             <a:fld id="{9796027F-7875-4030-9381-8BD8C4F21935}" type="datetimeFigureOut">
               <a:rPr lang="en-US" smtClean="0"/>
-              <a:t>3/14/19</a:t>
+              <a:t>3/14/2019</a:t>
             </a:fld>
             <a:endParaRPr lang="en-US" dirty="0"/>
           </a:p>
@@ -3940,7 +5613,7 @@
           <a:p>
             <a:fld id="{9796027F-7875-4030-9381-8BD8C4F21935}" type="datetimeFigureOut">
               <a:rPr lang="en-US" smtClean="0"/>
-              <a:t>3/14/19</a:t>
+              <a:t>3/14/2019</a:t>
             </a:fld>
             <a:endParaRPr lang="en-US" dirty="0"/>
           </a:p>
@@ -4384,7 +6057,7 @@
           <a:p>
             <a:fld id="{9796027F-7875-4030-9381-8BD8C4F21935}" type="datetimeFigureOut">
               <a:rPr lang="en-US" smtClean="0"/>
-              <a:t>3/14/19</a:t>
+              <a:t>3/14/2019</a:t>
             </a:fld>
             <a:endParaRPr lang="en-US" dirty="0"/>
           </a:p>
@@ -4502,7 +6175,7 @@
           <a:p>
             <a:fld id="{4509A250-FF31-4206-8172-F9D3106AACB1}" type="datetimeFigureOut">
               <a:rPr lang="en-US" smtClean="0"/>
-              <a:t>3/14/19</a:t>
+              <a:t>3/14/2019</a:t>
             </a:fld>
             <a:endParaRPr lang="en-US" dirty="0"/>
           </a:p>
@@ -4597,7 +6270,7 @@
           <a:p>
             <a:fld id="{4509A250-FF31-4206-8172-F9D3106AACB1}" type="datetimeFigureOut">
               <a:rPr lang="en-US" smtClean="0"/>
-              <a:t>3/14/19</a:t>
+              <a:t>3/14/2019</a:t>
             </a:fld>
             <a:endParaRPr lang="en-US" dirty="0"/>
           </a:p>
@@ -4876,7 +6549,7 @@
           <a:p>
             <a:fld id="{4509A250-FF31-4206-8172-F9D3106AACB1}" type="datetimeFigureOut">
               <a:rPr lang="en-US" smtClean="0"/>
-              <a:t>3/14/19</a:t>
+              <a:t>3/14/2019</a:t>
             </a:fld>
             <a:endParaRPr lang="en-US" dirty="0"/>
           </a:p>
@@ -5151,7 +6824,7 @@
           <a:p>
             <a:fld id="{4509A250-FF31-4206-8172-F9D3106AACB1}" type="datetimeFigureOut">
               <a:rPr lang="en-US" smtClean="0"/>
-              <a:t>3/14/19</a:t>
+              <a:t>3/14/2019</a:t>
             </a:fld>
             <a:endParaRPr lang="en-US" dirty="0"/>
           </a:p>
@@ -5580,7 +7253,7 @@
           <a:p>
             <a:fld id="{4AAD347D-5ACD-4C99-B74B-A9C85AD731AF}" type="datetimeFigureOut">
               <a:rPr lang="en-US" smtClean="0"/>
-              <a:t>3/14/19</a:t>
+              <a:t>3/14/2019</a:t>
             </a:fld>
             <a:endParaRPr lang="en-US" dirty="0"/>
           </a:p>
@@ -6211,23 +7884,47 @@
             <p:ph type="title"/>
           </p:nvPr>
         </p:nvSpPr>
+        <p:spPr/>
+        <p:txBody>
+          <a:bodyPr/>
+          <a:lstStyle/>
+          <a:p>
+            <a:r>
+              <a:rPr lang="en-US" dirty="0"/>
+              <a:t>Mental Illness and GDP</a:t>
+            </a:r>
+          </a:p>
+        </p:txBody>
+      </p:sp>
+      <p:pic>
+        <p:nvPicPr>
+          <p:cNvPr id="9" name="Content Placeholder 8">
+            <a:extLst>
+              <a:ext uri="{FF2B5EF4-FFF2-40B4-BE49-F238E27FC236}">
+                <a16:creationId xmlns:a16="http://schemas.microsoft.com/office/drawing/2014/main" id="{C300685A-6293-DF46-BE93-81EE86E08506}"/>
+              </a:ext>
+            </a:extLst>
+          </p:cNvPr>
+          <p:cNvPicPr>
+            <a:picLocks noGrp="1" noChangeAspect="1"/>
+          </p:cNvPicPr>
+          <p:nvPr>
+            <p:ph idx="1"/>
+          </p:nvPr>
+        </p:nvPicPr>
+        <p:blipFill>
+          <a:blip r:embed="rId3"/>
+          <a:stretch>
+            <a:fillRect/>
+          </a:stretch>
+        </p:blipFill>
         <p:spPr>
           <a:xfrm>
-            <a:off x="530497" y="0"/>
-            <a:ext cx="9404723" cy="1400530"/>
+            <a:off x="537827" y="1581991"/>
+            <a:ext cx="7110744" cy="4740496"/>
           </a:xfrm>
         </p:spPr>
-        <p:txBody>
-          <a:bodyPr/>
-          <a:lstStyle/>
-          <a:p>
-            <a:r>
-              <a:rPr lang="en-US" dirty="0"/>
-              <a:t>Mental Illness and Poverty</a:t>
-            </a:r>
-          </a:p>
-        </p:txBody>
-      </p:sp>
+      </p:pic>
       <p:sp>
         <p:nvSpPr>
           <p:cNvPr id="6" name="TextBox 5">
@@ -6242,8 +7939,8 @@
         </p:nvSpPr>
         <p:spPr>
           <a:xfrm>
-            <a:off x="9438291" y="1951672"/>
-            <a:ext cx="2995448" cy="1477328"/>
+            <a:off x="7786470" y="1703327"/>
+            <a:ext cx="3425482" cy="1477328"/>
           </a:xfrm>
           <a:prstGeom prst="rect">
             <a:avLst/>
@@ -6257,53 +7954,57 @@
           <a:lstStyle/>
           <a:p>
             <a:r>
-              <a:rPr lang="en-CA" dirty="0"/>
-              <a:t>States with greater poverty are </a:t>
-            </a:r>
-            <a:r>
-              <a:rPr lang="en-CA" b="1" dirty="0"/>
-              <a:t>NOT</a:t>
-            </a:r>
-            <a:r>
-              <a:rPr lang="en-CA" dirty="0"/>
-              <a:t> [necessarily] states with higher rates of mental illness</a:t>
-            </a:r>
-          </a:p>
-        </p:txBody>
-      </p:sp>
-      <p:pic>
-        <p:nvPicPr>
-          <p:cNvPr id="22" name="Content Placeholder 21" descr="A screenshot of a cell phone&#10;&#10;Description automatically generated">
+              <a:rPr lang="en-US" dirty="0"/>
+              <a:t>Weak negative correlation- States with lower percentage of population with mental illness have higher GDP.</a:t>
+            </a:r>
+          </a:p>
+        </p:txBody>
+      </p:sp>
+      <p:sp>
+        <p:nvSpPr>
+          <p:cNvPr id="7" name="TextBox 6">
             <a:extLst>
               <a:ext uri="{FF2B5EF4-FFF2-40B4-BE49-F238E27FC236}">
-                <a16:creationId xmlns:a16="http://schemas.microsoft.com/office/drawing/2014/main" id="{1BA34C40-2D6A-D843-90C2-474AF1315CB1}"/>
+                <a16:creationId xmlns:a16="http://schemas.microsoft.com/office/drawing/2014/main" id="{A46E8627-3399-0349-99A0-6ABBCCADEEFE}"/>
               </a:ext>
             </a:extLst>
           </p:cNvPr>
-          <p:cNvPicPr>
-            <a:picLocks noGrp="1" noChangeAspect="1"/>
-          </p:cNvPicPr>
-          <p:nvPr>
-            <p:ph idx="1"/>
-          </p:nvPr>
-        </p:nvPicPr>
-        <p:blipFill>
-          <a:blip r:embed="rId2"/>
-          <a:stretch>
-            <a:fillRect/>
-          </a:stretch>
-        </p:blipFill>
+          <p:cNvSpPr txBox="1"/>
+          <p:nvPr/>
+        </p:nvSpPr>
         <p:spPr>
           <a:xfrm>
-            <a:off x="94593" y="714703"/>
-            <a:ext cx="9343698" cy="6023413"/>
+            <a:off x="7786469" y="3305908"/>
+            <a:ext cx="3038622" cy="646331"/>
           </a:xfrm>
+          <a:prstGeom prst="rect">
+            <a:avLst/>
+          </a:prstGeom>
+          <a:noFill/>
         </p:spPr>
-      </p:pic>
+        <p:txBody>
+          <a:bodyPr wrap="square" rtlCol="0">
+            <a:spAutoFit/>
+          </a:bodyPr>
+          <a:lstStyle/>
+          <a:p>
+            <a:r>
+              <a:rPr lang="en-US" dirty="0"/>
+              <a:t>Correlation coefficient: </a:t>
+            </a:r>
+          </a:p>
+          <a:p>
+            <a:r>
+              <a:rPr lang="en-US" dirty="0"/>
+              <a:t>-0.31</a:t>
+            </a:r>
+          </a:p>
+        </p:txBody>
+      </p:sp>
     </p:spTree>
     <p:extLst>
       <p:ext uri="{BB962C8B-B14F-4D97-AF65-F5344CB8AC3E}">
-        <p14:creationId xmlns:p14="http://schemas.microsoft.com/office/powerpoint/2010/main" val="217201091"/>
+        <p14:creationId xmlns:p14="http://schemas.microsoft.com/office/powerpoint/2010/main" val="3969251231"/>
       </p:ext>
     </p:extLst>
   </p:cSld>
@@ -6348,8 +8049,8 @@
         </p:nvSpPr>
         <p:spPr>
           <a:xfrm>
-            <a:off x="646111" y="39057"/>
-            <a:ext cx="9404723" cy="850462"/>
+            <a:off x="530497" y="0"/>
+            <a:ext cx="9404723" cy="1400530"/>
           </a:xfrm>
         </p:spPr>
         <p:txBody>
@@ -6358,7 +8059,7 @@
           <a:p>
             <a:r>
               <a:rPr lang="en-US" dirty="0"/>
-              <a:t>Mental Illness and Employment</a:t>
+              <a:t>Mental Illness and Poverty</a:t>
             </a:r>
           </a:p>
         </p:txBody>
@@ -6377,8 +8078,8 @@
         </p:nvSpPr>
         <p:spPr>
           <a:xfrm>
-            <a:off x="9498510" y="1685184"/>
-            <a:ext cx="2790773" cy="1477328"/>
+            <a:off x="9548376" y="4278388"/>
+            <a:ext cx="2549031" cy="1477328"/>
           </a:xfrm>
           <a:prstGeom prst="rect">
             <a:avLst/>
@@ -6393,7 +8094,7 @@
           <a:p>
             <a:r>
               <a:rPr lang="en-CA" dirty="0"/>
-              <a:t>States with greater unemployment are </a:t>
+              <a:t>States with greater poverty are </a:t>
             </a:r>
             <a:r>
               <a:rPr lang="en-CA" b="1" dirty="0"/>
@@ -6408,10 +8109,10 @@
       </p:sp>
       <p:pic>
         <p:nvPicPr>
-          <p:cNvPr id="10" name="Content Placeholder 9" descr="A close up of a logo&#10;&#10;Description automatically generated">
+          <p:cNvPr id="22" name="Content Placeholder 21" descr="A screenshot of a cell phone&#10;&#10;Description automatically generated">
             <a:extLst>
               <a:ext uri="{FF2B5EF4-FFF2-40B4-BE49-F238E27FC236}">
-                <a16:creationId xmlns:a16="http://schemas.microsoft.com/office/drawing/2014/main" id="{1F5396D0-259A-C441-A07D-762C86C28FAD}"/>
+                <a16:creationId xmlns:a16="http://schemas.microsoft.com/office/drawing/2014/main" id="{1BA34C40-2D6A-D843-90C2-474AF1315CB1}"/>
               </a:ext>
             </a:extLst>
           </p:cNvPr>
@@ -6423,22 +8124,57 @@
           </p:nvPr>
         </p:nvPicPr>
         <p:blipFill>
-          <a:blip r:embed="rId2"/>
+          <a:blip r:embed="rId3"/>
           <a:stretch>
             <a:fillRect/>
           </a:stretch>
         </p:blipFill>
         <p:spPr>
           <a:xfrm>
-            <a:off x="81393" y="746234"/>
-            <a:ext cx="9325366" cy="6072709"/>
+            <a:off x="94593" y="714703"/>
+            <a:ext cx="9343698" cy="6023413"/>
           </a:xfrm>
         </p:spPr>
       </p:pic>
+      <p:sp>
+        <p:nvSpPr>
+          <p:cNvPr id="5" name="TextBox 4">
+            <a:extLst>
+              <a:ext uri="{FF2B5EF4-FFF2-40B4-BE49-F238E27FC236}">
+                <a16:creationId xmlns:a16="http://schemas.microsoft.com/office/drawing/2014/main" id="{24184806-A489-4947-A105-E9CF42E7B32A}"/>
+              </a:ext>
+            </a:extLst>
+          </p:cNvPr>
+          <p:cNvSpPr txBox="1"/>
+          <p:nvPr/>
+        </p:nvSpPr>
+        <p:spPr>
+          <a:xfrm>
+            <a:off x="9483062" y="1400530"/>
+            <a:ext cx="2614345" cy="1477328"/>
+          </a:xfrm>
+          <a:prstGeom prst="rect">
+            <a:avLst/>
+          </a:prstGeom>
+          <a:noFill/>
+        </p:spPr>
+        <p:txBody>
+          <a:bodyPr wrap="square" rtlCol="0">
+            <a:spAutoFit/>
+          </a:bodyPr>
+          <a:lstStyle/>
+          <a:p>
+            <a:r>
+              <a:rPr lang="en-CA" dirty="0"/>
+              <a:t>States are ranked from the highest level of poverty (top) to the lowest level of poverty (bottom)</a:t>
+            </a:r>
+          </a:p>
+        </p:txBody>
+      </p:sp>
     </p:spTree>
     <p:extLst>
       <p:ext uri="{BB962C8B-B14F-4D97-AF65-F5344CB8AC3E}">
-        <p14:creationId xmlns:p14="http://schemas.microsoft.com/office/powerpoint/2010/main" val="1787399884"/>
+        <p14:creationId xmlns:p14="http://schemas.microsoft.com/office/powerpoint/2010/main" val="217201091"/>
       </p:ext>
     </p:extLst>
   </p:cSld>
@@ -6483,6 +8219,176 @@
         </p:nvSpPr>
         <p:spPr>
           <a:xfrm>
+            <a:off x="646111" y="39057"/>
+            <a:ext cx="9404723" cy="850462"/>
+          </a:xfrm>
+        </p:spPr>
+        <p:txBody>
+          <a:bodyPr/>
+          <a:lstStyle/>
+          <a:p>
+            <a:r>
+              <a:rPr lang="en-US" dirty="0"/>
+              <a:t>Mental Illness and Employment</a:t>
+            </a:r>
+          </a:p>
+        </p:txBody>
+      </p:sp>
+      <p:sp>
+        <p:nvSpPr>
+          <p:cNvPr id="6" name="TextBox 5">
+            <a:extLst>
+              <a:ext uri="{FF2B5EF4-FFF2-40B4-BE49-F238E27FC236}">
+                <a16:creationId xmlns:a16="http://schemas.microsoft.com/office/drawing/2014/main" id="{4663E410-AC8D-C84D-A001-FD2830B27157}"/>
+              </a:ext>
+            </a:extLst>
+          </p:cNvPr>
+          <p:cNvSpPr txBox="1"/>
+          <p:nvPr/>
+        </p:nvSpPr>
+        <p:spPr>
+          <a:xfrm>
+            <a:off x="9507840" y="4559013"/>
+            <a:ext cx="2602767" cy="1477328"/>
+          </a:xfrm>
+          <a:prstGeom prst="rect">
+            <a:avLst/>
+          </a:prstGeom>
+          <a:noFill/>
+        </p:spPr>
+        <p:txBody>
+          <a:bodyPr wrap="square" rtlCol="0">
+            <a:spAutoFit/>
+          </a:bodyPr>
+          <a:lstStyle/>
+          <a:p>
+            <a:r>
+              <a:rPr lang="en-CA" dirty="0"/>
+              <a:t>States with greater unemployment are </a:t>
+            </a:r>
+            <a:r>
+              <a:rPr lang="en-CA" b="1" dirty="0"/>
+              <a:t>NOT</a:t>
+            </a:r>
+            <a:r>
+              <a:rPr lang="en-CA" dirty="0"/>
+              <a:t> [necessarily] states with higher rates of mental illness</a:t>
+            </a:r>
+          </a:p>
+        </p:txBody>
+      </p:sp>
+      <p:pic>
+        <p:nvPicPr>
+          <p:cNvPr id="10" name="Content Placeholder 9" descr="A close up of a logo&#10;&#10;Description automatically generated">
+            <a:extLst>
+              <a:ext uri="{FF2B5EF4-FFF2-40B4-BE49-F238E27FC236}">
+                <a16:creationId xmlns:a16="http://schemas.microsoft.com/office/drawing/2014/main" id="{1F5396D0-259A-C441-A07D-762C86C28FAD}"/>
+              </a:ext>
+            </a:extLst>
+          </p:cNvPr>
+          <p:cNvPicPr>
+            <a:picLocks noGrp="1" noChangeAspect="1"/>
+          </p:cNvPicPr>
+          <p:nvPr>
+            <p:ph idx="1"/>
+          </p:nvPr>
+        </p:nvPicPr>
+        <p:blipFill>
+          <a:blip r:embed="rId3"/>
+          <a:stretch>
+            <a:fillRect/>
+          </a:stretch>
+        </p:blipFill>
+        <p:spPr>
+          <a:xfrm>
+            <a:off x="81393" y="746234"/>
+            <a:ext cx="9325366" cy="6072709"/>
+          </a:xfrm>
+        </p:spPr>
+      </p:pic>
+      <p:sp>
+        <p:nvSpPr>
+          <p:cNvPr id="5" name="TextBox 4">
+            <a:extLst>
+              <a:ext uri="{FF2B5EF4-FFF2-40B4-BE49-F238E27FC236}">
+                <a16:creationId xmlns:a16="http://schemas.microsoft.com/office/drawing/2014/main" id="{AF84531D-876C-45B0-A4BC-EA429F431113}"/>
+              </a:ext>
+            </a:extLst>
+          </p:cNvPr>
+          <p:cNvSpPr txBox="1"/>
+          <p:nvPr/>
+        </p:nvSpPr>
+        <p:spPr>
+          <a:xfrm>
+            <a:off x="9490943" y="1560323"/>
+            <a:ext cx="2602767" cy="2031325"/>
+          </a:xfrm>
+          <a:prstGeom prst="rect">
+            <a:avLst/>
+          </a:prstGeom>
+          <a:noFill/>
+        </p:spPr>
+        <p:txBody>
+          <a:bodyPr wrap="square" rtlCol="0">
+            <a:spAutoFit/>
+          </a:bodyPr>
+          <a:lstStyle/>
+          <a:p>
+            <a:r>
+              <a:rPr lang="en-CA" dirty="0"/>
+              <a:t>States are ranked from the highest level of unemployment (top) to the lowest level of unemployment (bottom)</a:t>
+            </a:r>
+          </a:p>
+        </p:txBody>
+      </p:sp>
+    </p:spTree>
+    <p:extLst>
+      <p:ext uri="{BB962C8B-B14F-4D97-AF65-F5344CB8AC3E}">
+        <p14:creationId xmlns:p14="http://schemas.microsoft.com/office/powerpoint/2010/main" val="1787399884"/>
+      </p:ext>
+    </p:extLst>
+  </p:cSld>
+  <p:clrMapOvr>
+    <a:masterClrMapping/>
+  </p:clrMapOvr>
+</p:sld>
+</file>
+
+<file path=ppt/slides/slide13.xml><?xml version="1.0" encoding="utf-8"?>
+<p:sld xmlns:a="http://schemas.openxmlformats.org/drawingml/2006/main" xmlns:r="http://schemas.openxmlformats.org/officeDocument/2006/relationships" xmlns:p="http://schemas.openxmlformats.org/presentationml/2006/main">
+  <p:cSld>
+    <p:spTree>
+      <p:nvGrpSpPr>
+        <p:cNvPr id="1" name=""/>
+        <p:cNvGrpSpPr/>
+        <p:nvPr/>
+      </p:nvGrpSpPr>
+      <p:grpSpPr>
+        <a:xfrm>
+          <a:off x="0" y="0"/>
+          <a:ext cx="0" cy="0"/>
+          <a:chOff x="0" y="0"/>
+          <a:chExt cx="0" cy="0"/>
+        </a:xfrm>
+      </p:grpSpPr>
+      <p:sp>
+        <p:nvSpPr>
+          <p:cNvPr id="2" name="Title 1">
+            <a:extLst>
+              <a:ext uri="{FF2B5EF4-FFF2-40B4-BE49-F238E27FC236}">
+                <a16:creationId xmlns:a16="http://schemas.microsoft.com/office/drawing/2014/main" id="{1E364593-785A-4841-9E39-74FCCFF74020}"/>
+              </a:ext>
+            </a:extLst>
+          </p:cNvPr>
+          <p:cNvSpPr>
+            <a:spLocks noGrp="1"/>
+          </p:cNvSpPr>
+          <p:nvPr>
+            <p:ph type="title"/>
+          </p:nvPr>
+        </p:nvSpPr>
+        <p:spPr>
+          <a:xfrm>
             <a:off x="593560" y="0"/>
             <a:ext cx="9404723" cy="703692"/>
           </a:xfrm>
@@ -6515,7 +8421,7 @@
           </p:nvPr>
         </p:nvPicPr>
         <p:blipFill>
-          <a:blip r:embed="rId2"/>
+          <a:blip r:embed="rId3"/>
           <a:stretch>
             <a:fillRect/>
           </a:stretch>
@@ -6541,8 +8447,8 @@
         </p:nvSpPr>
         <p:spPr>
           <a:xfrm>
-            <a:off x="9469821" y="1951672"/>
-            <a:ext cx="3179299" cy="1477328"/>
+            <a:off x="9569731" y="4907615"/>
+            <a:ext cx="2576627" cy="1477328"/>
           </a:xfrm>
           <a:prstGeom prst="rect">
             <a:avLst/>
@@ -6570,10 +8476,168 @@
           </a:p>
         </p:txBody>
       </p:sp>
+      <p:sp>
+        <p:nvSpPr>
+          <p:cNvPr id="3" name="Rectangle 2">
+            <a:extLst>
+              <a:ext uri="{FF2B5EF4-FFF2-40B4-BE49-F238E27FC236}">
+                <a16:creationId xmlns:a16="http://schemas.microsoft.com/office/drawing/2014/main" id="{49C547DB-574F-40F3-9221-616C37286A1B}"/>
+              </a:ext>
+            </a:extLst>
+          </p:cNvPr>
+          <p:cNvSpPr/>
+          <p:nvPr/>
+        </p:nvSpPr>
+        <p:spPr>
+          <a:xfrm>
+            <a:off x="9629192" y="1211721"/>
+            <a:ext cx="2457707" cy="3139321"/>
+          </a:xfrm>
+          <a:prstGeom prst="rect">
+            <a:avLst/>
+          </a:prstGeom>
+        </p:spPr>
+        <p:txBody>
+          <a:bodyPr wrap="square">
+            <a:spAutoFit/>
+          </a:bodyPr>
+          <a:lstStyle/>
+          <a:p>
+            <a:r>
+              <a:rPr lang="en-CA" dirty="0"/>
+              <a:t>States are ranked from the highest percentage of the population with medical coverage(top) to the lowest percentage of the population with medical coverage (bottom)</a:t>
+            </a:r>
+          </a:p>
+        </p:txBody>
+      </p:sp>
     </p:spTree>
     <p:extLst>
       <p:ext uri="{BB962C8B-B14F-4D97-AF65-F5344CB8AC3E}">
         <p14:creationId xmlns:p14="http://schemas.microsoft.com/office/powerpoint/2010/main" val="2196802323"/>
+      </p:ext>
+    </p:extLst>
+  </p:cSld>
+  <p:clrMapOvr>
+    <a:masterClrMapping/>
+  </p:clrMapOvr>
+</p:sld>
+</file>
+
+<file path=ppt/slides/slide14.xml><?xml version="1.0" encoding="utf-8"?>
+<p:sld xmlns:a="http://schemas.openxmlformats.org/drawingml/2006/main" xmlns:r="http://schemas.openxmlformats.org/officeDocument/2006/relationships" xmlns:p="http://schemas.openxmlformats.org/presentationml/2006/main">
+  <p:cSld>
+    <p:spTree>
+      <p:nvGrpSpPr>
+        <p:cNvPr id="1" name=""/>
+        <p:cNvGrpSpPr/>
+        <p:nvPr/>
+      </p:nvGrpSpPr>
+      <p:grpSpPr>
+        <a:xfrm>
+          <a:off x="0" y="0"/>
+          <a:ext cx="0" cy="0"/>
+          <a:chOff x="0" y="0"/>
+          <a:chExt cx="0" cy="0"/>
+        </a:xfrm>
+      </p:grpSpPr>
+      <p:sp>
+        <p:nvSpPr>
+          <p:cNvPr id="2" name="Title 1">
+            <a:extLst>
+              <a:ext uri="{FF2B5EF4-FFF2-40B4-BE49-F238E27FC236}">
+                <a16:creationId xmlns:a16="http://schemas.microsoft.com/office/drawing/2014/main" id="{1AB94B17-D897-476A-B91A-E3F99EC29230}"/>
+              </a:ext>
+            </a:extLst>
+          </p:cNvPr>
+          <p:cNvSpPr>
+            <a:spLocks noGrp="1"/>
+          </p:cNvSpPr>
+          <p:nvPr>
+            <p:ph type="title"/>
+          </p:nvPr>
+        </p:nvSpPr>
+        <p:spPr/>
+        <p:txBody>
+          <a:bodyPr/>
+          <a:lstStyle/>
+          <a:p>
+            <a:r>
+              <a:rPr lang="en-CA" dirty="0"/>
+              <a:t>Next steps</a:t>
+            </a:r>
+          </a:p>
+        </p:txBody>
+      </p:sp>
+      <p:sp>
+        <p:nvSpPr>
+          <p:cNvPr id="3" name="Content Placeholder 2">
+            <a:extLst>
+              <a:ext uri="{FF2B5EF4-FFF2-40B4-BE49-F238E27FC236}">
+                <a16:creationId xmlns:a16="http://schemas.microsoft.com/office/drawing/2014/main" id="{5FC8D6DC-5319-4E50-98E2-E32DF62079E3}"/>
+              </a:ext>
+            </a:extLst>
+          </p:cNvPr>
+          <p:cNvSpPr>
+            <a:spLocks noGrp="1"/>
+          </p:cNvSpPr>
+          <p:nvPr>
+            <p:ph idx="1"/>
+          </p:nvPr>
+        </p:nvSpPr>
+        <p:spPr/>
+        <p:txBody>
+          <a:bodyPr/>
+          <a:lstStyle/>
+          <a:p>
+            <a:r>
+              <a:rPr lang="en-CA" dirty="0"/>
+              <a:t>Need too perform more analysis, maybe separate economic and societal factors. Obtaining data for mental illness is also difficult and there isn't much data available.</a:t>
+            </a:r>
+          </a:p>
+          <a:p>
+            <a:r>
+              <a:rPr lang="en-CA" dirty="0"/>
+              <a:t>Compare data at a county level as opposed to the state level for more data points and a more </a:t>
+            </a:r>
+            <a:r>
+              <a:rPr lang="en-CA"/>
+              <a:t>accurate analysis</a:t>
+            </a:r>
+            <a:endParaRPr lang="en-CA" dirty="0"/>
+          </a:p>
+          <a:p>
+            <a:r>
+              <a:rPr lang="en-CA" dirty="0"/>
+              <a:t>Compare:</a:t>
+            </a:r>
+          </a:p>
+          <a:p>
+            <a:pPr lvl="1"/>
+            <a:r>
+              <a:rPr lang="en-CA" dirty="0"/>
+              <a:t>Suicide rates</a:t>
+            </a:r>
+          </a:p>
+          <a:p>
+            <a:pPr lvl="1"/>
+            <a:r>
+              <a:rPr lang="en-CA" dirty="0"/>
+              <a:t>Mental illness</a:t>
+            </a:r>
+          </a:p>
+          <a:p>
+            <a:pPr lvl="1"/>
+            <a:r>
+              <a:rPr lang="en-CA" dirty="0"/>
+              <a:t>Variables that may be driving both</a:t>
+            </a:r>
+          </a:p>
+        </p:txBody>
+      </p:sp>
+    </p:spTree>
+    <p:extLst>
+      <p:ext uri="{BB962C8B-B14F-4D97-AF65-F5344CB8AC3E}">
+        <p14:creationId xmlns:p14="http://schemas.microsoft.com/office/powerpoint/2010/main" val="2722548233"/>
       </p:ext>
     </p:extLst>
   </p:cSld>
@@ -6605,7 +8669,7 @@
           <p:cNvPr id="2" name="Title 1">
             <a:extLst>
               <a:ext uri="{FF2B5EF4-FFF2-40B4-BE49-F238E27FC236}">
-                <a16:creationId xmlns:a16="http://schemas.microsoft.com/office/drawing/2014/main" id="{571B0E1C-03B3-8F46-884E-0B80941C7108}"/>
+                <a16:creationId xmlns:a16="http://schemas.microsoft.com/office/drawing/2014/main" id="{868572E4-F1BE-4F73-9506-4CDC87F1738E}"/>
               </a:ext>
             </a:extLst>
           </p:cNvPr>
@@ -6616,19 +8680,14 @@
             <p:ph type="title"/>
           </p:nvPr>
         </p:nvSpPr>
-        <p:spPr>
-          <a:xfrm>
-            <a:off x="646111" y="452718"/>
-            <a:ext cx="9404723" cy="871990"/>
-          </a:xfrm>
-        </p:spPr>
-        <p:txBody>
-          <a:bodyPr/>
-          <a:lstStyle/>
-          <a:p>
-            <a:r>
-              <a:rPr lang="en-US" dirty="0"/>
-              <a:t>Objectives</a:t>
+        <p:spPr/>
+        <p:txBody>
+          <a:bodyPr/>
+          <a:lstStyle/>
+          <a:p>
+            <a:r>
+              <a:rPr lang="en-CA" dirty="0"/>
+              <a:t>Mental Health</a:t>
             </a:r>
           </a:p>
         </p:txBody>
@@ -6638,7 +8697,7 @@
           <p:cNvPr id="3" name="Content Placeholder 2">
             <a:extLst>
               <a:ext uri="{FF2B5EF4-FFF2-40B4-BE49-F238E27FC236}">
-                <a16:creationId xmlns:a16="http://schemas.microsoft.com/office/drawing/2014/main" id="{2655ADEA-F524-5D45-9579-D4B570EF6E96}"/>
+                <a16:creationId xmlns:a16="http://schemas.microsoft.com/office/drawing/2014/main" id="{C5574473-2D16-4DA7-929B-7185C5FEBFD9}"/>
               </a:ext>
             </a:extLst>
           </p:cNvPr>
@@ -6649,91 +8708,63 @@
             <p:ph idx="1"/>
           </p:nvPr>
         </p:nvSpPr>
-        <p:spPr>
-          <a:xfrm>
-            <a:off x="808892" y="1324708"/>
-            <a:ext cx="9240961" cy="4923692"/>
-          </a:xfrm>
-        </p:spPr>
+        <p:spPr/>
         <p:txBody>
           <a:bodyPr/>
           <a:lstStyle/>
           <a:p>
             <a:r>
               <a:rPr lang="en-CA" dirty="0"/>
-              <a:t>Study the prevalence of mental health issues in US and compare it with various socio-economic factors.</a:t>
+              <a:t>Mental illness refers to a wide range of conditions or disorders that affect your mood, thinking and behavior.</a:t>
+            </a:r>
+          </a:p>
+          <a:p>
+            <a:r>
+              <a:rPr lang="en-CA" dirty="0"/>
+              <a:t>Mental illness conditions:</a:t>
             </a:r>
           </a:p>
           <a:p>
             <a:pPr lvl="1"/>
             <a:r>
               <a:rPr lang="en-CA" dirty="0"/>
-              <a:t>Severity of mental health issues in various states in the US</a:t>
+              <a:t>Depression</a:t>
             </a:r>
           </a:p>
           <a:p>
             <a:pPr lvl="1"/>
             <a:r>
               <a:rPr lang="en-CA" dirty="0"/>
-              <a:t>% Population with mental health issues</a:t>
+              <a:t>Anxiety</a:t>
             </a:r>
           </a:p>
           <a:p>
             <a:pPr lvl="1"/>
             <a:r>
               <a:rPr lang="en-CA" dirty="0"/>
-              <a:t>Suicide Rates</a:t>
+              <a:t>Schizophrenia</a:t>
             </a:r>
           </a:p>
           <a:p>
             <a:pPr lvl="1"/>
             <a:r>
               <a:rPr lang="en-CA" dirty="0"/>
-              <a:t>Disposable Income</a:t>
+              <a:t>Eating disorders</a:t>
             </a:r>
           </a:p>
           <a:p>
             <a:pPr lvl="1"/>
             <a:r>
               <a:rPr lang="en-CA" dirty="0"/>
-              <a:t>GDP</a:t>
-            </a:r>
-          </a:p>
-          <a:p>
-            <a:pPr lvl="1"/>
-            <a:r>
-              <a:rPr lang="en-CA" dirty="0"/>
-              <a:t>Unemployment</a:t>
-            </a:r>
-          </a:p>
-          <a:p>
-            <a:pPr lvl="1"/>
-            <a:r>
-              <a:rPr lang="en-CA" dirty="0"/>
-              <a:t>Poverty</a:t>
-            </a:r>
-          </a:p>
-          <a:p>
-            <a:pPr lvl="1"/>
-            <a:r>
-              <a:rPr lang="en-CA" dirty="0"/>
-              <a:t>Presence of medical coverage</a:t>
-            </a:r>
-          </a:p>
-          <a:p>
-            <a:pPr lvl="1"/>
-            <a:endParaRPr lang="en-CA" dirty="0"/>
-          </a:p>
-          <a:p>
-            <a:pPr lvl="1"/>
-            <a:endParaRPr lang="en-CA" dirty="0"/>
+              <a:t>Addictive behaviours</a:t>
+            </a:r>
           </a:p>
         </p:txBody>
       </p:sp>
     </p:spTree>
     <p:extLst>
       <p:ext uri="{BB962C8B-B14F-4D97-AF65-F5344CB8AC3E}">
-        <p14:creationId xmlns:p14="http://schemas.microsoft.com/office/powerpoint/2010/main" val="3904233758"/>
+        <p14:creationId xmlns:p14="http://schemas.microsoft.com/office/powerpoint/2010/main" val="1529636779"/>
       </p:ext>
     </p:extLst>
   </p:cSld>
@@ -6765,7 +8796,7 @@
           <p:cNvPr id="2" name="Title 1">
             <a:extLst>
               <a:ext uri="{FF2B5EF4-FFF2-40B4-BE49-F238E27FC236}">
-                <a16:creationId xmlns:a16="http://schemas.microsoft.com/office/drawing/2014/main" id="{DE886F02-1799-4896-A55B-7F5D36377B24}"/>
+                <a16:creationId xmlns:a16="http://schemas.microsoft.com/office/drawing/2014/main" id="{571B0E1C-03B3-8F46-884E-0B80941C7108}"/>
               </a:ext>
             </a:extLst>
           </p:cNvPr>
@@ -6776,14 +8807,19 @@
             <p:ph type="title"/>
           </p:nvPr>
         </p:nvSpPr>
-        <p:spPr/>
-        <p:txBody>
-          <a:bodyPr/>
-          <a:lstStyle/>
-          <a:p>
-            <a:r>
-              <a:rPr lang="en-CA" dirty="0"/>
-              <a:t>Data sources</a:t>
+        <p:spPr>
+          <a:xfrm>
+            <a:off x="646111" y="452718"/>
+            <a:ext cx="9404723" cy="871990"/>
+          </a:xfrm>
+        </p:spPr>
+        <p:txBody>
+          <a:bodyPr/>
+          <a:lstStyle/>
+          <a:p>
+            <a:r>
+              <a:rPr lang="en-US" dirty="0"/>
+              <a:t>Objectives</a:t>
             </a:r>
           </a:p>
         </p:txBody>
@@ -6793,7 +8829,7 @@
           <p:cNvPr id="3" name="Content Placeholder 2">
             <a:extLst>
               <a:ext uri="{FF2B5EF4-FFF2-40B4-BE49-F238E27FC236}">
-                <a16:creationId xmlns:a16="http://schemas.microsoft.com/office/drawing/2014/main" id="{5D0A61D0-358A-42C2-8322-C861C1A7F0EE}"/>
+                <a16:creationId xmlns:a16="http://schemas.microsoft.com/office/drawing/2014/main" id="{2655ADEA-F524-5D45-9579-D4B570EF6E96}"/>
               </a:ext>
             </a:extLst>
           </p:cNvPr>
@@ -6804,23 +8840,40 @@
             <p:ph idx="1"/>
           </p:nvPr>
         </p:nvSpPr>
-        <p:spPr/>
-        <p:txBody>
-          <a:bodyPr>
-            <a:normAutofit fontScale="70000" lnSpcReduction="20000"/>
-          </a:bodyPr>
+        <p:spPr>
+          <a:xfrm>
+            <a:off x="808892" y="1324708"/>
+            <a:ext cx="9240961" cy="4923692"/>
+          </a:xfrm>
+        </p:spPr>
+        <p:txBody>
+          <a:bodyPr/>
           <a:lstStyle/>
           <a:p>
             <a:r>
               <a:rPr lang="en-CA" dirty="0"/>
-              <a:t>BEA (Bureau of Economic Analysis):</a:t>
+              <a:t>Study the prevalence of mental health issues in US and compare it with various socio-economic factors.</a:t>
             </a:r>
           </a:p>
           <a:p>
             <a:pPr lvl="1"/>
             <a:r>
               <a:rPr lang="en-CA" dirty="0"/>
-              <a:t>Personal income</a:t>
+              <a:t>Severity of mental health issues and the percentage of the US population that report mental health issues</a:t>
+            </a:r>
+          </a:p>
+          <a:p>
+            <a:pPr lvl="1"/>
+            <a:r>
+              <a:rPr lang="en-CA" dirty="0"/>
+              <a:t>Suicide Rates</a:t>
+            </a:r>
+          </a:p>
+          <a:p>
+            <a:pPr lvl="1"/>
+            <a:r>
+              <a:rPr lang="en-CA" dirty="0"/>
+              <a:t>Disposable Income</a:t>
             </a:r>
           </a:p>
           <a:p>
@@ -6831,25 +8884,6 @@
             </a:r>
           </a:p>
           <a:p>
-            <a:r>
-              <a:rPr lang="en-CA" dirty="0"/>
-              <a:t>CDC (Center for Disease Control and Prevention):</a:t>
-            </a:r>
-          </a:p>
-          <a:p>
-            <a:pPr lvl="1"/>
-            <a:r>
-              <a:rPr lang="en-CA" dirty="0"/>
-              <a:t>Suicide rates</a:t>
-            </a:r>
-          </a:p>
-          <a:p>
-            <a:r>
-              <a:rPr lang="en-CA" dirty="0"/>
-              <a:t>US Census Data</a:t>
-            </a:r>
-          </a:p>
-          <a:p>
             <a:pPr lvl="1"/>
             <a:r>
               <a:rPr lang="en-CA" dirty="0"/>
@@ -6860,47 +8894,14 @@
             <a:pPr lvl="1"/>
             <a:r>
               <a:rPr lang="en-CA" dirty="0"/>
-              <a:t>Poverty status</a:t>
+              <a:t>Poverty</a:t>
             </a:r>
           </a:p>
           <a:p>
             <a:pPr lvl="1"/>
             <a:r>
               <a:rPr lang="en-CA" dirty="0"/>
-              <a:t>Home ownership</a:t>
-            </a:r>
-          </a:p>
-          <a:p>
-            <a:pPr lvl="1"/>
-            <a:r>
-              <a:rPr lang="en-CA" dirty="0"/>
-              <a:t>Medical coverage status</a:t>
-            </a:r>
-          </a:p>
-          <a:p>
-            <a:r>
-              <a:rPr lang="en-CA" dirty="0"/>
-              <a:t>Data.gov:</a:t>
-            </a:r>
-          </a:p>
-          <a:p>
-            <a:pPr lvl="1"/>
-            <a:r>
-              <a:rPr lang="en-CA" dirty="0"/>
-              <a:t>Severity of mental illness by state</a:t>
-            </a:r>
-          </a:p>
-          <a:p>
-            <a:r>
-              <a:rPr lang="en-CA" dirty="0"/>
-              <a:t>SAMHDA (Substance Abuse and Mental Health Data Archive):</a:t>
-            </a:r>
-          </a:p>
-          <a:p>
-            <a:pPr lvl="1"/>
-            <a:r>
-              <a:rPr lang="en-CA" dirty="0"/>
-              <a:t>Mental illness by state</a:t>
+              <a:t>Presence of medical coverage</a:t>
             </a:r>
           </a:p>
           <a:p>
@@ -6908,6 +8909,7 @@
             <a:endParaRPr lang="en-CA" dirty="0"/>
           </a:p>
           <a:p>
+            <a:pPr lvl="1"/>
             <a:endParaRPr lang="en-CA" dirty="0"/>
           </a:p>
         </p:txBody>
@@ -6915,7 +8917,7 @@
     </p:spTree>
     <p:extLst>
       <p:ext uri="{BB962C8B-B14F-4D97-AF65-F5344CB8AC3E}">
-        <p14:creationId xmlns:p14="http://schemas.microsoft.com/office/powerpoint/2010/main" val="2090690541"/>
+        <p14:creationId xmlns:p14="http://schemas.microsoft.com/office/powerpoint/2010/main" val="3904233758"/>
       </p:ext>
     </p:extLst>
   </p:cSld>
@@ -6947,7 +8949,7 @@
           <p:cNvPr id="2" name="Title 1">
             <a:extLst>
               <a:ext uri="{FF2B5EF4-FFF2-40B4-BE49-F238E27FC236}">
-                <a16:creationId xmlns:a16="http://schemas.microsoft.com/office/drawing/2014/main" id="{05277E86-FD59-5F42-88D1-0629CFF58F06}"/>
+                <a16:creationId xmlns:a16="http://schemas.microsoft.com/office/drawing/2014/main" id="{DE886F02-1799-4896-A55B-7F5D36377B24}"/>
               </a:ext>
             </a:extLst>
           </p:cNvPr>
@@ -6964,8 +8966,8 @@
           <a:lstStyle/>
           <a:p>
             <a:r>
-              <a:rPr lang="en-US" dirty="0"/>
-              <a:t>Challenges</a:t>
+              <a:rPr lang="en-CA" dirty="0"/>
+              <a:t>Data sources</a:t>
             </a:r>
           </a:p>
         </p:txBody>
@@ -6975,7 +8977,7 @@
           <p:cNvPr id="3" name="Content Placeholder 2">
             <a:extLst>
               <a:ext uri="{FF2B5EF4-FFF2-40B4-BE49-F238E27FC236}">
-                <a16:creationId xmlns:a16="http://schemas.microsoft.com/office/drawing/2014/main" id="{48673D8E-4520-F845-9F12-5DD5C5FFC855}"/>
+                <a16:creationId xmlns:a16="http://schemas.microsoft.com/office/drawing/2014/main" id="{5D0A61D0-358A-42C2-8322-C861C1A7F0EE}"/>
               </a:ext>
             </a:extLst>
           </p:cNvPr>
@@ -6986,57 +8988,118 @@
             <p:ph idx="1"/>
           </p:nvPr>
         </p:nvSpPr>
-        <p:spPr>
-          <a:xfrm>
-            <a:off x="562708" y="1383324"/>
-            <a:ext cx="9487145" cy="4865076"/>
-          </a:xfrm>
-        </p:spPr>
-        <p:txBody>
-          <a:bodyPr/>
-          <a:lstStyle/>
-          <a:p>
-            <a:r>
-              <a:rPr lang="en-US" dirty="0"/>
-              <a:t>Data cleaning</a:t>
-            </a:r>
-          </a:p>
-          <a:p>
-            <a:r>
-              <a:rPr lang="en-US" dirty="0"/>
-              <a:t>Syntax familiarity</a:t>
-            </a:r>
-          </a:p>
-          <a:p>
-            <a:r>
-              <a:rPr lang="en-US" dirty="0"/>
-              <a:t>Learning new libraries</a:t>
-            </a:r>
-          </a:p>
-          <a:p>
-            <a:r>
-              <a:rPr lang="en-US" dirty="0"/>
-              <a:t>Finding data we can actually work with</a:t>
-            </a:r>
-          </a:p>
-          <a:p>
-            <a:r>
-              <a:rPr lang="en-US" dirty="0"/>
-              <a:t>Using API</a:t>
-            </a:r>
-          </a:p>
-          <a:p>
-            <a:r>
-              <a:rPr lang="en-US" dirty="0"/>
-              <a:t>Interpreting statistics</a:t>
-            </a:r>
+        <p:spPr/>
+        <p:txBody>
+          <a:bodyPr>
+            <a:normAutofit fontScale="70000" lnSpcReduction="20000"/>
+          </a:bodyPr>
+          <a:lstStyle/>
+          <a:p>
+            <a:r>
+              <a:rPr lang="en-CA" dirty="0"/>
+              <a:t>BEA (Bureau of Economic Analysis):</a:t>
+            </a:r>
+          </a:p>
+          <a:p>
+            <a:pPr lvl="1"/>
+            <a:r>
+              <a:rPr lang="en-CA" dirty="0"/>
+              <a:t>Personal income</a:t>
+            </a:r>
+          </a:p>
+          <a:p>
+            <a:pPr lvl="1"/>
+            <a:r>
+              <a:rPr lang="en-CA" dirty="0"/>
+              <a:t>GDP</a:t>
+            </a:r>
+          </a:p>
+          <a:p>
+            <a:r>
+              <a:rPr lang="en-CA" dirty="0"/>
+              <a:t>CDC (Center for Disease Control and Prevention):</a:t>
+            </a:r>
+          </a:p>
+          <a:p>
+            <a:pPr lvl="1"/>
+            <a:r>
+              <a:rPr lang="en-CA" dirty="0"/>
+              <a:t>Suicide rates</a:t>
+            </a:r>
+          </a:p>
+          <a:p>
+            <a:r>
+              <a:rPr lang="en-CA" dirty="0"/>
+              <a:t>US Census Data</a:t>
+            </a:r>
+          </a:p>
+          <a:p>
+            <a:pPr lvl="1"/>
+            <a:r>
+              <a:rPr lang="en-CA" dirty="0"/>
+              <a:t>Unemployment</a:t>
+            </a:r>
+          </a:p>
+          <a:p>
+            <a:pPr lvl="1"/>
+            <a:r>
+              <a:rPr lang="en-CA" dirty="0"/>
+              <a:t>Poverty status</a:t>
+            </a:r>
+          </a:p>
+          <a:p>
+            <a:pPr lvl="1"/>
+            <a:r>
+              <a:rPr lang="en-CA" dirty="0"/>
+              <a:t>Home ownership</a:t>
+            </a:r>
+          </a:p>
+          <a:p>
+            <a:pPr lvl="1"/>
+            <a:r>
+              <a:rPr lang="en-CA" dirty="0"/>
+              <a:t>Medical coverage status</a:t>
+            </a:r>
+          </a:p>
+          <a:p>
+            <a:r>
+              <a:rPr lang="en-CA" dirty="0"/>
+              <a:t>Data.gov:</a:t>
+            </a:r>
+          </a:p>
+          <a:p>
+            <a:pPr lvl="1"/>
+            <a:r>
+              <a:rPr lang="en-CA" dirty="0"/>
+              <a:t>Severity of mental illness by state</a:t>
+            </a:r>
+          </a:p>
+          <a:p>
+            <a:r>
+              <a:rPr lang="en-CA" dirty="0"/>
+              <a:t>SAMHDA (Substance Abuse and Mental Health Data Archive):</a:t>
+            </a:r>
+          </a:p>
+          <a:p>
+            <a:pPr lvl="1"/>
+            <a:r>
+              <a:rPr lang="en-CA" dirty="0"/>
+              <a:t>Mental illness by state</a:t>
+            </a:r>
+          </a:p>
+          <a:p>
+            <a:pPr lvl="1"/>
+            <a:endParaRPr lang="en-CA" dirty="0"/>
+          </a:p>
+          <a:p>
+            <a:endParaRPr lang="en-CA" dirty="0"/>
           </a:p>
         </p:txBody>
       </p:sp>
     </p:spTree>
     <p:extLst>
       <p:ext uri="{BB962C8B-B14F-4D97-AF65-F5344CB8AC3E}">
-        <p14:creationId xmlns:p14="http://schemas.microsoft.com/office/powerpoint/2010/main" val="1238574187"/>
+        <p14:creationId xmlns:p14="http://schemas.microsoft.com/office/powerpoint/2010/main" val="2090690541"/>
       </p:ext>
     </p:extLst>
   </p:cSld>
@@ -7068,7 +9131,7 @@
           <p:cNvPr id="2" name="Title 1">
             <a:extLst>
               <a:ext uri="{FF2B5EF4-FFF2-40B4-BE49-F238E27FC236}">
-                <a16:creationId xmlns:a16="http://schemas.microsoft.com/office/drawing/2014/main" id="{464F1213-4A3A-4440-8B25-291F07144364}"/>
+                <a16:creationId xmlns:a16="http://schemas.microsoft.com/office/drawing/2014/main" id="{05277E86-FD59-5F42-88D1-0629CFF58F06}"/>
               </a:ext>
             </a:extLst>
           </p:cNvPr>
@@ -7085,8 +9148,8 @@
           <a:lstStyle/>
           <a:p>
             <a:r>
-              <a:rPr lang="en-CA" dirty="0"/>
-              <a:t>Interactive map of Mental Health in the US by State</a:t>
+              <a:rPr lang="en-US" dirty="0"/>
+              <a:t>Challenges</a:t>
             </a:r>
           </a:p>
         </p:txBody>
@@ -7096,7 +9159,7 @@
           <p:cNvPr id="3" name="Content Placeholder 2">
             <a:extLst>
               <a:ext uri="{FF2B5EF4-FFF2-40B4-BE49-F238E27FC236}">
-                <a16:creationId xmlns:a16="http://schemas.microsoft.com/office/drawing/2014/main" id="{11D862EC-8861-4C17-9992-D69ECE7D8BCE}"/>
+                <a16:creationId xmlns:a16="http://schemas.microsoft.com/office/drawing/2014/main" id="{48673D8E-4520-F845-9F12-5DD5C5FFC855}"/>
               </a:ext>
             </a:extLst>
           </p:cNvPr>
@@ -7107,44 +9170,55 @@
             <p:ph idx="1"/>
           </p:nvPr>
         </p:nvSpPr>
-        <p:spPr/>
-        <p:txBody>
-          <a:bodyPr/>
-          <a:lstStyle/>
-          <a:p>
-            <a:r>
-              <a:rPr lang="en-CA" dirty="0">
-                <a:hlinkClick r:id="rId2" action="ppaction://hlinkfile"/>
-              </a:rPr>
-              <a:t>Link</a:t>
-            </a:r>
-            <a:endParaRPr lang="en-CA" dirty="0"/>
-          </a:p>
-          <a:p>
-            <a:r>
-              <a:rPr lang="en-CA" dirty="0"/>
-              <a:t>States with highest severity:</a:t>
-            </a:r>
-          </a:p>
-          <a:p>
-            <a:pPr lvl="1"/>
-            <a:r>
-              <a:rPr lang="en-CA" dirty="0"/>
-              <a:t>Oregon</a:t>
-            </a:r>
-          </a:p>
-          <a:p>
-            <a:pPr lvl="1"/>
-            <a:r>
-              <a:rPr lang="en-CA" dirty="0"/>
-              <a:t>Alabama</a:t>
-            </a:r>
-          </a:p>
-          <a:p>
-            <a:pPr lvl="1"/>
-            <a:r>
-              <a:rPr lang="en-CA" dirty="0"/>
-              <a:t>Kentucky</a:t>
+        <p:spPr>
+          <a:xfrm>
+            <a:off x="562708" y="1383324"/>
+            <a:ext cx="9487145" cy="4865076"/>
+          </a:xfrm>
+        </p:spPr>
+        <p:txBody>
+          <a:bodyPr/>
+          <a:lstStyle/>
+          <a:p>
+            <a:r>
+              <a:rPr lang="en-US" dirty="0"/>
+              <a:t>Data cleaning</a:t>
+            </a:r>
+          </a:p>
+          <a:p>
+            <a:r>
+              <a:rPr lang="en-US" dirty="0"/>
+              <a:t>Syntax familiarity</a:t>
+            </a:r>
+          </a:p>
+          <a:p>
+            <a:r>
+              <a:rPr lang="en-US" dirty="0"/>
+              <a:t>Using new libraries</a:t>
+            </a:r>
+          </a:p>
+          <a:p>
+            <a:r>
+              <a:rPr lang="en-US" dirty="0"/>
+              <a:t>Availability of data</a:t>
+            </a:r>
+          </a:p>
+          <a:p>
+            <a:r>
+              <a:rPr lang="en-US" dirty="0"/>
+              <a:t>Finding mergeable/comparable data</a:t>
+            </a:r>
+          </a:p>
+          <a:p>
+            <a:r>
+              <a:rPr lang="en-US" dirty="0"/>
+              <a:t>Using APIs</a:t>
+            </a:r>
+          </a:p>
+          <a:p>
+            <a:r>
+              <a:rPr lang="en-US" dirty="0"/>
+              <a:t>Interpreting results</a:t>
             </a:r>
           </a:p>
         </p:txBody>
@@ -7152,7 +9226,7 @@
     </p:spTree>
     <p:extLst>
       <p:ext uri="{BB962C8B-B14F-4D97-AF65-F5344CB8AC3E}">
-        <p14:creationId xmlns:p14="http://schemas.microsoft.com/office/powerpoint/2010/main" val="2223817716"/>
+        <p14:creationId xmlns:p14="http://schemas.microsoft.com/office/powerpoint/2010/main" val="1238574187"/>
       </p:ext>
     </p:extLst>
   </p:cSld>
@@ -7184,6 +9258,122 @@
           <p:cNvPr id="2" name="Title 1">
             <a:extLst>
               <a:ext uri="{FF2B5EF4-FFF2-40B4-BE49-F238E27FC236}">
+                <a16:creationId xmlns:a16="http://schemas.microsoft.com/office/drawing/2014/main" id="{464F1213-4A3A-4440-8B25-291F07144364}"/>
+              </a:ext>
+            </a:extLst>
+          </p:cNvPr>
+          <p:cNvSpPr>
+            <a:spLocks noGrp="1"/>
+          </p:cNvSpPr>
+          <p:nvPr>
+            <p:ph type="title"/>
+          </p:nvPr>
+        </p:nvSpPr>
+        <p:spPr/>
+        <p:txBody>
+          <a:bodyPr/>
+          <a:lstStyle/>
+          <a:p>
+            <a:r>
+              <a:rPr lang="en-CA" dirty="0"/>
+              <a:t>Interactive map of Mental Health in the US by State</a:t>
+            </a:r>
+          </a:p>
+        </p:txBody>
+      </p:sp>
+      <p:sp>
+        <p:nvSpPr>
+          <p:cNvPr id="3" name="Content Placeholder 2">
+            <a:extLst>
+              <a:ext uri="{FF2B5EF4-FFF2-40B4-BE49-F238E27FC236}">
+                <a16:creationId xmlns:a16="http://schemas.microsoft.com/office/drawing/2014/main" id="{11D862EC-8861-4C17-9992-D69ECE7D8BCE}"/>
+              </a:ext>
+            </a:extLst>
+          </p:cNvPr>
+          <p:cNvSpPr>
+            <a:spLocks noGrp="1"/>
+          </p:cNvSpPr>
+          <p:nvPr>
+            <p:ph idx="1"/>
+          </p:nvPr>
+        </p:nvSpPr>
+        <p:spPr/>
+        <p:txBody>
+          <a:bodyPr/>
+          <a:lstStyle/>
+          <a:p>
+            <a:r>
+              <a:rPr lang="en-CA" dirty="0">
+                <a:hlinkClick r:id="rId3" action="ppaction://hlinkfile"/>
+              </a:rPr>
+              <a:t>Link</a:t>
+            </a:r>
+            <a:endParaRPr lang="en-CA" dirty="0"/>
+          </a:p>
+          <a:p>
+            <a:r>
+              <a:rPr lang="en-CA" dirty="0"/>
+              <a:t>States with the highest severity:</a:t>
+            </a:r>
+          </a:p>
+          <a:p>
+            <a:pPr lvl="1"/>
+            <a:r>
+              <a:rPr lang="en-CA" dirty="0"/>
+              <a:t>Oregon</a:t>
+            </a:r>
+          </a:p>
+          <a:p>
+            <a:pPr lvl="1"/>
+            <a:r>
+              <a:rPr lang="en-CA" dirty="0"/>
+              <a:t>Alabama</a:t>
+            </a:r>
+          </a:p>
+          <a:p>
+            <a:pPr lvl="1"/>
+            <a:r>
+              <a:rPr lang="en-CA" dirty="0"/>
+              <a:t>Kentucky</a:t>
+            </a:r>
+          </a:p>
+        </p:txBody>
+      </p:sp>
+    </p:spTree>
+    <p:extLst>
+      <p:ext uri="{BB962C8B-B14F-4D97-AF65-F5344CB8AC3E}">
+        <p14:creationId xmlns:p14="http://schemas.microsoft.com/office/powerpoint/2010/main" val="2223817716"/>
+      </p:ext>
+    </p:extLst>
+  </p:cSld>
+  <p:clrMapOvr>
+    <a:masterClrMapping/>
+  </p:clrMapOvr>
+</p:sld>
+</file>
+
+<file path=ppt/slides/slide7.xml><?xml version="1.0" encoding="utf-8"?>
+<p:sld xmlns:a="http://schemas.openxmlformats.org/drawingml/2006/main" xmlns:r="http://schemas.openxmlformats.org/officeDocument/2006/relationships" xmlns:p="http://schemas.openxmlformats.org/presentationml/2006/main">
+  <p:cSld>
+    <p:spTree>
+      <p:nvGrpSpPr>
+        <p:cNvPr id="1" name=""/>
+        <p:cNvGrpSpPr/>
+        <p:nvPr/>
+      </p:nvGrpSpPr>
+      <p:grpSpPr>
+        <a:xfrm>
+          <a:off x="0" y="0"/>
+          <a:ext cx="0" cy="0"/>
+          <a:chOff x="0" y="0"/>
+          <a:chExt cx="0" cy="0"/>
+        </a:xfrm>
+      </p:grpSpPr>
+      <p:sp>
+        <p:nvSpPr>
+          <p:cNvPr id="2" name="Title 1">
+            <a:extLst>
+              <a:ext uri="{FF2B5EF4-FFF2-40B4-BE49-F238E27FC236}">
                 <a16:creationId xmlns:a16="http://schemas.microsoft.com/office/drawing/2014/main" id="{05277E86-FD59-5F42-88D1-0629CFF58F06}"/>
               </a:ext>
             </a:extLst>
@@ -7222,7 +9412,7 @@
           <p:nvPr/>
         </p:nvPicPr>
         <p:blipFill>
-          <a:blip r:embed="rId2"/>
+          <a:blip r:embed="rId3"/>
           <a:stretch>
             <a:fillRect/>
           </a:stretch>
@@ -7252,7 +9442,7 @@
           <p:nvPr/>
         </p:nvPicPr>
         <p:blipFill>
-          <a:blip r:embed="rId3"/>
+          <a:blip r:embed="rId4"/>
           <a:stretch>
             <a:fillRect/>
           </a:stretch>
@@ -7315,7 +9505,7 @@
 </p:sld>
 </file>
 
-<file path=ppt/slides/slide7.xml><?xml version="1.0" encoding="utf-8"?>
+<file path=ppt/slides/slide8.xml><?xml version="1.0" encoding="utf-8"?>
 <p:sld xmlns:a="http://schemas.openxmlformats.org/drawingml/2006/main" xmlns:r="http://schemas.openxmlformats.org/officeDocument/2006/relationships" xmlns:p="http://schemas.openxmlformats.org/presentationml/2006/main">
   <p:cSld>
     <p:spTree>
@@ -7377,7 +9567,7 @@
           </p:nvPr>
         </p:nvPicPr>
         <p:blipFill>
-          <a:blip r:embed="rId2"/>
+          <a:blip r:embed="rId3"/>
           <a:stretch>
             <a:fillRect/>
           </a:stretch>
@@ -7474,7 +9664,7 @@
           <p:nvPr/>
         </p:nvPicPr>
         <p:blipFill rotWithShape="1">
-          <a:blip r:embed="rId3"/>
+          <a:blip r:embed="rId4"/>
           <a:srcRect t="43627" b="10232"/>
           <a:stretch/>
         </p:blipFill>
@@ -7501,201 +9691,6 @@
 </p:sld>
 </file>
 
-<file path=ppt/slides/slide8.xml><?xml version="1.0" encoding="utf-8"?>
-<p:sld xmlns:a="http://schemas.openxmlformats.org/drawingml/2006/main" xmlns:r="http://schemas.openxmlformats.org/officeDocument/2006/relationships" xmlns:p="http://schemas.openxmlformats.org/presentationml/2006/main">
-  <p:cSld>
-    <p:spTree>
-      <p:nvGrpSpPr>
-        <p:cNvPr id="1" name=""/>
-        <p:cNvGrpSpPr/>
-        <p:nvPr/>
-      </p:nvGrpSpPr>
-      <p:grpSpPr>
-        <a:xfrm>
-          <a:off x="0" y="0"/>
-          <a:ext cx="0" cy="0"/>
-          <a:chOff x="0" y="0"/>
-          <a:chExt cx="0" cy="0"/>
-        </a:xfrm>
-      </p:grpSpPr>
-      <p:sp>
-        <p:nvSpPr>
-          <p:cNvPr id="2" name="Title 1">
-            <a:extLst>
-              <a:ext uri="{FF2B5EF4-FFF2-40B4-BE49-F238E27FC236}">
-                <a16:creationId xmlns:a16="http://schemas.microsoft.com/office/drawing/2014/main" id="{1E364593-785A-4841-9E39-74FCCFF74020}"/>
-              </a:ext>
-            </a:extLst>
-          </p:cNvPr>
-          <p:cNvSpPr>
-            <a:spLocks noGrp="1"/>
-          </p:cNvSpPr>
-          <p:nvPr>
-            <p:ph type="title"/>
-          </p:nvPr>
-        </p:nvSpPr>
-        <p:spPr/>
-        <p:txBody>
-          <a:bodyPr/>
-          <a:lstStyle/>
-          <a:p>
-            <a:r>
-              <a:rPr lang="en-US" dirty="0"/>
-              <a:t>Mental Illness and Income</a:t>
-            </a:r>
-          </a:p>
-        </p:txBody>
-      </p:sp>
-      <p:pic>
-        <p:nvPicPr>
-          <p:cNvPr id="9" name="Content Placeholder 8">
-            <a:extLst>
-              <a:ext uri="{FF2B5EF4-FFF2-40B4-BE49-F238E27FC236}">
-                <a16:creationId xmlns:a16="http://schemas.microsoft.com/office/drawing/2014/main" id="{9FA5348A-F337-724D-99D8-1623AF74E7A0}"/>
-              </a:ext>
-            </a:extLst>
-          </p:cNvPr>
-          <p:cNvPicPr>
-            <a:picLocks noGrp="1" noChangeAspect="1"/>
-          </p:cNvPicPr>
-          <p:nvPr>
-            <p:ph idx="1"/>
-          </p:nvPr>
-        </p:nvPicPr>
-        <p:blipFill>
-          <a:blip r:embed="rId2"/>
-          <a:stretch>
-            <a:fillRect/>
-          </a:stretch>
-        </p:blipFill>
-        <p:spPr>
-          <a:xfrm>
-            <a:off x="485844" y="1594228"/>
-            <a:ext cx="7074033" cy="4716022"/>
-          </a:xfrm>
-        </p:spPr>
-      </p:pic>
-      <p:sp>
-        <p:nvSpPr>
-          <p:cNvPr id="6" name="TextBox 5">
-            <a:extLst>
-              <a:ext uri="{FF2B5EF4-FFF2-40B4-BE49-F238E27FC236}">
-                <a16:creationId xmlns:a16="http://schemas.microsoft.com/office/drawing/2014/main" id="{4663E410-AC8D-C84D-A001-FD2830B27157}"/>
-              </a:ext>
-            </a:extLst>
-          </p:cNvPr>
-          <p:cNvSpPr txBox="1"/>
-          <p:nvPr/>
-        </p:nvSpPr>
-        <p:spPr>
-          <a:xfrm>
-            <a:off x="7716131" y="1703327"/>
-            <a:ext cx="3179299" cy="1754326"/>
-          </a:xfrm>
-          <a:prstGeom prst="rect">
-            <a:avLst/>
-          </a:prstGeom>
-          <a:noFill/>
-        </p:spPr>
-        <p:txBody>
-          <a:bodyPr wrap="square" rtlCol="0">
-            <a:spAutoFit/>
-          </a:bodyPr>
-          <a:lstStyle/>
-          <a:p>
-            <a:r>
-              <a:rPr lang="en-US" dirty="0"/>
-              <a:t>Weak negative correlation- States with higher income have lower percentage of population with mental illness.</a:t>
-            </a:r>
-          </a:p>
-          <a:p>
-            <a:endParaRPr lang="en-US" dirty="0"/>
-          </a:p>
-        </p:txBody>
-      </p:sp>
-      <p:sp>
-        <p:nvSpPr>
-          <p:cNvPr id="7" name="TextBox 6">
-            <a:extLst>
-              <a:ext uri="{FF2B5EF4-FFF2-40B4-BE49-F238E27FC236}">
-                <a16:creationId xmlns:a16="http://schemas.microsoft.com/office/drawing/2014/main" id="{A46E8627-3399-0349-99A0-6ABBCCADEEFE}"/>
-              </a:ext>
-            </a:extLst>
-          </p:cNvPr>
-          <p:cNvSpPr txBox="1"/>
-          <p:nvPr/>
-        </p:nvSpPr>
-        <p:spPr>
-          <a:xfrm>
-            <a:off x="7716131" y="3305908"/>
-            <a:ext cx="3038622" cy="646331"/>
-          </a:xfrm>
-          <a:prstGeom prst="rect">
-            <a:avLst/>
-          </a:prstGeom>
-          <a:noFill/>
-        </p:spPr>
-        <p:txBody>
-          <a:bodyPr wrap="square" rtlCol="0">
-            <a:spAutoFit/>
-          </a:bodyPr>
-          <a:lstStyle/>
-          <a:p>
-            <a:r>
-              <a:rPr lang="en-US" dirty="0"/>
-              <a:t>Correlation coefficient: </a:t>
-            </a:r>
-          </a:p>
-          <a:p>
-            <a:r>
-              <a:rPr lang="en-US" dirty="0"/>
-              <a:t>-0.25</a:t>
-            </a:r>
-          </a:p>
-        </p:txBody>
-      </p:sp>
-      <p:pic>
-        <p:nvPicPr>
-          <p:cNvPr id="3" name="Picture 2">
-            <a:extLst>
-              <a:ext uri="{FF2B5EF4-FFF2-40B4-BE49-F238E27FC236}">
-                <a16:creationId xmlns:a16="http://schemas.microsoft.com/office/drawing/2014/main" id="{6052D936-5489-364A-BFA5-FD08473CBA9A}"/>
-              </a:ext>
-            </a:extLst>
-          </p:cNvPr>
-          <p:cNvPicPr>
-            <a:picLocks noChangeAspect="1"/>
-          </p:cNvPicPr>
-          <p:nvPr/>
-        </p:nvPicPr>
-        <p:blipFill rotWithShape="1">
-          <a:blip r:embed="rId3"/>
-          <a:srcRect t="43627" b="10232"/>
-          <a:stretch/>
-        </p:blipFill>
-        <p:spPr>
-          <a:xfrm>
-            <a:off x="7708663" y="4154289"/>
-            <a:ext cx="4051300" cy="1400531"/>
-          </a:xfrm>
-          <a:prstGeom prst="rect">
-            <a:avLst/>
-          </a:prstGeom>
-        </p:spPr>
-      </p:pic>
-    </p:spTree>
-    <p:extLst>
-      <p:ext uri="{BB962C8B-B14F-4D97-AF65-F5344CB8AC3E}">
-        <p14:creationId xmlns:p14="http://schemas.microsoft.com/office/powerpoint/2010/main" val="1095383657"/>
-      </p:ext>
-    </p:extLst>
-  </p:cSld>
-  <p:clrMapOvr>
-    <a:masterClrMapping/>
-  </p:clrMapOvr>
-</p:sld>
-</file>
-
 <file path=ppt/slides/slide9.xml><?xml version="1.0" encoding="utf-8"?>
 <p:sld xmlns:a="http://schemas.openxmlformats.org/drawingml/2006/main" xmlns:r="http://schemas.openxmlformats.org/officeDocument/2006/relationships" xmlns:p="http://schemas.openxmlformats.org/presentationml/2006/main">
   <p:cSld>
@@ -7736,7 +9731,7 @@
           <a:p>
             <a:r>
               <a:rPr lang="en-US" dirty="0"/>
-              <a:t>Mental Illness and GDP</a:t>
+              <a:t>Mental Illness and Income</a:t>
             </a:r>
           </a:p>
         </p:txBody>
@@ -7746,7 +9741,7 @@
           <p:cNvPr id="9" name="Content Placeholder 8">
             <a:extLst>
               <a:ext uri="{FF2B5EF4-FFF2-40B4-BE49-F238E27FC236}">
-                <a16:creationId xmlns:a16="http://schemas.microsoft.com/office/drawing/2014/main" id="{C300685A-6293-DF46-BE93-81EE86E08506}"/>
+                <a16:creationId xmlns:a16="http://schemas.microsoft.com/office/drawing/2014/main" id="{9FA5348A-F337-724D-99D8-1623AF74E7A0}"/>
               </a:ext>
             </a:extLst>
           </p:cNvPr>
@@ -7758,15 +9753,15 @@
           </p:nvPr>
         </p:nvPicPr>
         <p:blipFill>
-          <a:blip r:embed="rId2"/>
+          <a:blip r:embed="rId3"/>
           <a:stretch>
             <a:fillRect/>
           </a:stretch>
         </p:blipFill>
         <p:spPr>
           <a:xfrm>
-            <a:off x="537827" y="1581991"/>
-            <a:ext cx="7110744" cy="4740496"/>
+            <a:off x="485844" y="1594228"/>
+            <a:ext cx="7074033" cy="4716022"/>
           </a:xfrm>
         </p:spPr>
       </p:pic>
@@ -7784,8 +9779,8 @@
         </p:nvSpPr>
         <p:spPr>
           <a:xfrm>
-            <a:off x="7786470" y="1703327"/>
-            <a:ext cx="3425482" cy="1477328"/>
+            <a:off x="7716131" y="1703327"/>
+            <a:ext cx="3179299" cy="1754326"/>
           </a:xfrm>
           <a:prstGeom prst="rect">
             <a:avLst/>
@@ -7800,8 +9795,11 @@
           <a:p>
             <a:r>
               <a:rPr lang="en-US" dirty="0"/>
-              <a:t>Weak negative correlation- States with lower percentage of population with mental illness have higher GDP.</a:t>
-            </a:r>
+              <a:t>Weak negative correlation- States with higher income have lower percentage of population with mental illness.</a:t>
+            </a:r>
+          </a:p>
+          <a:p>
+            <a:endParaRPr lang="en-US" dirty="0"/>
           </a:p>
         </p:txBody>
       </p:sp>
@@ -7819,7 +9817,7 @@
         </p:nvSpPr>
         <p:spPr>
           <a:xfrm>
-            <a:off x="7786469" y="3305908"/>
+            <a:off x="7716131" y="3305908"/>
             <a:ext cx="3038622" cy="646331"/>
           </a:xfrm>
           <a:prstGeom prst="rect">
@@ -7841,44 +9839,15 @@
           <a:p>
             <a:r>
               <a:rPr lang="en-US" dirty="0"/>
-              <a:t>-0.31</a:t>
-            </a:r>
-          </a:p>
-        </p:txBody>
-      </p:sp>
-      <p:pic>
-        <p:nvPicPr>
-          <p:cNvPr id="8" name="Picture 7">
-            <a:extLst>
-              <a:ext uri="{FF2B5EF4-FFF2-40B4-BE49-F238E27FC236}">
-                <a16:creationId xmlns:a16="http://schemas.microsoft.com/office/drawing/2014/main" id="{788EACC7-7E3B-6147-942D-E27EFEE33090}"/>
-              </a:ext>
-            </a:extLst>
-          </p:cNvPr>
-          <p:cNvPicPr>
-            <a:picLocks noChangeAspect="1"/>
-          </p:cNvPicPr>
-          <p:nvPr/>
-        </p:nvPicPr>
-        <p:blipFill rotWithShape="1">
-          <a:blip r:embed="rId3"/>
-          <a:srcRect t="43627" b="10232"/>
-          <a:stretch/>
-        </p:blipFill>
-        <p:spPr>
-          <a:xfrm>
-            <a:off x="7779001" y="4166012"/>
-            <a:ext cx="4051300" cy="1400531"/>
-          </a:xfrm>
-          <a:prstGeom prst="rect">
-            <a:avLst/>
-          </a:prstGeom>
-        </p:spPr>
-      </p:pic>
+              <a:t>-0.25</a:t>
+            </a:r>
+          </a:p>
+        </p:txBody>
+      </p:sp>
     </p:spTree>
     <p:extLst>
       <p:ext uri="{BB962C8B-B14F-4D97-AF65-F5344CB8AC3E}">
-        <p14:creationId xmlns:p14="http://schemas.microsoft.com/office/powerpoint/2010/main" val="3969251231"/>
+        <p14:creationId xmlns:p14="http://schemas.microsoft.com/office/powerpoint/2010/main" val="1095383657"/>
       </p:ext>
     </p:extLst>
   </p:cSld>
@@ -8152,4 +10121,299 @@
     </a:ext>
   </a:extLst>
 </a:theme>
+</file>
+
+<file path=ppt/theme/theme2.xml><?xml version="1.0" encoding="utf-8"?>
+<a:theme xmlns:a="http://schemas.openxmlformats.org/drawingml/2006/main" name="Office Theme">
+  <a:themeElements>
+    <a:clrScheme name="Office">
+      <a:dk1>
+        <a:sysClr val="windowText" lastClr="000000"/>
+      </a:dk1>
+      <a:lt1>
+        <a:sysClr val="window" lastClr="FFFFFF"/>
+      </a:lt1>
+      <a:dk2>
+        <a:srgbClr val="44546A"/>
+      </a:dk2>
+      <a:lt2>
+        <a:srgbClr val="E7E6E6"/>
+      </a:lt2>
+      <a:accent1>
+        <a:srgbClr val="4472C4"/>
+      </a:accent1>
+      <a:accent2>
+        <a:srgbClr val="ED7D31"/>
+      </a:accent2>
+      <a:accent3>
+        <a:srgbClr val="A5A5A5"/>
+      </a:accent3>
+      <a:accent4>
+        <a:srgbClr val="FFC000"/>
+      </a:accent4>
+      <a:accent5>
+        <a:srgbClr val="5B9BD5"/>
+      </a:accent5>
+      <a:accent6>
+        <a:srgbClr val="70AD47"/>
+      </a:accent6>
+      <a:hlink>
+        <a:srgbClr val="0563C1"/>
+      </a:hlink>
+      <a:folHlink>
+        <a:srgbClr val="954F72"/>
+      </a:folHlink>
+    </a:clrScheme>
+    <a:fontScheme name="Office">
+      <a:majorFont>
+        <a:latin typeface="Calibri Light" panose="020F0302020204030204"/>
+        <a:ea typeface=""/>
+        <a:cs typeface=""/>
+        <a:font script="Jpan" typeface="游ゴシック Light"/>
+        <a:font script="Hang" typeface="맑은 고딕"/>
+        <a:font script="Hans" typeface="等线 Light"/>
+        <a:font script="Hant" typeface="新細明體"/>
+        <a:font script="Arab" typeface="Times New Roman"/>
+        <a:font script="Hebr" typeface="Times New Roman"/>
+        <a:font script="Thai" typeface="Angsana New"/>
+        <a:font script="Ethi" typeface="Nyala"/>
+        <a:font script="Beng" typeface="Vrinda"/>
+        <a:font script="Gujr" typeface="Shruti"/>
+        <a:font script="Khmr" typeface="MoolBoran"/>
+        <a:font script="Knda" typeface="Tunga"/>
+        <a:font script="Guru" typeface="Raavi"/>
+        <a:font script="Cans" typeface="Euphemia"/>
+        <a:font script="Cher" typeface="Plantagenet Cherokee"/>
+        <a:font script="Yiii" typeface="Microsoft Yi Baiti"/>
+        <a:font script="Tibt" typeface="Microsoft Himalaya"/>
+        <a:font script="Thaa" typeface="MV Boli"/>
+        <a:font script="Deva" typeface="Mangal"/>
+        <a:font script="Telu" typeface="Gautami"/>
+        <a:font script="Taml" typeface="Latha"/>
+        <a:font script="Syrc" typeface="Estrangelo Edessa"/>
+        <a:font script="Orya" typeface="Kalinga"/>
+        <a:font script="Mlym" typeface="Kartika"/>
+        <a:font script="Laoo" typeface="DokChampa"/>
+        <a:font script="Sinh" typeface="Iskoola Pota"/>
+        <a:font script="Mong" typeface="Mongolian Baiti"/>
+        <a:font script="Viet" typeface="Times New Roman"/>
+        <a:font script="Uigh" typeface="Microsoft Uighur"/>
+        <a:font script="Geor" typeface="Sylfaen"/>
+        <a:font script="Armn" typeface="Arial"/>
+        <a:font script="Bugi" typeface="Leelawadee UI"/>
+        <a:font script="Bopo" typeface="Microsoft JhengHei"/>
+        <a:font script="Java" typeface="Javanese Text"/>
+        <a:font script="Lisu" typeface="Segoe UI"/>
+        <a:font script="Mymr" typeface="Myanmar Text"/>
+        <a:font script="Nkoo" typeface="Ebrima"/>
+        <a:font script="Olck" typeface="Nirmala UI"/>
+        <a:font script="Osma" typeface="Ebrima"/>
+        <a:font script="Phag" typeface="Phagspa"/>
+        <a:font script="Syrn" typeface="Estrangelo Edessa"/>
+        <a:font script="Syrj" typeface="Estrangelo Edessa"/>
+        <a:font script="Syre" typeface="Estrangelo Edessa"/>
+        <a:font script="Sora" typeface="Nirmala UI"/>
+        <a:font script="Tale" typeface="Microsoft Tai Le"/>
+        <a:font script="Talu" typeface="Microsoft New Tai Lue"/>
+        <a:font script="Tfng" typeface="Ebrima"/>
+      </a:majorFont>
+      <a:minorFont>
+        <a:latin typeface="Calibri" panose="020F0502020204030204"/>
+        <a:ea typeface=""/>
+        <a:cs typeface=""/>
+        <a:font script="Jpan" typeface="游ゴシック"/>
+        <a:font script="Hang" typeface="맑은 고딕"/>
+        <a:font script="Hans" typeface="等线"/>
+        <a:font script="Hant" typeface="新細明體"/>
+        <a:font script="Arab" typeface="Arial"/>
+        <a:font script="Hebr" typeface="Arial"/>
+        <a:font script="Thai" typeface="Cordia New"/>
+        <a:font script="Ethi" typeface="Nyala"/>
+        <a:font script="Beng" typeface="Vrinda"/>
+        <a:font script="Gujr" typeface="Shruti"/>
+        <a:font script="Khmr" typeface="DaunPenh"/>
+        <a:font script="Knda" typeface="Tunga"/>
+        <a:font script="Guru" typeface="Raavi"/>
+        <a:font script="Cans" typeface="Euphemia"/>
+        <a:font script="Cher" typeface="Plantagenet Cherokee"/>
+        <a:font script="Yiii" typeface="Microsoft Yi Baiti"/>
+        <a:font script="Tibt" typeface="Microsoft Himalaya"/>
+        <a:font script="Thaa" typeface="MV Boli"/>
+        <a:font script="Deva" typeface="Mangal"/>
+        <a:font script="Telu" typeface="Gautami"/>
+        <a:font script="Taml" typeface="Latha"/>
+        <a:font script="Syrc" typeface="Estrangelo Edessa"/>
+        <a:font script="Orya" typeface="Kalinga"/>
+        <a:font script="Mlym" typeface="Kartika"/>
+        <a:font script="Laoo" typeface="DokChampa"/>
+        <a:font script="Sinh" typeface="Iskoola Pota"/>
+        <a:font script="Mong" typeface="Mongolian Baiti"/>
+        <a:font script="Viet" typeface="Arial"/>
+        <a:font script="Uigh" typeface="Microsoft Uighur"/>
+        <a:font script="Geor" typeface="Sylfaen"/>
+        <a:font script="Armn" typeface="Arial"/>
+        <a:font script="Bugi" typeface="Leelawadee UI"/>
+        <a:font script="Bopo" typeface="Microsoft JhengHei"/>
+        <a:font script="Java" typeface="Javanese Text"/>
+        <a:font script="Lisu" typeface="Segoe UI"/>
+        <a:font script="Mymr" typeface="Myanmar Text"/>
+        <a:font script="Nkoo" typeface="Ebrima"/>
+        <a:font script="Olck" typeface="Nirmala UI"/>
+        <a:font script="Osma" typeface="Ebrima"/>
+        <a:font script="Phag" typeface="Phagspa"/>
+        <a:font script="Syrn" typeface="Estrangelo Edessa"/>
+        <a:font script="Syrj" typeface="Estrangelo Edessa"/>
+        <a:font script="Syre" typeface="Estrangelo Edessa"/>
+        <a:font script="Sora" typeface="Nirmala UI"/>
+        <a:font script="Tale" typeface="Microsoft Tai Le"/>
+        <a:font script="Talu" typeface="Microsoft New Tai Lue"/>
+        <a:font script="Tfng" typeface="Ebrima"/>
+      </a:minorFont>
+    </a:fontScheme>
+    <a:fmtScheme name="Office">
+      <a:fillStyleLst>
+        <a:solidFill>
+          <a:schemeClr val="phClr"/>
+        </a:solidFill>
+        <a:gradFill rotWithShape="1">
+          <a:gsLst>
+            <a:gs pos="0">
+              <a:schemeClr val="phClr">
+                <a:lumMod val="110000"/>
+                <a:satMod val="105000"/>
+                <a:tint val="67000"/>
+              </a:schemeClr>
+            </a:gs>
+            <a:gs pos="50000">
+              <a:schemeClr val="phClr">
+                <a:lumMod val="105000"/>
+                <a:satMod val="103000"/>
+                <a:tint val="73000"/>
+              </a:schemeClr>
+            </a:gs>
+            <a:gs pos="100000">
+              <a:schemeClr val="phClr">
+                <a:lumMod val="105000"/>
+                <a:satMod val="109000"/>
+                <a:tint val="81000"/>
+              </a:schemeClr>
+            </a:gs>
+          </a:gsLst>
+          <a:lin ang="5400000" scaled="0"/>
+        </a:gradFill>
+        <a:gradFill rotWithShape="1">
+          <a:gsLst>
+            <a:gs pos="0">
+              <a:schemeClr val="phClr">
+                <a:satMod val="103000"/>
+                <a:lumMod val="102000"/>
+                <a:tint val="94000"/>
+              </a:schemeClr>
+            </a:gs>
+            <a:gs pos="50000">
+              <a:schemeClr val="phClr">
+                <a:satMod val="110000"/>
+                <a:lumMod val="100000"/>
+                <a:shade val="100000"/>
+              </a:schemeClr>
+            </a:gs>
+            <a:gs pos="100000">
+              <a:schemeClr val="phClr">
+                <a:lumMod val="99000"/>
+                <a:satMod val="120000"/>
+                <a:shade val="78000"/>
+              </a:schemeClr>
+            </a:gs>
+          </a:gsLst>
+          <a:lin ang="5400000" scaled="0"/>
+        </a:gradFill>
+      </a:fillStyleLst>
+      <a:lnStyleLst>
+        <a:ln w="6350" cap="flat" cmpd="sng" algn="ctr">
+          <a:solidFill>
+            <a:schemeClr val="phClr"/>
+          </a:solidFill>
+          <a:prstDash val="solid"/>
+          <a:miter lim="800000"/>
+        </a:ln>
+        <a:ln w="12700" cap="flat" cmpd="sng" algn="ctr">
+          <a:solidFill>
+            <a:schemeClr val="phClr"/>
+          </a:solidFill>
+          <a:prstDash val="solid"/>
+          <a:miter lim="800000"/>
+        </a:ln>
+        <a:ln w="19050" cap="flat" cmpd="sng" algn="ctr">
+          <a:solidFill>
+            <a:schemeClr val="phClr"/>
+          </a:solidFill>
+          <a:prstDash val="solid"/>
+          <a:miter lim="800000"/>
+        </a:ln>
+      </a:lnStyleLst>
+      <a:effectStyleLst>
+        <a:effectStyle>
+          <a:effectLst/>
+        </a:effectStyle>
+        <a:effectStyle>
+          <a:effectLst/>
+        </a:effectStyle>
+        <a:effectStyle>
+          <a:effectLst>
+            <a:outerShdw blurRad="57150" dist="19050" dir="5400000" algn="ctr" rotWithShape="0">
+              <a:srgbClr val="000000">
+                <a:alpha val="63000"/>
+              </a:srgbClr>
+            </a:outerShdw>
+          </a:effectLst>
+        </a:effectStyle>
+      </a:effectStyleLst>
+      <a:bgFillStyleLst>
+        <a:solidFill>
+          <a:schemeClr val="phClr"/>
+        </a:solidFill>
+        <a:solidFill>
+          <a:schemeClr val="phClr">
+            <a:tint val="95000"/>
+            <a:satMod val="170000"/>
+          </a:schemeClr>
+        </a:solidFill>
+        <a:gradFill rotWithShape="1">
+          <a:gsLst>
+            <a:gs pos="0">
+              <a:schemeClr val="phClr">
+                <a:tint val="93000"/>
+                <a:satMod val="150000"/>
+                <a:shade val="98000"/>
+                <a:lumMod val="102000"/>
+              </a:schemeClr>
+            </a:gs>
+            <a:gs pos="50000">
+              <a:schemeClr val="phClr">
+                <a:tint val="98000"/>
+                <a:satMod val="130000"/>
+                <a:shade val="90000"/>
+                <a:lumMod val="103000"/>
+              </a:schemeClr>
+            </a:gs>
+            <a:gs pos="100000">
+              <a:schemeClr val="phClr">
+                <a:shade val="63000"/>
+                <a:satMod val="120000"/>
+              </a:schemeClr>
+            </a:gs>
+          </a:gsLst>
+          <a:lin ang="5400000" scaled="0"/>
+        </a:gradFill>
+      </a:bgFillStyleLst>
+    </a:fmtScheme>
+  </a:themeElements>
+  <a:objectDefaults/>
+  <a:extraClrSchemeLst/>
+  <a:extLst>
+    <a:ext uri="{05A4C25C-085E-4340-85A3-A5531E510DB2}">
+      <thm15:themeFamily xmlns:thm15="http://schemas.microsoft.com/office/thememl/2012/main" name="Office Theme" id="{62F939B6-93AF-4DB8-9C6B-D6C7DFDC589F}" vid="{4A3C46E8-61CC-4603-A589-7422A47A8E4A}"/>
+    </a:ext>
+  </a:extLst>
+</a:theme>
 </file>
--- a/Output/MentalHealth_in_the_US.pptx
+++ b/Output/MentalHealth_in_the_US.pptx
@@ -1982,7 +1982,7 @@
           <a:p>
             <a:fld id="{4AAD347D-5ACD-4C99-B74B-A9C85AD731AF}" type="datetimeFigureOut">
               <a:rPr lang="en-US" smtClean="0"/>
-              <a:t>3/14/2019</a:t>
+              <a:t>3/14/19</a:t>
             </a:fld>
             <a:endParaRPr lang="en-US" dirty="0"/>
           </a:p>
@@ -2257,7 +2257,7 @@
           <a:p>
             <a:fld id="{4AAD347D-5ACD-4C99-B74B-A9C85AD731AF}" type="datetimeFigureOut">
               <a:rPr lang="en-US" smtClean="0"/>
-              <a:t>3/14/2019</a:t>
+              <a:t>3/14/19</a:t>
             </a:fld>
             <a:endParaRPr lang="en-US" dirty="0"/>
           </a:p>
@@ -2452,7 +2452,7 @@
           <a:p>
             <a:fld id="{4AAD347D-5ACD-4C99-B74B-A9C85AD731AF}" type="datetimeFigureOut">
               <a:rPr lang="en-US" smtClean="0"/>
-              <a:t>3/14/2019</a:t>
+              <a:t>3/14/19</a:t>
             </a:fld>
             <a:endParaRPr lang="en-US" dirty="0"/>
           </a:p>
@@ -2726,7 +2726,7 @@
           <a:p>
             <a:fld id="{4AAD347D-5ACD-4C99-B74B-A9C85AD731AF}" type="datetimeFigureOut">
               <a:rPr lang="en-US" smtClean="0"/>
-              <a:t>3/14/2019</a:t>
+              <a:t>3/14/19</a:t>
             </a:fld>
             <a:endParaRPr lang="en-US" dirty="0"/>
           </a:p>
@@ -3068,7 +3068,7 @@
           <a:p>
             <a:fld id="{4AAD347D-5ACD-4C99-B74B-A9C85AD731AF}" type="datetimeFigureOut">
               <a:rPr lang="en-US" smtClean="0"/>
-              <a:t>3/14/2019</a:t>
+              <a:t>3/14/19</a:t>
             </a:fld>
             <a:endParaRPr lang="en-US" dirty="0"/>
           </a:p>
@@ -3692,7 +3692,7 @@
           <a:p>
             <a:fld id="{4AAD347D-5ACD-4C99-B74B-A9C85AD731AF}" type="datetimeFigureOut">
               <a:rPr lang="en-US" smtClean="0"/>
-              <a:t>3/14/2019</a:t>
+              <a:t>3/14/19</a:t>
             </a:fld>
             <a:endParaRPr lang="en-US" dirty="0"/>
           </a:p>
@@ -4553,7 +4553,7 @@
           <a:p>
             <a:fld id="{4AAD347D-5ACD-4C99-B74B-A9C85AD731AF}" type="datetimeFigureOut">
               <a:rPr lang="en-US" smtClean="0"/>
-              <a:t>3/14/2019</a:t>
+              <a:t>3/14/19</a:t>
             </a:fld>
             <a:endParaRPr lang="en-US" dirty="0"/>
           </a:p>
@@ -4724,7 +4724,7 @@
           <a:p>
             <a:fld id="{4509A250-FF31-4206-8172-F9D3106AACB1}" type="datetimeFigureOut">
               <a:rPr lang="en-US" smtClean="0"/>
-              <a:t>3/14/2019</a:t>
+              <a:t>3/14/19</a:t>
             </a:fld>
             <a:endParaRPr lang="en-US" dirty="0"/>
           </a:p>
@@ -4904,7 +4904,7 @@
           <a:p>
             <a:fld id="{4509A250-FF31-4206-8172-F9D3106AACB1}" type="datetimeFigureOut">
               <a:rPr lang="en-US" smtClean="0"/>
-              <a:t>3/14/2019</a:t>
+              <a:t>3/14/19</a:t>
             </a:fld>
             <a:endParaRPr lang="en-US" dirty="0"/>
           </a:p>
@@ -5074,7 +5074,7 @@
           <a:p>
             <a:fld id="{4509A250-FF31-4206-8172-F9D3106AACB1}" type="datetimeFigureOut">
               <a:rPr lang="en-US" smtClean="0"/>
-              <a:t>3/14/2019</a:t>
+              <a:t>3/14/19</a:t>
             </a:fld>
             <a:endParaRPr lang="en-US" dirty="0"/>
           </a:p>
@@ -5321,7 +5321,7 @@
           <a:p>
             <a:fld id="{9796027F-7875-4030-9381-8BD8C4F21935}" type="datetimeFigureOut">
               <a:rPr lang="en-US" smtClean="0"/>
-              <a:t>3/14/2019</a:t>
+              <a:t>3/14/19</a:t>
             </a:fld>
             <a:endParaRPr lang="en-US" dirty="0"/>
           </a:p>
@@ -5613,7 +5613,7 @@
           <a:p>
             <a:fld id="{9796027F-7875-4030-9381-8BD8C4F21935}" type="datetimeFigureOut">
               <a:rPr lang="en-US" smtClean="0"/>
-              <a:t>3/14/2019</a:t>
+              <a:t>3/14/19</a:t>
             </a:fld>
             <a:endParaRPr lang="en-US" dirty="0"/>
           </a:p>
@@ -6057,7 +6057,7 @@
           <a:p>
             <a:fld id="{9796027F-7875-4030-9381-8BD8C4F21935}" type="datetimeFigureOut">
               <a:rPr lang="en-US" smtClean="0"/>
-              <a:t>3/14/2019</a:t>
+              <a:t>3/14/19</a:t>
             </a:fld>
             <a:endParaRPr lang="en-US" dirty="0"/>
           </a:p>
@@ -6175,7 +6175,7 @@
           <a:p>
             <a:fld id="{4509A250-FF31-4206-8172-F9D3106AACB1}" type="datetimeFigureOut">
               <a:rPr lang="en-US" smtClean="0"/>
-              <a:t>3/14/2019</a:t>
+              <a:t>3/14/19</a:t>
             </a:fld>
             <a:endParaRPr lang="en-US" dirty="0"/>
           </a:p>
@@ -6270,7 +6270,7 @@
           <a:p>
             <a:fld id="{4509A250-FF31-4206-8172-F9D3106AACB1}" type="datetimeFigureOut">
               <a:rPr lang="en-US" smtClean="0"/>
-              <a:t>3/14/2019</a:t>
+              <a:t>3/14/19</a:t>
             </a:fld>
             <a:endParaRPr lang="en-US" dirty="0"/>
           </a:p>
@@ -6549,7 +6549,7 @@
           <a:p>
             <a:fld id="{4509A250-FF31-4206-8172-F9D3106AACB1}" type="datetimeFigureOut">
               <a:rPr lang="en-US" smtClean="0"/>
-              <a:t>3/14/2019</a:t>
+              <a:t>3/14/19</a:t>
             </a:fld>
             <a:endParaRPr lang="en-US" dirty="0"/>
           </a:p>
@@ -6824,7 +6824,7 @@
           <a:p>
             <a:fld id="{4509A250-FF31-4206-8172-F9D3106AACB1}" type="datetimeFigureOut">
               <a:rPr lang="en-US" smtClean="0"/>
-              <a:t>3/14/2019</a:t>
+              <a:t>3/14/19</a:t>
             </a:fld>
             <a:endParaRPr lang="en-US" dirty="0"/>
           </a:p>
@@ -7253,7 +7253,7 @@
           <a:p>
             <a:fld id="{4AAD347D-5ACD-4C99-B74B-A9C85AD731AF}" type="datetimeFigureOut">
               <a:rPr lang="en-US" smtClean="0"/>
-              <a:t>3/14/2019</a:t>
+              <a:t>3/14/19</a:t>
             </a:fld>
             <a:endParaRPr lang="en-US" dirty="0"/>
           </a:p>
@@ -8049,7 +8049,7 @@
         </p:nvSpPr>
         <p:spPr>
           <a:xfrm>
-            <a:off x="530497" y="0"/>
+            <a:off x="737325" y="533400"/>
             <a:ext cx="9404723" cy="1400530"/>
           </a:xfrm>
         </p:spPr>
@@ -8078,8 +8078,8 @@
         </p:nvSpPr>
         <p:spPr>
           <a:xfrm>
-            <a:off x="9548376" y="4278388"/>
-            <a:ext cx="2549031" cy="1477328"/>
+            <a:off x="8578941" y="2410641"/>
+            <a:ext cx="3144973" cy="1477328"/>
           </a:xfrm>
           <a:prstGeom prst="rect">
             <a:avLst/>
@@ -8109,10 +8109,10 @@
       </p:sp>
       <p:pic>
         <p:nvPicPr>
-          <p:cNvPr id="22" name="Content Placeholder 21" descr="A screenshot of a cell phone&#10;&#10;Description automatically generated">
+          <p:cNvPr id="12" name="Content Placeholder 11" descr="A picture containing sky&#10;&#10;Description automatically generated">
             <a:extLst>
               <a:ext uri="{FF2B5EF4-FFF2-40B4-BE49-F238E27FC236}">
-                <a16:creationId xmlns:a16="http://schemas.microsoft.com/office/drawing/2014/main" id="{1BA34C40-2D6A-D843-90C2-474AF1315CB1}"/>
+                <a16:creationId xmlns:a16="http://schemas.microsoft.com/office/drawing/2014/main" id="{0F3A7879-88A5-C84F-A2E9-E21FD32E98B9}"/>
               </a:ext>
             </a:extLst>
           </p:cNvPr>
@@ -8131,46 +8131,11 @@
         </p:blipFill>
         <p:spPr>
           <a:xfrm>
-            <a:off x="94593" y="714703"/>
-            <a:ext cx="9343698" cy="6023413"/>
+            <a:off x="1064028" y="1312409"/>
+            <a:ext cx="6686601" cy="5151121"/>
           </a:xfrm>
         </p:spPr>
       </p:pic>
-      <p:sp>
-        <p:nvSpPr>
-          <p:cNvPr id="5" name="TextBox 4">
-            <a:extLst>
-              <a:ext uri="{FF2B5EF4-FFF2-40B4-BE49-F238E27FC236}">
-                <a16:creationId xmlns:a16="http://schemas.microsoft.com/office/drawing/2014/main" id="{24184806-A489-4947-A105-E9CF42E7B32A}"/>
-              </a:ext>
-            </a:extLst>
-          </p:cNvPr>
-          <p:cNvSpPr txBox="1"/>
-          <p:nvPr/>
-        </p:nvSpPr>
-        <p:spPr>
-          <a:xfrm>
-            <a:off x="9483062" y="1400530"/>
-            <a:ext cx="2614345" cy="1477328"/>
-          </a:xfrm>
-          <a:prstGeom prst="rect">
-            <a:avLst/>
-          </a:prstGeom>
-          <a:noFill/>
-        </p:spPr>
-        <p:txBody>
-          <a:bodyPr wrap="square" rtlCol="0">
-            <a:spAutoFit/>
-          </a:bodyPr>
-          <a:lstStyle/>
-          <a:p>
-            <a:r>
-              <a:rPr lang="en-CA" dirty="0"/>
-              <a:t>States are ranked from the highest level of poverty (top) to the lowest level of poverty (bottom)</a:t>
-            </a:r>
-          </a:p>
-        </p:txBody>
-      </p:sp>
     </p:spTree>
     <p:extLst>
       <p:ext uri="{BB962C8B-B14F-4D97-AF65-F5344CB8AC3E}">
@@ -8219,7 +8184,7 @@
         </p:nvSpPr>
         <p:spPr>
           <a:xfrm>
-            <a:off x="646111" y="39057"/>
+            <a:off x="646111" y="342205"/>
             <a:ext cx="9404723" cy="850462"/>
           </a:xfrm>
         </p:spPr>
@@ -8248,8 +8213,8 @@
         </p:nvSpPr>
         <p:spPr>
           <a:xfrm>
-            <a:off x="9507840" y="4559013"/>
-            <a:ext cx="2602767" cy="1477328"/>
+            <a:off x="8749450" y="2381869"/>
+            <a:ext cx="2963579" cy="1477328"/>
           </a:xfrm>
           <a:prstGeom prst="rect">
             <a:avLst/>
@@ -8279,10 +8244,10 @@
       </p:sp>
       <p:pic>
         <p:nvPicPr>
-          <p:cNvPr id="10" name="Content Placeholder 9" descr="A close up of a logo&#10;&#10;Description automatically generated">
+          <p:cNvPr id="8" name="Content Placeholder 7" descr="A screenshot of a cell phone&#10;&#10;Description automatically generated">
             <a:extLst>
               <a:ext uri="{FF2B5EF4-FFF2-40B4-BE49-F238E27FC236}">
-                <a16:creationId xmlns:a16="http://schemas.microsoft.com/office/drawing/2014/main" id="{1F5396D0-259A-C441-A07D-762C86C28FAD}"/>
+                <a16:creationId xmlns:a16="http://schemas.microsoft.com/office/drawing/2014/main" id="{818757D9-6B8E-5B46-BF9A-66EB17FCB188}"/>
               </a:ext>
             </a:extLst>
           </p:cNvPr>
@@ -8301,46 +8266,11 @@
         </p:blipFill>
         <p:spPr>
           <a:xfrm>
-            <a:off x="81393" y="746234"/>
-            <a:ext cx="9325366" cy="6072709"/>
+            <a:off x="646111" y="1225324"/>
+            <a:ext cx="7256918" cy="5429244"/>
           </a:xfrm>
         </p:spPr>
       </p:pic>
-      <p:sp>
-        <p:nvSpPr>
-          <p:cNvPr id="5" name="TextBox 4">
-            <a:extLst>
-              <a:ext uri="{FF2B5EF4-FFF2-40B4-BE49-F238E27FC236}">
-                <a16:creationId xmlns:a16="http://schemas.microsoft.com/office/drawing/2014/main" id="{AF84531D-876C-45B0-A4BC-EA429F431113}"/>
-              </a:ext>
-            </a:extLst>
-          </p:cNvPr>
-          <p:cNvSpPr txBox="1"/>
-          <p:nvPr/>
-        </p:nvSpPr>
-        <p:spPr>
-          <a:xfrm>
-            <a:off x="9490943" y="1560323"/>
-            <a:ext cx="2602767" cy="2031325"/>
-          </a:xfrm>
-          <a:prstGeom prst="rect">
-            <a:avLst/>
-          </a:prstGeom>
-          <a:noFill/>
-        </p:spPr>
-        <p:txBody>
-          <a:bodyPr wrap="square" rtlCol="0">
-            <a:spAutoFit/>
-          </a:bodyPr>
-          <a:lstStyle/>
-          <a:p>
-            <a:r>
-              <a:rPr lang="en-CA" dirty="0"/>
-              <a:t>States are ranked from the highest level of unemployment (top) to the lowest level of unemployment (bottom)</a:t>
-            </a:r>
-          </a:p>
-        </p:txBody>
-      </p:sp>
     </p:spTree>
     <p:extLst>
       <p:ext uri="{BB962C8B-B14F-4D97-AF65-F5344CB8AC3E}">
@@ -8389,7 +8319,7 @@
         </p:nvSpPr>
         <p:spPr>
           <a:xfrm>
-            <a:off x="593560" y="0"/>
+            <a:off x="506474" y="382371"/>
             <a:ext cx="9404723" cy="703692"/>
           </a:xfrm>
         </p:spPr>
@@ -8404,12 +8334,55 @@
           </a:p>
         </p:txBody>
       </p:sp>
+      <p:sp>
+        <p:nvSpPr>
+          <p:cNvPr id="11" name="TextBox 10">
+            <a:extLst>
+              <a:ext uri="{FF2B5EF4-FFF2-40B4-BE49-F238E27FC236}">
+                <a16:creationId xmlns:a16="http://schemas.microsoft.com/office/drawing/2014/main" id="{5621166E-AB62-F442-B1DA-B77B2AB4431D}"/>
+              </a:ext>
+            </a:extLst>
+          </p:cNvPr>
+          <p:cNvSpPr txBox="1"/>
+          <p:nvPr/>
+        </p:nvSpPr>
+        <p:spPr>
+          <a:xfrm>
+            <a:off x="8622883" y="2795786"/>
+            <a:ext cx="3275203" cy="1477328"/>
+          </a:xfrm>
+          <a:prstGeom prst="rect">
+            <a:avLst/>
+          </a:prstGeom>
+          <a:noFill/>
+        </p:spPr>
+        <p:txBody>
+          <a:bodyPr wrap="square" rtlCol="0">
+            <a:spAutoFit/>
+          </a:bodyPr>
+          <a:lstStyle/>
+          <a:p>
+            <a:r>
+              <a:rPr lang="en-CA" dirty="0"/>
+              <a:t>States with greater uninsured are </a:t>
+            </a:r>
+            <a:r>
+              <a:rPr lang="en-CA" b="1" dirty="0"/>
+              <a:t>NOT</a:t>
+            </a:r>
+            <a:r>
+              <a:rPr lang="en-CA" dirty="0"/>
+              <a:t> [necessarily] states with higher rates of mental illness</a:t>
+            </a:r>
+          </a:p>
+        </p:txBody>
+      </p:sp>
       <p:pic>
         <p:nvPicPr>
-          <p:cNvPr id="10" name="Content Placeholder 9" descr="A close up of a logo&#10;&#10;Description automatically generated">
+          <p:cNvPr id="7" name="Content Placeholder 6">
             <a:extLst>
               <a:ext uri="{FF2B5EF4-FFF2-40B4-BE49-F238E27FC236}">
-                <a16:creationId xmlns:a16="http://schemas.microsoft.com/office/drawing/2014/main" id="{73743633-8B9B-1749-A6EC-8684C168D096}"/>
+                <a16:creationId xmlns:a16="http://schemas.microsoft.com/office/drawing/2014/main" id="{82910FF3-19F3-DE48-A57A-64896B84472B}"/>
               </a:ext>
             </a:extLst>
           </p:cNvPr>
@@ -8428,88 +8401,11 @@
         </p:blipFill>
         <p:spPr>
           <a:xfrm>
-            <a:off x="105101" y="798786"/>
-            <a:ext cx="9405171" cy="6059214"/>
+            <a:off x="704798" y="1331119"/>
+            <a:ext cx="7372401" cy="5313618"/>
           </a:xfrm>
         </p:spPr>
       </p:pic>
-      <p:sp>
-        <p:nvSpPr>
-          <p:cNvPr id="11" name="TextBox 10">
-            <a:extLst>
-              <a:ext uri="{FF2B5EF4-FFF2-40B4-BE49-F238E27FC236}">
-                <a16:creationId xmlns:a16="http://schemas.microsoft.com/office/drawing/2014/main" id="{5621166E-AB62-F442-B1DA-B77B2AB4431D}"/>
-              </a:ext>
-            </a:extLst>
-          </p:cNvPr>
-          <p:cNvSpPr txBox="1"/>
-          <p:nvPr/>
-        </p:nvSpPr>
-        <p:spPr>
-          <a:xfrm>
-            <a:off x="9569731" y="4907615"/>
-            <a:ext cx="2576627" cy="1477328"/>
-          </a:xfrm>
-          <a:prstGeom prst="rect">
-            <a:avLst/>
-          </a:prstGeom>
-          <a:noFill/>
-        </p:spPr>
-        <p:txBody>
-          <a:bodyPr wrap="square" rtlCol="0">
-            <a:spAutoFit/>
-          </a:bodyPr>
-          <a:lstStyle/>
-          <a:p>
-            <a:r>
-              <a:rPr lang="en-CA" dirty="0"/>
-              <a:t>States with greater uninsured are </a:t>
-            </a:r>
-            <a:r>
-              <a:rPr lang="en-CA" b="1" dirty="0"/>
-              <a:t>NOT</a:t>
-            </a:r>
-            <a:r>
-              <a:rPr lang="en-CA" dirty="0"/>
-              <a:t> [necessarily] states with higher rates of mental illness</a:t>
-            </a:r>
-          </a:p>
-        </p:txBody>
-      </p:sp>
-      <p:sp>
-        <p:nvSpPr>
-          <p:cNvPr id="3" name="Rectangle 2">
-            <a:extLst>
-              <a:ext uri="{FF2B5EF4-FFF2-40B4-BE49-F238E27FC236}">
-                <a16:creationId xmlns:a16="http://schemas.microsoft.com/office/drawing/2014/main" id="{49C547DB-574F-40F3-9221-616C37286A1B}"/>
-              </a:ext>
-            </a:extLst>
-          </p:cNvPr>
-          <p:cNvSpPr/>
-          <p:nvPr/>
-        </p:nvSpPr>
-        <p:spPr>
-          <a:xfrm>
-            <a:off x="9629192" y="1211721"/>
-            <a:ext cx="2457707" cy="3139321"/>
-          </a:xfrm>
-          <a:prstGeom prst="rect">
-            <a:avLst/>
-          </a:prstGeom>
-        </p:spPr>
-        <p:txBody>
-          <a:bodyPr wrap="square">
-            <a:spAutoFit/>
-          </a:bodyPr>
-          <a:lstStyle/>
-          <a:p>
-            <a:r>
-              <a:rPr lang="en-CA" dirty="0"/>
-              <a:t>States are ranked from the highest percentage of the population with medical coverage(top) to the lowest percentage of the population with medical coverage (bottom)</a:t>
-            </a:r>
-          </a:p>
-        </p:txBody>
-      </p:sp>
     </p:spTree>
     <p:extLst>
       <p:ext uri="{BB962C8B-B14F-4D97-AF65-F5344CB8AC3E}">
